--- a/powerpoints/Roc_Day10.pptx
+++ b/powerpoints/Roc_Day10.pptx
@@ -1,21 +1,24 @@
 
 <file path=ppt/presentation.xml><?xml version="1.0" encoding="utf-8"?>
-<p:presentation xmlns:a="http://schemas.openxmlformats.org/drawingml/2006/main" xmlns:r="http://schemas.openxmlformats.org/officeDocument/2006/relationships" xmlns:p="http://schemas.openxmlformats.org/presentationml/2006/main" firstSlideNum="0" strictFirstAndLastChars="0" saveSubsetFonts="1" autoCompressPictures="0">
+<p:presentation xmlns:a="http://schemas.openxmlformats.org/drawingml/2006/main" xmlns:r="http://schemas.openxmlformats.org/officeDocument/2006/relationships" xmlns:p="http://schemas.openxmlformats.org/presentationml/2006/main" firstSlideNum="0" strictFirstAndLastChars="0" autoCompressPictures="0">
   <p:sldMasterIdLst>
-    <p:sldMasterId id="2147483661" r:id="rId1"/>
+    <p:sldMasterId id="2147483648" r:id="rId1"/>
   </p:sldMasterIdLst>
   <p:notesMasterIdLst>
-    <p:notesMasterId r:id="rId10"/>
+    <p:notesMasterId r:id="rId4"/>
   </p:notesMasterIdLst>
+  <p:handoutMasterIdLst>
+    <p:handoutMasterId r:id="rId12"/>
+  </p:handoutMasterIdLst>
   <p:sldIdLst>
-    <p:sldId id="256" r:id="rId2"/>
-    <p:sldId id="326" r:id="rId3"/>
-    <p:sldId id="322" r:id="rId4"/>
-    <p:sldId id="324" r:id="rId5"/>
-    <p:sldId id="323" r:id="rId6"/>
-    <p:sldId id="325" r:id="rId7"/>
-    <p:sldId id="327" r:id="rId8"/>
-    <p:sldId id="270" r:id="rId9"/>
+    <p:sldId id="256" r:id="rId3"/>
+    <p:sldId id="326" r:id="rId5"/>
+    <p:sldId id="322" r:id="rId6"/>
+    <p:sldId id="324" r:id="rId7"/>
+    <p:sldId id="323" r:id="rId8"/>
+    <p:sldId id="325" r:id="rId9"/>
+    <p:sldId id="327" r:id="rId10"/>
+    <p:sldId id="270" r:id="rId11"/>
   </p:sldIdLst>
   <p:sldSz cx="9144000" cy="6858000" type="screen4x3"/>
   <p:notesSz cx="7010400" cy="9296400"/>
@@ -44,15 +47,15 @@
       <a:buClr>
         <a:srgbClr val="000000"/>
       </a:buClr>
-      <a:buFont typeface="Arial"/>
+      <a:buFont typeface="Arial" panose="020B0604020202020204"/>
       <a:defRPr sz="1400" b="0" i="0" u="none" strike="noStrike" cap="none">
         <a:solidFill>
           <a:srgbClr val="000000"/>
         </a:solidFill>
-        <a:latin typeface="Arial"/>
-        <a:ea typeface="Arial"/>
-        <a:cs typeface="Arial"/>
-        <a:sym typeface="Arial"/>
+        <a:latin typeface="Arial" panose="020B0604020202020204"/>
+        <a:ea typeface="Arial" panose="020B0604020202020204"/>
+        <a:cs typeface="Arial" panose="020B0604020202020204"/>
+        <a:sym typeface="Arial" panose="020B0604020202020204"/>
       </a:defRPr>
     </a:lvl1pPr>
     <a:lvl2pPr marR="0" lvl="1" algn="l" rtl="0">
@@ -68,15 +71,15 @@
       <a:buClr>
         <a:srgbClr val="000000"/>
       </a:buClr>
-      <a:buFont typeface="Arial"/>
+      <a:buFont typeface="Arial" panose="020B0604020202020204"/>
       <a:defRPr sz="1400" b="0" i="0" u="none" strike="noStrike" cap="none">
         <a:solidFill>
           <a:srgbClr val="000000"/>
         </a:solidFill>
-        <a:latin typeface="Arial"/>
-        <a:ea typeface="Arial"/>
-        <a:cs typeface="Arial"/>
-        <a:sym typeface="Arial"/>
+        <a:latin typeface="Arial" panose="020B0604020202020204"/>
+        <a:ea typeface="Arial" panose="020B0604020202020204"/>
+        <a:cs typeface="Arial" panose="020B0604020202020204"/>
+        <a:sym typeface="Arial" panose="020B0604020202020204"/>
       </a:defRPr>
     </a:lvl2pPr>
     <a:lvl3pPr marR="0" lvl="2" algn="l" rtl="0">
@@ -92,15 +95,15 @@
       <a:buClr>
         <a:srgbClr val="000000"/>
       </a:buClr>
-      <a:buFont typeface="Arial"/>
+      <a:buFont typeface="Arial" panose="020B0604020202020204"/>
       <a:defRPr sz="1400" b="0" i="0" u="none" strike="noStrike" cap="none">
         <a:solidFill>
           <a:srgbClr val="000000"/>
         </a:solidFill>
-        <a:latin typeface="Arial"/>
-        <a:ea typeface="Arial"/>
-        <a:cs typeface="Arial"/>
-        <a:sym typeface="Arial"/>
+        <a:latin typeface="Arial" panose="020B0604020202020204"/>
+        <a:ea typeface="Arial" panose="020B0604020202020204"/>
+        <a:cs typeface="Arial" panose="020B0604020202020204"/>
+        <a:sym typeface="Arial" panose="020B0604020202020204"/>
       </a:defRPr>
     </a:lvl3pPr>
     <a:lvl4pPr marR="0" lvl="3" algn="l" rtl="0">
@@ -116,15 +119,15 @@
       <a:buClr>
         <a:srgbClr val="000000"/>
       </a:buClr>
-      <a:buFont typeface="Arial"/>
+      <a:buFont typeface="Arial" panose="020B0604020202020204"/>
       <a:defRPr sz="1400" b="0" i="0" u="none" strike="noStrike" cap="none">
         <a:solidFill>
           <a:srgbClr val="000000"/>
         </a:solidFill>
-        <a:latin typeface="Arial"/>
-        <a:ea typeface="Arial"/>
-        <a:cs typeface="Arial"/>
-        <a:sym typeface="Arial"/>
+        <a:latin typeface="Arial" panose="020B0604020202020204"/>
+        <a:ea typeface="Arial" panose="020B0604020202020204"/>
+        <a:cs typeface="Arial" panose="020B0604020202020204"/>
+        <a:sym typeface="Arial" panose="020B0604020202020204"/>
       </a:defRPr>
     </a:lvl4pPr>
     <a:lvl5pPr marR="0" lvl="4" algn="l" rtl="0">
@@ -140,15 +143,15 @@
       <a:buClr>
         <a:srgbClr val="000000"/>
       </a:buClr>
-      <a:buFont typeface="Arial"/>
+      <a:buFont typeface="Arial" panose="020B0604020202020204"/>
       <a:defRPr sz="1400" b="0" i="0" u="none" strike="noStrike" cap="none">
         <a:solidFill>
           <a:srgbClr val="000000"/>
         </a:solidFill>
-        <a:latin typeface="Arial"/>
-        <a:ea typeface="Arial"/>
-        <a:cs typeface="Arial"/>
-        <a:sym typeface="Arial"/>
+        <a:latin typeface="Arial" panose="020B0604020202020204"/>
+        <a:ea typeface="Arial" panose="020B0604020202020204"/>
+        <a:cs typeface="Arial" panose="020B0604020202020204"/>
+        <a:sym typeface="Arial" panose="020B0604020202020204"/>
       </a:defRPr>
     </a:lvl5pPr>
     <a:lvl6pPr marR="0" lvl="5" algn="l" rtl="0">
@@ -164,15 +167,15 @@
       <a:buClr>
         <a:srgbClr val="000000"/>
       </a:buClr>
-      <a:buFont typeface="Arial"/>
+      <a:buFont typeface="Arial" panose="020B0604020202020204"/>
       <a:defRPr sz="1400" b="0" i="0" u="none" strike="noStrike" cap="none">
         <a:solidFill>
           <a:srgbClr val="000000"/>
         </a:solidFill>
-        <a:latin typeface="Arial"/>
-        <a:ea typeface="Arial"/>
-        <a:cs typeface="Arial"/>
-        <a:sym typeface="Arial"/>
+        <a:latin typeface="Arial" panose="020B0604020202020204"/>
+        <a:ea typeface="Arial" panose="020B0604020202020204"/>
+        <a:cs typeface="Arial" panose="020B0604020202020204"/>
+        <a:sym typeface="Arial" panose="020B0604020202020204"/>
       </a:defRPr>
     </a:lvl6pPr>
     <a:lvl7pPr marR="0" lvl="6" algn="l" rtl="0">
@@ -188,15 +191,15 @@
       <a:buClr>
         <a:srgbClr val="000000"/>
       </a:buClr>
-      <a:buFont typeface="Arial"/>
+      <a:buFont typeface="Arial" panose="020B0604020202020204"/>
       <a:defRPr sz="1400" b="0" i="0" u="none" strike="noStrike" cap="none">
         <a:solidFill>
           <a:srgbClr val="000000"/>
         </a:solidFill>
-        <a:latin typeface="Arial"/>
-        <a:ea typeface="Arial"/>
-        <a:cs typeface="Arial"/>
-        <a:sym typeface="Arial"/>
+        <a:latin typeface="Arial" panose="020B0604020202020204"/>
+        <a:ea typeface="Arial" panose="020B0604020202020204"/>
+        <a:cs typeface="Arial" panose="020B0604020202020204"/>
+        <a:sym typeface="Arial" panose="020B0604020202020204"/>
       </a:defRPr>
     </a:lvl7pPr>
     <a:lvl8pPr marR="0" lvl="7" algn="l" rtl="0">
@@ -212,15 +215,15 @@
       <a:buClr>
         <a:srgbClr val="000000"/>
       </a:buClr>
-      <a:buFont typeface="Arial"/>
+      <a:buFont typeface="Arial" panose="020B0604020202020204"/>
       <a:defRPr sz="1400" b="0" i="0" u="none" strike="noStrike" cap="none">
         <a:solidFill>
           <a:srgbClr val="000000"/>
         </a:solidFill>
-        <a:latin typeface="Arial"/>
-        <a:ea typeface="Arial"/>
-        <a:cs typeface="Arial"/>
-        <a:sym typeface="Arial"/>
+        <a:latin typeface="Arial" panose="020B0604020202020204"/>
+        <a:ea typeface="Arial" panose="020B0604020202020204"/>
+        <a:cs typeface="Arial" panose="020B0604020202020204"/>
+        <a:sym typeface="Arial" panose="020B0604020202020204"/>
       </a:defRPr>
     </a:lvl8pPr>
     <a:lvl9pPr marR="0" lvl="8" algn="l" rtl="0">
@@ -236,129 +239,177 @@
       <a:buClr>
         <a:srgbClr val="000000"/>
       </a:buClr>
-      <a:buFont typeface="Arial"/>
+      <a:buFont typeface="Arial" panose="020B0604020202020204"/>
       <a:defRPr sz="1400" b="0" i="0" u="none" strike="noStrike" cap="none">
         <a:solidFill>
           <a:srgbClr val="000000"/>
         </a:solidFill>
-        <a:latin typeface="Arial"/>
-        <a:ea typeface="Arial"/>
-        <a:cs typeface="Arial"/>
-        <a:sym typeface="Arial"/>
+        <a:latin typeface="Arial" panose="020B0604020202020204"/>
+        <a:ea typeface="Arial" panose="020B0604020202020204"/>
+        <a:cs typeface="Arial" panose="020B0604020202020204"/>
+        <a:sym typeface="Arial" panose="020B0604020202020204"/>
       </a:defRPr>
     </a:lvl9pPr>
   </p:defaultTextStyle>
-  <p:extLst>
-    <p:ext uri="{EFAFB233-063F-42B5-8137-9DF3F51BA10A}">
-      <p15:sldGuideLst xmlns:p15="http://schemas.microsoft.com/office/powerpoint/2012/main">
-        <p15:guide id="1" orient="horz" pos="4176">
-          <p15:clr>
-            <a:srgbClr val="A4A3A4"/>
-          </p15:clr>
-        </p15:guide>
-        <p15:guide id="2" orient="horz" pos="763">
-          <p15:clr>
-            <a:srgbClr val="A4A3A4"/>
-          </p15:clr>
-        </p15:guide>
-        <p15:guide id="3" orient="horz" pos="288">
-          <p15:clr>
-            <a:srgbClr val="A4A3A4"/>
-          </p15:clr>
-        </p15:guide>
-        <p15:guide id="4" orient="horz" pos="708">
-          <p15:clr>
-            <a:srgbClr val="A4A3A4"/>
-          </p15:clr>
-        </p15:guide>
-        <p15:guide id="5" pos="240">
-          <p15:clr>
-            <a:srgbClr val="A4A3A4"/>
-          </p15:clr>
-        </p15:guide>
-        <p15:guide id="6" pos="5035">
-          <p15:clr>
-            <a:srgbClr val="A4A3A4"/>
-          </p15:clr>
-        </p15:guide>
-        <p15:guide id="7" pos="3437">
-          <p15:clr>
-            <a:srgbClr val="A4A3A4"/>
-          </p15:clr>
-        </p15:guide>
-        <p15:guide id="8" pos="3495">
-          <p15:clr>
-            <a:srgbClr val="A4A3A4"/>
-          </p15:clr>
-        </p15:guide>
-        <p15:guide id="9" pos="1825">
-          <p15:clr>
-            <a:srgbClr val="A4A3A4"/>
-          </p15:clr>
-        </p15:guide>
-        <p15:guide id="10" pos="1882">
-          <p15:clr>
-            <a:srgbClr val="A4A3A4"/>
-          </p15:clr>
-        </p15:guide>
-        <p15:guide id="11" pos="3399">
-          <p15:clr>
-            <a:srgbClr val="A4A3A4"/>
-          </p15:clr>
-        </p15:guide>
-        <p15:guide id="12" pos="2122">
-          <p15:clr>
-            <a:srgbClr val="A4A3A4"/>
-          </p15:clr>
-        </p15:guide>
-        <p15:guide id="13" orient="horz" pos="765">
-          <p15:clr>
-            <a:srgbClr val="A4A3A4"/>
-          </p15:clr>
-        </p15:guide>
-        <p15:guide id="14" pos="2880">
-          <p15:clr>
-            <a:srgbClr val="A4A3A4"/>
-          </p15:clr>
-        </p15:guide>
-        <p15:guide id="15" pos="1440">
-          <p15:clr>
-            <a:srgbClr val="A4A3A4"/>
-          </p15:clr>
-        </p15:guide>
-        <p15:guide id="16" pos="4320">
-          <p15:clr>
-            <a:srgbClr val="A4A3A4"/>
-          </p15:clr>
-        </p15:guide>
-      </p15:sldGuideLst>
-    </p:ext>
-    <p:ext uri="{2D200454-40CA-4A62-9FC3-DE9A4176ACB9}">
-      <p15:notesGuideLst xmlns:p15="http://schemas.microsoft.com/office/powerpoint/2012/main">
-        <p15:guide id="1" orient="horz" pos="3002">
-          <p15:clr>
-            <a:srgbClr val="A4A3A4"/>
-          </p15:clr>
-        </p15:guide>
-        <p15:guide id="2" pos="2282">
-          <p15:clr>
-            <a:srgbClr val="A4A3A4"/>
-          </p15:clr>
-        </p15:guide>
-        <p15:guide id="3" orient="horz" pos="2928">
-          <p15:clr>
-            <a:srgbClr val="A4A3A4"/>
-          </p15:clr>
-        </p15:guide>
-        <p15:guide id="4" pos="2208">
-          <p15:clr>
-            <a:srgbClr val="A4A3A4"/>
-          </p15:clr>
-        </p15:guide>
-      </p15:notesGuideLst>
-    </p:ext>
-  </p:extLst>
 </p:presentation>
+</file>
+
+<file path=ppt/handoutMasters/handoutMaster1.xml><?xml version="1.0" encoding="utf-8"?>
+<p:handoutMaster xmlns:a="http://schemas.openxmlformats.org/drawingml/2006/main" xmlns:r="http://schemas.openxmlformats.org/officeDocument/2006/relationships" xmlns:p="http://schemas.openxmlformats.org/presentationml/2006/main">
+  <p:cSld>
+    <p:bg>
+      <p:bgRef idx="1001">
+        <a:schemeClr val="bg1"/>
+      </p:bgRef>
+    </p:bg>
+    <p:spTree>
+      <p:nvGrpSpPr>
+        <p:cNvPr id="1" name=""/>
+        <p:cNvGrpSpPr/>
+        <p:nvPr/>
+      </p:nvGrpSpPr>
+      <p:grpSpPr>
+        <a:xfrm>
+          <a:off x="0" y="0"/>
+          <a:ext cx="0" cy="0"/>
+          <a:chOff x="0" y="0"/>
+          <a:chExt cx="0" cy="0"/>
+        </a:xfrm>
+      </p:grpSpPr>
+      <p:sp>
+        <p:nvSpPr>
+          <p:cNvPr id="2" name="Header Placeholder 1"/>
+          <p:cNvSpPr>
+            <a:spLocks noGrp="1"/>
+          </p:cNvSpPr>
+          <p:nvPr>
+            <p:ph type="hdr" sz="quarter"/>
+          </p:nvPr>
+        </p:nvSpPr>
+        <p:spPr>
+          <a:xfrm>
+            <a:off x="0" y="0"/>
+            <a:ext cx="3037840" cy="466434"/>
+          </a:xfrm>
+          <a:prstGeom prst="rect">
+            <a:avLst/>
+          </a:prstGeom>
+        </p:spPr>
+        <p:txBody>
+          <a:bodyPr vert="horz" lIns="91440" tIns="45720" rIns="91440" bIns="45720" rtlCol="0"/>
+          <a:lstStyle>
+            <a:lvl1pPr algn="l">
+              <a:defRPr sz="1220"/>
+            </a:lvl1pPr>
+          </a:lstStyle>
+          <a:p>
+            <a:endParaRPr lang="en-US"/>
+          </a:p>
+        </p:txBody>
+      </p:sp>
+      <p:sp>
+        <p:nvSpPr>
+          <p:cNvPr id="3" name="Date Placeholder 2"/>
+          <p:cNvSpPr>
+            <a:spLocks noGrp="1"/>
+          </p:cNvSpPr>
+          <p:nvPr>
+            <p:ph type="dt" sz="quarter" idx="1"/>
+          </p:nvPr>
+        </p:nvSpPr>
+        <p:spPr>
+          <a:xfrm>
+            <a:off x="3970938" y="0"/>
+            <a:ext cx="3037840" cy="466434"/>
+          </a:xfrm>
+          <a:prstGeom prst="rect">
+            <a:avLst/>
+          </a:prstGeom>
+        </p:spPr>
+        <p:txBody>
+          <a:bodyPr vert="horz" lIns="91440" tIns="45720" rIns="91440" bIns="45720" rtlCol="0"/>
+          <a:lstStyle>
+            <a:lvl1pPr algn="r">
+              <a:defRPr sz="1220"/>
+            </a:lvl1pPr>
+          </a:lstStyle>
+          <a:p>
+            <a:fld id="{696C064A-D61B-4B21-B757-51A9B82445B8}" type="datetimeFigureOut">
+              <a:rPr lang="en-US" smtClean="0"/>
+            </a:fld>
+            <a:endParaRPr lang="en-US"/>
+          </a:p>
+        </p:txBody>
+      </p:sp>
+      <p:sp>
+        <p:nvSpPr>
+          <p:cNvPr id="4" name="Footer Placeholder 3"/>
+          <p:cNvSpPr>
+            <a:spLocks noGrp="1"/>
+          </p:cNvSpPr>
+          <p:nvPr>
+            <p:ph type="ftr" sz="quarter" idx="2"/>
+          </p:nvPr>
+        </p:nvSpPr>
+        <p:spPr>
+          <a:xfrm>
+            <a:off x="0" y="8829967"/>
+            <a:ext cx="3037840" cy="466433"/>
+          </a:xfrm>
+          <a:prstGeom prst="rect">
+            <a:avLst/>
+          </a:prstGeom>
+        </p:spPr>
+        <p:txBody>
+          <a:bodyPr vert="horz" lIns="91440" tIns="45720" rIns="91440" bIns="45720" rtlCol="0" anchor="b"/>
+          <a:lstStyle>
+            <a:lvl1pPr algn="l">
+              <a:defRPr sz="1220"/>
+            </a:lvl1pPr>
+          </a:lstStyle>
+          <a:p>
+            <a:endParaRPr lang="en-US"/>
+          </a:p>
+        </p:txBody>
+      </p:sp>
+      <p:sp>
+        <p:nvSpPr>
+          <p:cNvPr id="5" name="Slide Number Placeholder 4"/>
+          <p:cNvSpPr>
+            <a:spLocks noGrp="1"/>
+          </p:cNvSpPr>
+          <p:nvPr>
+            <p:ph type="sldNum" sz="quarter" idx="3"/>
+          </p:nvPr>
+        </p:nvSpPr>
+        <p:spPr>
+          <a:xfrm>
+            <a:off x="3970938" y="8829967"/>
+            <a:ext cx="3037840" cy="466433"/>
+          </a:xfrm>
+          <a:prstGeom prst="rect">
+            <a:avLst/>
+          </a:prstGeom>
+        </p:spPr>
+        <p:txBody>
+          <a:bodyPr vert="horz" lIns="91440" tIns="45720" rIns="91440" bIns="45720" rtlCol="0" anchor="b"/>
+          <a:lstStyle>
+            <a:lvl1pPr algn="r">
+              <a:defRPr sz="1220"/>
+            </a:lvl1pPr>
+          </a:lstStyle>
+          <a:p>
+            <a:fld id="{50305E07-67EA-4042-A3F6-853A8AD8D209}" type="slidenum">
+              <a:rPr lang="en-US" smtClean="0"/>
+            </a:fld>
+            <a:endParaRPr lang="en-US"/>
+          </a:p>
+        </p:txBody>
+      </p:sp>
+    </p:spTree>
+  </p:cSld>
+  <p:clrMap bg1="lt1" tx1="dk1" bg2="lt2" tx2="dk2" accent1="accent1" accent2="accent2" accent3="accent3" accent4="accent4" accent5="accent5" accent6="accent6" hlink="hlink" folHlink="folHlink"/>
+</p:handoutMaster>
 </file>
 
 <file path=ppt/notesMasters/notesMaster1.xml><?xml version="1.0" encoding="utf-8"?>
@@ -425,10 +476,10 @@
                 <a:solidFill>
                   <a:schemeClr val="dk1"/>
                 </a:solidFill>
-                <a:latin typeface="Calibri"/>
-                <a:ea typeface="Calibri"/>
-                <a:cs typeface="Calibri"/>
-                <a:sym typeface="Calibri"/>
+                <a:latin typeface="Calibri" panose="020F0502020204030204"/>
+                <a:ea typeface="Calibri" panose="020F0502020204030204"/>
+                <a:cs typeface="Calibri" panose="020F0502020204030204"/>
+                <a:sym typeface="Calibri" panose="020F0502020204030204"/>
               </a:defRPr>
             </a:lvl1pPr>
             <a:lvl2pPr marR="0" lvl="1" algn="l" rtl="0">
@@ -444,10 +495,10 @@
                 <a:solidFill>
                   <a:schemeClr val="dk1"/>
                 </a:solidFill>
-                <a:latin typeface="Calibri"/>
-                <a:ea typeface="Calibri"/>
-                <a:cs typeface="Calibri"/>
-                <a:sym typeface="Calibri"/>
+                <a:latin typeface="Calibri" panose="020F0502020204030204"/>
+                <a:ea typeface="Calibri" panose="020F0502020204030204"/>
+                <a:cs typeface="Calibri" panose="020F0502020204030204"/>
+                <a:sym typeface="Calibri" panose="020F0502020204030204"/>
               </a:defRPr>
             </a:lvl2pPr>
             <a:lvl3pPr marR="0" lvl="2" algn="l" rtl="0">
@@ -463,10 +514,10 @@
                 <a:solidFill>
                   <a:schemeClr val="dk1"/>
                 </a:solidFill>
-                <a:latin typeface="Calibri"/>
-                <a:ea typeface="Calibri"/>
-                <a:cs typeface="Calibri"/>
-                <a:sym typeface="Calibri"/>
+                <a:latin typeface="Calibri" panose="020F0502020204030204"/>
+                <a:ea typeface="Calibri" panose="020F0502020204030204"/>
+                <a:cs typeface="Calibri" panose="020F0502020204030204"/>
+                <a:sym typeface="Calibri" panose="020F0502020204030204"/>
               </a:defRPr>
             </a:lvl3pPr>
             <a:lvl4pPr marR="0" lvl="3" algn="l" rtl="0">
@@ -482,10 +533,10 @@
                 <a:solidFill>
                   <a:schemeClr val="dk1"/>
                 </a:solidFill>
-                <a:latin typeface="Calibri"/>
-                <a:ea typeface="Calibri"/>
-                <a:cs typeface="Calibri"/>
-                <a:sym typeface="Calibri"/>
+                <a:latin typeface="Calibri" panose="020F0502020204030204"/>
+                <a:ea typeface="Calibri" panose="020F0502020204030204"/>
+                <a:cs typeface="Calibri" panose="020F0502020204030204"/>
+                <a:sym typeface="Calibri" panose="020F0502020204030204"/>
               </a:defRPr>
             </a:lvl4pPr>
             <a:lvl5pPr marR="0" lvl="4" algn="l" rtl="0">
@@ -501,10 +552,10 @@
                 <a:solidFill>
                   <a:schemeClr val="dk1"/>
                 </a:solidFill>
-                <a:latin typeface="Calibri"/>
-                <a:ea typeface="Calibri"/>
-                <a:cs typeface="Calibri"/>
-                <a:sym typeface="Calibri"/>
+                <a:latin typeface="Calibri" panose="020F0502020204030204"/>
+                <a:ea typeface="Calibri" panose="020F0502020204030204"/>
+                <a:cs typeface="Calibri" panose="020F0502020204030204"/>
+                <a:sym typeface="Calibri" panose="020F0502020204030204"/>
               </a:defRPr>
             </a:lvl5pPr>
             <a:lvl6pPr marR="0" lvl="5" algn="l" rtl="0">
@@ -520,10 +571,10 @@
                 <a:solidFill>
                   <a:schemeClr val="dk1"/>
                 </a:solidFill>
-                <a:latin typeface="Calibri"/>
-                <a:ea typeface="Calibri"/>
-                <a:cs typeface="Calibri"/>
-                <a:sym typeface="Calibri"/>
+                <a:latin typeface="Calibri" panose="020F0502020204030204"/>
+                <a:ea typeface="Calibri" panose="020F0502020204030204"/>
+                <a:cs typeface="Calibri" panose="020F0502020204030204"/>
+                <a:sym typeface="Calibri" panose="020F0502020204030204"/>
               </a:defRPr>
             </a:lvl6pPr>
             <a:lvl7pPr marR="0" lvl="6" algn="l" rtl="0">
@@ -539,10 +590,10 @@
                 <a:solidFill>
                   <a:schemeClr val="dk1"/>
                 </a:solidFill>
-                <a:latin typeface="Calibri"/>
-                <a:ea typeface="Calibri"/>
-                <a:cs typeface="Calibri"/>
-                <a:sym typeface="Calibri"/>
+                <a:latin typeface="Calibri" panose="020F0502020204030204"/>
+                <a:ea typeface="Calibri" panose="020F0502020204030204"/>
+                <a:cs typeface="Calibri" panose="020F0502020204030204"/>
+                <a:sym typeface="Calibri" panose="020F0502020204030204"/>
               </a:defRPr>
             </a:lvl7pPr>
             <a:lvl8pPr marR="0" lvl="7" algn="l" rtl="0">
@@ -558,10 +609,10 @@
                 <a:solidFill>
                   <a:schemeClr val="dk1"/>
                 </a:solidFill>
-                <a:latin typeface="Calibri"/>
-                <a:ea typeface="Calibri"/>
-                <a:cs typeface="Calibri"/>
-                <a:sym typeface="Calibri"/>
+                <a:latin typeface="Calibri" panose="020F0502020204030204"/>
+                <a:ea typeface="Calibri" panose="020F0502020204030204"/>
+                <a:cs typeface="Calibri" panose="020F0502020204030204"/>
+                <a:sym typeface="Calibri" panose="020F0502020204030204"/>
               </a:defRPr>
             </a:lvl8pPr>
             <a:lvl9pPr marR="0" lvl="8" algn="l" rtl="0">
@@ -577,16 +628,14 @@
                 <a:solidFill>
                   <a:schemeClr val="dk1"/>
                 </a:solidFill>
-                <a:latin typeface="Calibri"/>
-                <a:ea typeface="Calibri"/>
-                <a:cs typeface="Calibri"/>
-                <a:sym typeface="Calibri"/>
+                <a:latin typeface="Calibri" panose="020F0502020204030204"/>
+                <a:ea typeface="Calibri" panose="020F0502020204030204"/>
+                <a:cs typeface="Calibri" panose="020F0502020204030204"/>
+                <a:sym typeface="Calibri" panose="020F0502020204030204"/>
               </a:defRPr>
             </a:lvl9pPr>
           </a:lstStyle>
-          <a:p>
-            <a:endParaRPr/>
-          </a:p>
+          <a:p/>
         </p:txBody>
       </p:sp>
       <p:sp>
@@ -628,10 +677,10 @@
                 <a:solidFill>
                   <a:schemeClr val="dk1"/>
                 </a:solidFill>
-                <a:latin typeface="Calibri"/>
-                <a:ea typeface="Calibri"/>
-                <a:cs typeface="Calibri"/>
-                <a:sym typeface="Calibri"/>
+                <a:latin typeface="Calibri" panose="020F0502020204030204"/>
+                <a:ea typeface="Calibri" panose="020F0502020204030204"/>
+                <a:cs typeface="Calibri" panose="020F0502020204030204"/>
+                <a:sym typeface="Calibri" panose="020F0502020204030204"/>
               </a:defRPr>
             </a:lvl1pPr>
             <a:lvl2pPr marR="0" lvl="1" algn="l" rtl="0">
@@ -647,10 +696,10 @@
                 <a:solidFill>
                   <a:schemeClr val="dk1"/>
                 </a:solidFill>
-                <a:latin typeface="Calibri"/>
-                <a:ea typeface="Calibri"/>
-                <a:cs typeface="Calibri"/>
-                <a:sym typeface="Calibri"/>
+                <a:latin typeface="Calibri" panose="020F0502020204030204"/>
+                <a:ea typeface="Calibri" panose="020F0502020204030204"/>
+                <a:cs typeface="Calibri" panose="020F0502020204030204"/>
+                <a:sym typeface="Calibri" panose="020F0502020204030204"/>
               </a:defRPr>
             </a:lvl2pPr>
             <a:lvl3pPr marR="0" lvl="2" algn="l" rtl="0">
@@ -666,10 +715,10 @@
                 <a:solidFill>
                   <a:schemeClr val="dk1"/>
                 </a:solidFill>
-                <a:latin typeface="Calibri"/>
-                <a:ea typeface="Calibri"/>
-                <a:cs typeface="Calibri"/>
-                <a:sym typeface="Calibri"/>
+                <a:latin typeface="Calibri" panose="020F0502020204030204"/>
+                <a:ea typeface="Calibri" panose="020F0502020204030204"/>
+                <a:cs typeface="Calibri" panose="020F0502020204030204"/>
+                <a:sym typeface="Calibri" panose="020F0502020204030204"/>
               </a:defRPr>
             </a:lvl3pPr>
             <a:lvl4pPr marR="0" lvl="3" algn="l" rtl="0">
@@ -685,10 +734,10 @@
                 <a:solidFill>
                   <a:schemeClr val="dk1"/>
                 </a:solidFill>
-                <a:latin typeface="Calibri"/>
-                <a:ea typeface="Calibri"/>
-                <a:cs typeface="Calibri"/>
-                <a:sym typeface="Calibri"/>
+                <a:latin typeface="Calibri" panose="020F0502020204030204"/>
+                <a:ea typeface="Calibri" panose="020F0502020204030204"/>
+                <a:cs typeface="Calibri" panose="020F0502020204030204"/>
+                <a:sym typeface="Calibri" panose="020F0502020204030204"/>
               </a:defRPr>
             </a:lvl4pPr>
             <a:lvl5pPr marR="0" lvl="4" algn="l" rtl="0">
@@ -704,10 +753,10 @@
                 <a:solidFill>
                   <a:schemeClr val="dk1"/>
                 </a:solidFill>
-                <a:latin typeface="Calibri"/>
-                <a:ea typeface="Calibri"/>
-                <a:cs typeface="Calibri"/>
-                <a:sym typeface="Calibri"/>
+                <a:latin typeface="Calibri" panose="020F0502020204030204"/>
+                <a:ea typeface="Calibri" panose="020F0502020204030204"/>
+                <a:cs typeface="Calibri" panose="020F0502020204030204"/>
+                <a:sym typeface="Calibri" panose="020F0502020204030204"/>
               </a:defRPr>
             </a:lvl5pPr>
             <a:lvl6pPr marR="0" lvl="5" algn="l" rtl="0">
@@ -723,10 +772,10 @@
                 <a:solidFill>
                   <a:schemeClr val="dk1"/>
                 </a:solidFill>
-                <a:latin typeface="Calibri"/>
-                <a:ea typeface="Calibri"/>
-                <a:cs typeface="Calibri"/>
-                <a:sym typeface="Calibri"/>
+                <a:latin typeface="Calibri" panose="020F0502020204030204"/>
+                <a:ea typeface="Calibri" panose="020F0502020204030204"/>
+                <a:cs typeface="Calibri" panose="020F0502020204030204"/>
+                <a:sym typeface="Calibri" panose="020F0502020204030204"/>
               </a:defRPr>
             </a:lvl6pPr>
             <a:lvl7pPr marR="0" lvl="6" algn="l" rtl="0">
@@ -742,10 +791,10 @@
                 <a:solidFill>
                   <a:schemeClr val="dk1"/>
                 </a:solidFill>
-                <a:latin typeface="Calibri"/>
-                <a:ea typeface="Calibri"/>
-                <a:cs typeface="Calibri"/>
-                <a:sym typeface="Calibri"/>
+                <a:latin typeface="Calibri" panose="020F0502020204030204"/>
+                <a:ea typeface="Calibri" panose="020F0502020204030204"/>
+                <a:cs typeface="Calibri" panose="020F0502020204030204"/>
+                <a:sym typeface="Calibri" panose="020F0502020204030204"/>
               </a:defRPr>
             </a:lvl7pPr>
             <a:lvl8pPr marR="0" lvl="7" algn="l" rtl="0">
@@ -761,10 +810,10 @@
                 <a:solidFill>
                   <a:schemeClr val="dk1"/>
                 </a:solidFill>
-                <a:latin typeface="Calibri"/>
-                <a:ea typeface="Calibri"/>
-                <a:cs typeface="Calibri"/>
-                <a:sym typeface="Calibri"/>
+                <a:latin typeface="Calibri" panose="020F0502020204030204"/>
+                <a:ea typeface="Calibri" panose="020F0502020204030204"/>
+                <a:cs typeface="Calibri" panose="020F0502020204030204"/>
+                <a:sym typeface="Calibri" panose="020F0502020204030204"/>
               </a:defRPr>
             </a:lvl8pPr>
             <a:lvl9pPr marR="0" lvl="8" algn="l" rtl="0">
@@ -780,16 +829,14 @@
                 <a:solidFill>
                   <a:schemeClr val="dk1"/>
                 </a:solidFill>
-                <a:latin typeface="Calibri"/>
-                <a:ea typeface="Calibri"/>
-                <a:cs typeface="Calibri"/>
-                <a:sym typeface="Calibri"/>
+                <a:latin typeface="Calibri" panose="020F0502020204030204"/>
+                <a:ea typeface="Calibri" panose="020F0502020204030204"/>
+                <a:cs typeface="Calibri" panose="020F0502020204030204"/>
+                <a:sym typeface="Calibri" panose="020F0502020204030204"/>
               </a:defRPr>
             </a:lvl9pPr>
           </a:lstStyle>
-          <a:p>
-            <a:endParaRPr/>
-          </a:p>
+          <a:p/>
         </p:txBody>
       </p:sp>
       <p:sp>
@@ -882,10 +929,10 @@
                 <a:solidFill>
                   <a:schemeClr val="dk1"/>
                 </a:solidFill>
-                <a:latin typeface="Calibri"/>
-                <a:ea typeface="Calibri"/>
-                <a:cs typeface="Calibri"/>
-                <a:sym typeface="Calibri"/>
+                <a:latin typeface="Calibri" panose="020F0502020204030204"/>
+                <a:ea typeface="Calibri" panose="020F0502020204030204"/>
+                <a:cs typeface="Calibri" panose="020F0502020204030204"/>
+                <a:sym typeface="Calibri" panose="020F0502020204030204"/>
               </a:defRPr>
             </a:lvl1pPr>
             <a:lvl2pPr marL="914400" marR="0" lvl="1" indent="-228600" algn="l" rtl="0">
@@ -901,10 +948,10 @@
                 <a:solidFill>
                   <a:schemeClr val="dk1"/>
                 </a:solidFill>
-                <a:latin typeface="Calibri"/>
-                <a:ea typeface="Calibri"/>
-                <a:cs typeface="Calibri"/>
-                <a:sym typeface="Calibri"/>
+                <a:latin typeface="Calibri" panose="020F0502020204030204"/>
+                <a:ea typeface="Calibri" panose="020F0502020204030204"/>
+                <a:cs typeface="Calibri" panose="020F0502020204030204"/>
+                <a:sym typeface="Calibri" panose="020F0502020204030204"/>
               </a:defRPr>
             </a:lvl2pPr>
             <a:lvl3pPr marL="1371600" marR="0" lvl="2" indent="-228600" algn="l" rtl="0">
@@ -920,10 +967,10 @@
                 <a:solidFill>
                   <a:schemeClr val="dk1"/>
                 </a:solidFill>
-                <a:latin typeface="Calibri"/>
-                <a:ea typeface="Calibri"/>
-                <a:cs typeface="Calibri"/>
-                <a:sym typeface="Calibri"/>
+                <a:latin typeface="Calibri" panose="020F0502020204030204"/>
+                <a:ea typeface="Calibri" panose="020F0502020204030204"/>
+                <a:cs typeface="Calibri" panose="020F0502020204030204"/>
+                <a:sym typeface="Calibri" panose="020F0502020204030204"/>
               </a:defRPr>
             </a:lvl3pPr>
             <a:lvl4pPr marL="1828800" marR="0" lvl="3" indent="-228600" algn="l" rtl="0">
@@ -939,10 +986,10 @@
                 <a:solidFill>
                   <a:schemeClr val="dk1"/>
                 </a:solidFill>
-                <a:latin typeface="Calibri"/>
-                <a:ea typeface="Calibri"/>
-                <a:cs typeface="Calibri"/>
-                <a:sym typeface="Calibri"/>
+                <a:latin typeface="Calibri" panose="020F0502020204030204"/>
+                <a:ea typeface="Calibri" panose="020F0502020204030204"/>
+                <a:cs typeface="Calibri" panose="020F0502020204030204"/>
+                <a:sym typeface="Calibri" panose="020F0502020204030204"/>
               </a:defRPr>
             </a:lvl4pPr>
             <a:lvl5pPr marL="2286000" marR="0" lvl="4" indent="-228600" algn="l" rtl="0">
@@ -958,10 +1005,10 @@
                 <a:solidFill>
                   <a:schemeClr val="dk1"/>
                 </a:solidFill>
-                <a:latin typeface="Calibri"/>
-                <a:ea typeface="Calibri"/>
-                <a:cs typeface="Calibri"/>
-                <a:sym typeface="Calibri"/>
+                <a:latin typeface="Calibri" panose="020F0502020204030204"/>
+                <a:ea typeface="Calibri" panose="020F0502020204030204"/>
+                <a:cs typeface="Calibri" panose="020F0502020204030204"/>
+                <a:sym typeface="Calibri" panose="020F0502020204030204"/>
               </a:defRPr>
             </a:lvl5pPr>
             <a:lvl6pPr marL="2743200" marR="0" lvl="5" indent="-228600" algn="l" rtl="0">
@@ -977,10 +1024,10 @@
                 <a:solidFill>
                   <a:schemeClr val="dk1"/>
                 </a:solidFill>
-                <a:latin typeface="Calibri"/>
-                <a:ea typeface="Calibri"/>
-                <a:cs typeface="Calibri"/>
-                <a:sym typeface="Calibri"/>
+                <a:latin typeface="Calibri" panose="020F0502020204030204"/>
+                <a:ea typeface="Calibri" panose="020F0502020204030204"/>
+                <a:cs typeface="Calibri" panose="020F0502020204030204"/>
+                <a:sym typeface="Calibri" panose="020F0502020204030204"/>
               </a:defRPr>
             </a:lvl6pPr>
             <a:lvl7pPr marL="3200400" marR="0" lvl="6" indent="-228600" algn="l" rtl="0">
@@ -996,10 +1043,10 @@
                 <a:solidFill>
                   <a:schemeClr val="dk1"/>
                 </a:solidFill>
-                <a:latin typeface="Calibri"/>
-                <a:ea typeface="Calibri"/>
-                <a:cs typeface="Calibri"/>
-                <a:sym typeface="Calibri"/>
+                <a:latin typeface="Calibri" panose="020F0502020204030204"/>
+                <a:ea typeface="Calibri" panose="020F0502020204030204"/>
+                <a:cs typeface="Calibri" panose="020F0502020204030204"/>
+                <a:sym typeface="Calibri" panose="020F0502020204030204"/>
               </a:defRPr>
             </a:lvl7pPr>
             <a:lvl8pPr marL="3657600" marR="0" lvl="7" indent="-228600" algn="l" rtl="0">
@@ -1015,10 +1062,10 @@
                 <a:solidFill>
                   <a:schemeClr val="dk1"/>
                 </a:solidFill>
-                <a:latin typeface="Calibri"/>
-                <a:ea typeface="Calibri"/>
-                <a:cs typeface="Calibri"/>
-                <a:sym typeface="Calibri"/>
+                <a:latin typeface="Calibri" panose="020F0502020204030204"/>
+                <a:ea typeface="Calibri" panose="020F0502020204030204"/>
+                <a:cs typeface="Calibri" panose="020F0502020204030204"/>
+                <a:sym typeface="Calibri" panose="020F0502020204030204"/>
               </a:defRPr>
             </a:lvl8pPr>
             <a:lvl9pPr marL="4114800" marR="0" lvl="8" indent="-228600" algn="l" rtl="0">
@@ -1034,16 +1081,14 @@
                 <a:solidFill>
                   <a:schemeClr val="dk1"/>
                 </a:solidFill>
-                <a:latin typeface="Calibri"/>
-                <a:ea typeface="Calibri"/>
-                <a:cs typeface="Calibri"/>
-                <a:sym typeface="Calibri"/>
+                <a:latin typeface="Calibri" panose="020F0502020204030204"/>
+                <a:ea typeface="Calibri" panose="020F0502020204030204"/>
+                <a:cs typeface="Calibri" panose="020F0502020204030204"/>
+                <a:sym typeface="Calibri" panose="020F0502020204030204"/>
               </a:defRPr>
             </a:lvl9pPr>
           </a:lstStyle>
-          <a:p>
-            <a:endParaRPr/>
-          </a:p>
+          <a:p/>
         </p:txBody>
       </p:sp>
       <p:sp>
@@ -1085,10 +1130,10 @@
                 <a:solidFill>
                   <a:schemeClr val="dk1"/>
                 </a:solidFill>
-                <a:latin typeface="Calibri"/>
-                <a:ea typeface="Calibri"/>
-                <a:cs typeface="Calibri"/>
-                <a:sym typeface="Calibri"/>
+                <a:latin typeface="Calibri" panose="020F0502020204030204"/>
+                <a:ea typeface="Calibri" panose="020F0502020204030204"/>
+                <a:cs typeface="Calibri" panose="020F0502020204030204"/>
+                <a:sym typeface="Calibri" panose="020F0502020204030204"/>
               </a:defRPr>
             </a:lvl1pPr>
             <a:lvl2pPr marR="0" lvl="1" algn="l" rtl="0">
@@ -1104,10 +1149,10 @@
                 <a:solidFill>
                   <a:schemeClr val="dk1"/>
                 </a:solidFill>
-                <a:latin typeface="Calibri"/>
-                <a:ea typeface="Calibri"/>
-                <a:cs typeface="Calibri"/>
-                <a:sym typeface="Calibri"/>
+                <a:latin typeface="Calibri" panose="020F0502020204030204"/>
+                <a:ea typeface="Calibri" panose="020F0502020204030204"/>
+                <a:cs typeface="Calibri" panose="020F0502020204030204"/>
+                <a:sym typeface="Calibri" panose="020F0502020204030204"/>
               </a:defRPr>
             </a:lvl2pPr>
             <a:lvl3pPr marR="0" lvl="2" algn="l" rtl="0">
@@ -1123,10 +1168,10 @@
                 <a:solidFill>
                   <a:schemeClr val="dk1"/>
                 </a:solidFill>
-                <a:latin typeface="Calibri"/>
-                <a:ea typeface="Calibri"/>
-                <a:cs typeface="Calibri"/>
-                <a:sym typeface="Calibri"/>
+                <a:latin typeface="Calibri" panose="020F0502020204030204"/>
+                <a:ea typeface="Calibri" panose="020F0502020204030204"/>
+                <a:cs typeface="Calibri" panose="020F0502020204030204"/>
+                <a:sym typeface="Calibri" panose="020F0502020204030204"/>
               </a:defRPr>
             </a:lvl3pPr>
             <a:lvl4pPr marR="0" lvl="3" algn="l" rtl="0">
@@ -1142,10 +1187,10 @@
                 <a:solidFill>
                   <a:schemeClr val="dk1"/>
                 </a:solidFill>
-                <a:latin typeface="Calibri"/>
-                <a:ea typeface="Calibri"/>
-                <a:cs typeface="Calibri"/>
-                <a:sym typeface="Calibri"/>
+                <a:latin typeface="Calibri" panose="020F0502020204030204"/>
+                <a:ea typeface="Calibri" panose="020F0502020204030204"/>
+                <a:cs typeface="Calibri" panose="020F0502020204030204"/>
+                <a:sym typeface="Calibri" panose="020F0502020204030204"/>
               </a:defRPr>
             </a:lvl4pPr>
             <a:lvl5pPr marR="0" lvl="4" algn="l" rtl="0">
@@ -1161,10 +1206,10 @@
                 <a:solidFill>
                   <a:schemeClr val="dk1"/>
                 </a:solidFill>
-                <a:latin typeface="Calibri"/>
-                <a:ea typeface="Calibri"/>
-                <a:cs typeface="Calibri"/>
-                <a:sym typeface="Calibri"/>
+                <a:latin typeface="Calibri" panose="020F0502020204030204"/>
+                <a:ea typeface="Calibri" panose="020F0502020204030204"/>
+                <a:cs typeface="Calibri" panose="020F0502020204030204"/>
+                <a:sym typeface="Calibri" panose="020F0502020204030204"/>
               </a:defRPr>
             </a:lvl5pPr>
             <a:lvl6pPr marR="0" lvl="5" algn="l" rtl="0">
@@ -1180,10 +1225,10 @@
                 <a:solidFill>
                   <a:schemeClr val="dk1"/>
                 </a:solidFill>
-                <a:latin typeface="Calibri"/>
-                <a:ea typeface="Calibri"/>
-                <a:cs typeface="Calibri"/>
-                <a:sym typeface="Calibri"/>
+                <a:latin typeface="Calibri" panose="020F0502020204030204"/>
+                <a:ea typeface="Calibri" panose="020F0502020204030204"/>
+                <a:cs typeface="Calibri" panose="020F0502020204030204"/>
+                <a:sym typeface="Calibri" panose="020F0502020204030204"/>
               </a:defRPr>
             </a:lvl6pPr>
             <a:lvl7pPr marR="0" lvl="6" algn="l" rtl="0">
@@ -1199,10 +1244,10 @@
                 <a:solidFill>
                   <a:schemeClr val="dk1"/>
                 </a:solidFill>
-                <a:latin typeface="Calibri"/>
-                <a:ea typeface="Calibri"/>
-                <a:cs typeface="Calibri"/>
-                <a:sym typeface="Calibri"/>
+                <a:latin typeface="Calibri" panose="020F0502020204030204"/>
+                <a:ea typeface="Calibri" panose="020F0502020204030204"/>
+                <a:cs typeface="Calibri" panose="020F0502020204030204"/>
+                <a:sym typeface="Calibri" panose="020F0502020204030204"/>
               </a:defRPr>
             </a:lvl7pPr>
             <a:lvl8pPr marR="0" lvl="7" algn="l" rtl="0">
@@ -1218,10 +1263,10 @@
                 <a:solidFill>
                   <a:schemeClr val="dk1"/>
                 </a:solidFill>
-                <a:latin typeface="Calibri"/>
-                <a:ea typeface="Calibri"/>
-                <a:cs typeface="Calibri"/>
-                <a:sym typeface="Calibri"/>
+                <a:latin typeface="Calibri" panose="020F0502020204030204"/>
+                <a:ea typeface="Calibri" panose="020F0502020204030204"/>
+                <a:cs typeface="Calibri" panose="020F0502020204030204"/>
+                <a:sym typeface="Calibri" panose="020F0502020204030204"/>
               </a:defRPr>
             </a:lvl8pPr>
             <a:lvl9pPr marR="0" lvl="8" algn="l" rtl="0">
@@ -1237,16 +1282,14 @@
                 <a:solidFill>
                   <a:schemeClr val="dk1"/>
                 </a:solidFill>
-                <a:latin typeface="Calibri"/>
-                <a:ea typeface="Calibri"/>
-                <a:cs typeface="Calibri"/>
-                <a:sym typeface="Calibri"/>
+                <a:latin typeface="Calibri" panose="020F0502020204030204"/>
+                <a:ea typeface="Calibri" panose="020F0502020204030204"/>
+                <a:cs typeface="Calibri" panose="020F0502020204030204"/>
+                <a:sym typeface="Calibri" panose="020F0502020204030204"/>
               </a:defRPr>
             </a:lvl9pPr>
           </a:lstStyle>
-          <a:p>
-            <a:endParaRPr/>
-          </a:p>
+          <a:p/>
         </p:txBody>
       </p:sp>
       <p:sp>
@@ -1292,21 +1335,20 @@
                 <a:solidFill>
                   <a:schemeClr val="dk1"/>
                 </a:solidFill>
-                <a:latin typeface="Calibri"/>
-                <a:ea typeface="Calibri"/>
-                <a:cs typeface="Calibri"/>
-                <a:sym typeface="Calibri"/>
+                <a:latin typeface="Calibri" panose="020F0502020204030204"/>
+                <a:ea typeface="Calibri" panose="020F0502020204030204"/>
+                <a:cs typeface="Calibri" panose="020F0502020204030204"/>
+                <a:sym typeface="Calibri" panose="020F0502020204030204"/>
               </a:rPr>
-              <a:t>‹#›</a:t>
             </a:fld>
             <a:endParaRPr sz="1200" b="0" i="0" u="none" strike="noStrike" cap="none">
               <a:solidFill>
                 <a:schemeClr val="dk1"/>
               </a:solidFill>
-              <a:latin typeface="Calibri"/>
-              <a:ea typeface="Calibri"/>
-              <a:cs typeface="Calibri"/>
-              <a:sym typeface="Calibri"/>
+              <a:latin typeface="Calibri" panose="020F0502020204030204"/>
+              <a:ea typeface="Calibri" panose="020F0502020204030204"/>
+              <a:cs typeface="Calibri" panose="020F0502020204030204"/>
+              <a:sym typeface="Calibri" panose="020F0502020204030204"/>
             </a:endParaRPr>
           </a:p>
         </p:txBody>
@@ -1339,15 +1381,15 @@
       <a:buClr>
         <a:srgbClr val="000000"/>
       </a:buClr>
-      <a:buFont typeface="Arial"/>
+      <a:buFont typeface="Arial" panose="020B0604020202020204"/>
       <a:defRPr sz="1400" b="0" i="0" u="none" strike="noStrike" cap="none">
         <a:solidFill>
           <a:srgbClr val="000000"/>
         </a:solidFill>
-        <a:latin typeface="Arial"/>
-        <a:ea typeface="Arial"/>
-        <a:cs typeface="Arial"/>
-        <a:sym typeface="Arial"/>
+        <a:latin typeface="Arial" panose="020B0604020202020204"/>
+        <a:ea typeface="Arial" panose="020B0604020202020204"/>
+        <a:cs typeface="Arial" panose="020B0604020202020204"/>
+        <a:sym typeface="Arial" panose="020B0604020202020204"/>
       </a:defRPr>
     </a:lvl1pPr>
     <a:lvl2pPr marR="0" lvl="1" algn="l" rtl="0">
@@ -1363,15 +1405,15 @@
       <a:buClr>
         <a:srgbClr val="000000"/>
       </a:buClr>
-      <a:buFont typeface="Arial"/>
+      <a:buFont typeface="Arial" panose="020B0604020202020204"/>
       <a:defRPr sz="1400" b="0" i="0" u="none" strike="noStrike" cap="none">
         <a:solidFill>
           <a:srgbClr val="000000"/>
         </a:solidFill>
-        <a:latin typeface="Arial"/>
-        <a:ea typeface="Arial"/>
-        <a:cs typeface="Arial"/>
-        <a:sym typeface="Arial"/>
+        <a:latin typeface="Arial" panose="020B0604020202020204"/>
+        <a:ea typeface="Arial" panose="020B0604020202020204"/>
+        <a:cs typeface="Arial" panose="020B0604020202020204"/>
+        <a:sym typeface="Arial" panose="020B0604020202020204"/>
       </a:defRPr>
     </a:lvl2pPr>
     <a:lvl3pPr marR="0" lvl="2" algn="l" rtl="0">
@@ -1387,15 +1429,15 @@
       <a:buClr>
         <a:srgbClr val="000000"/>
       </a:buClr>
-      <a:buFont typeface="Arial"/>
+      <a:buFont typeface="Arial" panose="020B0604020202020204"/>
       <a:defRPr sz="1400" b="0" i="0" u="none" strike="noStrike" cap="none">
         <a:solidFill>
           <a:srgbClr val="000000"/>
         </a:solidFill>
-        <a:latin typeface="Arial"/>
-        <a:ea typeface="Arial"/>
-        <a:cs typeface="Arial"/>
-        <a:sym typeface="Arial"/>
+        <a:latin typeface="Arial" panose="020B0604020202020204"/>
+        <a:ea typeface="Arial" panose="020B0604020202020204"/>
+        <a:cs typeface="Arial" panose="020B0604020202020204"/>
+        <a:sym typeface="Arial" panose="020B0604020202020204"/>
       </a:defRPr>
     </a:lvl3pPr>
     <a:lvl4pPr marR="0" lvl="3" algn="l" rtl="0">
@@ -1411,15 +1453,15 @@
       <a:buClr>
         <a:srgbClr val="000000"/>
       </a:buClr>
-      <a:buFont typeface="Arial"/>
+      <a:buFont typeface="Arial" panose="020B0604020202020204"/>
       <a:defRPr sz="1400" b="0" i="0" u="none" strike="noStrike" cap="none">
         <a:solidFill>
           <a:srgbClr val="000000"/>
         </a:solidFill>
-        <a:latin typeface="Arial"/>
-        <a:ea typeface="Arial"/>
-        <a:cs typeface="Arial"/>
-        <a:sym typeface="Arial"/>
+        <a:latin typeface="Arial" panose="020B0604020202020204"/>
+        <a:ea typeface="Arial" panose="020B0604020202020204"/>
+        <a:cs typeface="Arial" panose="020B0604020202020204"/>
+        <a:sym typeface="Arial" panose="020B0604020202020204"/>
       </a:defRPr>
     </a:lvl4pPr>
     <a:lvl5pPr marR="0" lvl="4" algn="l" rtl="0">
@@ -1435,15 +1477,15 @@
       <a:buClr>
         <a:srgbClr val="000000"/>
       </a:buClr>
-      <a:buFont typeface="Arial"/>
+      <a:buFont typeface="Arial" panose="020B0604020202020204"/>
       <a:defRPr sz="1400" b="0" i="0" u="none" strike="noStrike" cap="none">
         <a:solidFill>
           <a:srgbClr val="000000"/>
         </a:solidFill>
-        <a:latin typeface="Arial"/>
-        <a:ea typeface="Arial"/>
-        <a:cs typeface="Arial"/>
-        <a:sym typeface="Arial"/>
+        <a:latin typeface="Arial" panose="020B0604020202020204"/>
+        <a:ea typeface="Arial" panose="020B0604020202020204"/>
+        <a:cs typeface="Arial" panose="020B0604020202020204"/>
+        <a:sym typeface="Arial" panose="020B0604020202020204"/>
       </a:defRPr>
     </a:lvl5pPr>
     <a:lvl6pPr marR="0" lvl="5" algn="l" rtl="0">
@@ -1459,15 +1501,15 @@
       <a:buClr>
         <a:srgbClr val="000000"/>
       </a:buClr>
-      <a:buFont typeface="Arial"/>
+      <a:buFont typeface="Arial" panose="020B0604020202020204"/>
       <a:defRPr sz="1400" b="0" i="0" u="none" strike="noStrike" cap="none">
         <a:solidFill>
           <a:srgbClr val="000000"/>
         </a:solidFill>
-        <a:latin typeface="Arial"/>
-        <a:ea typeface="Arial"/>
-        <a:cs typeface="Arial"/>
-        <a:sym typeface="Arial"/>
+        <a:latin typeface="Arial" panose="020B0604020202020204"/>
+        <a:ea typeface="Arial" panose="020B0604020202020204"/>
+        <a:cs typeface="Arial" panose="020B0604020202020204"/>
+        <a:sym typeface="Arial" panose="020B0604020202020204"/>
       </a:defRPr>
     </a:lvl6pPr>
     <a:lvl7pPr marR="0" lvl="6" algn="l" rtl="0">
@@ -1483,15 +1525,15 @@
       <a:buClr>
         <a:srgbClr val="000000"/>
       </a:buClr>
-      <a:buFont typeface="Arial"/>
+      <a:buFont typeface="Arial" panose="020B0604020202020204"/>
       <a:defRPr sz="1400" b="0" i="0" u="none" strike="noStrike" cap="none">
         <a:solidFill>
           <a:srgbClr val="000000"/>
         </a:solidFill>
-        <a:latin typeface="Arial"/>
-        <a:ea typeface="Arial"/>
-        <a:cs typeface="Arial"/>
-        <a:sym typeface="Arial"/>
+        <a:latin typeface="Arial" panose="020B0604020202020204"/>
+        <a:ea typeface="Arial" panose="020B0604020202020204"/>
+        <a:cs typeface="Arial" panose="020B0604020202020204"/>
+        <a:sym typeface="Arial" panose="020B0604020202020204"/>
       </a:defRPr>
     </a:lvl7pPr>
     <a:lvl8pPr marR="0" lvl="7" algn="l" rtl="0">
@@ -1507,15 +1549,15 @@
       <a:buClr>
         <a:srgbClr val="000000"/>
       </a:buClr>
-      <a:buFont typeface="Arial"/>
+      <a:buFont typeface="Arial" panose="020B0604020202020204"/>
       <a:defRPr sz="1400" b="0" i="0" u="none" strike="noStrike" cap="none">
         <a:solidFill>
           <a:srgbClr val="000000"/>
         </a:solidFill>
-        <a:latin typeface="Arial"/>
-        <a:ea typeface="Arial"/>
-        <a:cs typeface="Arial"/>
-        <a:sym typeface="Arial"/>
+        <a:latin typeface="Arial" panose="020B0604020202020204"/>
+        <a:ea typeface="Arial" panose="020B0604020202020204"/>
+        <a:cs typeface="Arial" panose="020B0604020202020204"/>
+        <a:sym typeface="Arial" panose="020B0604020202020204"/>
       </a:defRPr>
     </a:lvl8pPr>
     <a:lvl9pPr marR="0" lvl="8" algn="l" rtl="0">
@@ -1531,15 +1573,15 @@
       <a:buClr>
         <a:srgbClr val="000000"/>
       </a:buClr>
-      <a:buFont typeface="Arial"/>
+      <a:buFont typeface="Arial" panose="020B0604020202020204"/>
       <a:defRPr sz="1400" b="0" i="0" u="none" strike="noStrike" cap="none">
         <a:solidFill>
           <a:srgbClr val="000000"/>
         </a:solidFill>
-        <a:latin typeface="Arial"/>
-        <a:ea typeface="Arial"/>
-        <a:cs typeface="Arial"/>
-        <a:sym typeface="Arial"/>
+        <a:latin typeface="Arial" panose="020B0604020202020204"/>
+        <a:ea typeface="Arial" panose="020B0604020202020204"/>
+        <a:cs typeface="Arial" panose="020B0604020202020204"/>
+        <a:sym typeface="Arial" panose="020B0604020202020204"/>
       </a:defRPr>
     </a:lvl9pPr>
   </p:notesStyle>
@@ -1547,7 +1589,7 @@
 </file>
 
 <file path=ppt/notesSlides/notesSlide1.xml><?xml version="1.0" encoding="utf-8"?>
-<p:notes xmlns:a="http://schemas.openxmlformats.org/drawingml/2006/main" xmlns:r="http://schemas.openxmlformats.org/officeDocument/2006/relationships" xmlns:p="http://schemas.openxmlformats.org/presentationml/2006/main" showMasterSp="0" showMasterPhAnim="0">
+<p:notes xmlns:a="http://schemas.openxmlformats.org/drawingml/2006/main" xmlns:r="http://schemas.openxmlformats.org/officeDocument/2006/relationships" xmlns:p="http://schemas.openxmlformats.org/presentationml/2006/main" showMasterPhAnim="0" showMasterSp="0">
   <p:cSld>
     <p:spTree>
       <p:nvGrpSpPr>
@@ -1597,7 +1639,6 @@
               </a:spcAft>
               <a:buNone/>
             </a:pPr>
-            <a:endParaRPr/>
           </a:p>
         </p:txBody>
       </p:sp>
@@ -1651,7 +1692,7 @@
 </file>
 
 <file path=ppt/notesSlides/notesSlide2.xml><?xml version="1.0" encoding="utf-8"?>
-<p:notes xmlns:a="http://schemas.openxmlformats.org/drawingml/2006/main" xmlns:r="http://schemas.openxmlformats.org/officeDocument/2006/relationships" xmlns:p="http://schemas.openxmlformats.org/presentationml/2006/main" showMasterSp="0" showMasterPhAnim="0">
+<p:notes xmlns:a="http://schemas.openxmlformats.org/drawingml/2006/main" xmlns:r="http://schemas.openxmlformats.org/officeDocument/2006/relationships" xmlns:p="http://schemas.openxmlformats.org/presentationml/2006/main" showMasterPhAnim="0" showMasterSp="0">
   <p:cSld>
     <p:spTree>
       <p:nvGrpSpPr>
@@ -1701,7 +1742,6 @@
               </a:spcAft>
               <a:buNone/>
             </a:pPr>
-            <a:endParaRPr/>
           </a:p>
         </p:txBody>
       </p:sp>
@@ -1755,7 +1795,7 @@
 </file>
 
 <file path=ppt/slideLayouts/slideLayout1.xml><?xml version="1.0" encoding="utf-8"?>
-<p:sldLayout xmlns:a="http://schemas.openxmlformats.org/drawingml/2006/main" xmlns:r="http://schemas.openxmlformats.org/officeDocument/2006/relationships" xmlns:p="http://schemas.openxmlformats.org/presentationml/2006/main" matchingName="Title Slide" type="title">
+<p:sldLayout xmlns:a="http://schemas.openxmlformats.org/drawingml/2006/main" xmlns:r="http://schemas.openxmlformats.org/officeDocument/2006/relationships" xmlns:p="http://schemas.openxmlformats.org/presentationml/2006/main" type="title" matchingName="Title Slide">
   <p:cSld name="TITLE">
     <p:spTree>
       <p:nvGrpSpPr>
@@ -1778,11 +1818,11 @@
           <p:nvPr/>
         </p:nvPicPr>
         <p:blipFill rotWithShape="1">
-          <a:blip r:embed="rId2">
-            <a:alphaModFix/>
-          </a:blip>
+          <a:blip r:embed="rId2"/>
           <a:srcRect t="33848" b="649"/>
-          <a:stretch/>
+          <a:stretch>
+            <a:fillRect/>
+          </a:stretch>
         </p:blipFill>
         <p:spPr>
           <a:xfrm>
@@ -1997,10 +2037,10 @@
                 <a:solidFill>
                   <a:schemeClr val="dk1"/>
                 </a:solidFill>
-                <a:latin typeface="Arial"/>
-                <a:ea typeface="Arial"/>
-                <a:cs typeface="Arial"/>
-                <a:sym typeface="Arial"/>
+                <a:latin typeface="Arial" panose="020B0604020202020204"/>
+                <a:ea typeface="Arial" panose="020B0604020202020204"/>
+                <a:cs typeface="Arial" panose="020B0604020202020204"/>
+                <a:sym typeface="Arial" panose="020B0604020202020204"/>
               </a:endParaRPr>
             </a:p>
           </p:txBody>
@@ -2156,10 +2196,10 @@
                 <a:solidFill>
                   <a:schemeClr val="dk1"/>
                 </a:solidFill>
-                <a:latin typeface="Arial"/>
-                <a:ea typeface="Arial"/>
-                <a:cs typeface="Arial"/>
-                <a:sym typeface="Arial"/>
+                <a:latin typeface="Arial" panose="020B0604020202020204"/>
+                <a:ea typeface="Arial" panose="020B0604020202020204"/>
+                <a:cs typeface="Arial" panose="020B0604020202020204"/>
+                <a:sym typeface="Arial" panose="020B0604020202020204"/>
               </a:endParaRPr>
             </a:p>
           </p:txBody>
@@ -2288,10 +2328,10 @@
                 <a:solidFill>
                   <a:schemeClr val="dk1"/>
                 </a:solidFill>
-                <a:latin typeface="Arial"/>
-                <a:ea typeface="Arial"/>
-                <a:cs typeface="Arial"/>
-                <a:sym typeface="Arial"/>
+                <a:latin typeface="Arial" panose="020B0604020202020204"/>
+                <a:ea typeface="Arial" panose="020B0604020202020204"/>
+                <a:cs typeface="Arial" panose="020B0604020202020204"/>
+                <a:sym typeface="Arial" panose="020B0604020202020204"/>
               </a:endParaRPr>
             </a:p>
           </p:txBody>
@@ -2388,10 +2428,10 @@
                 <a:solidFill>
                   <a:schemeClr val="dk1"/>
                 </a:solidFill>
-                <a:latin typeface="Arial"/>
-                <a:ea typeface="Arial"/>
-                <a:cs typeface="Arial"/>
-                <a:sym typeface="Arial"/>
+                <a:latin typeface="Arial" panose="020B0604020202020204"/>
+                <a:ea typeface="Arial" panose="020B0604020202020204"/>
+                <a:cs typeface="Arial" panose="020B0604020202020204"/>
+                <a:sym typeface="Arial" panose="020B0604020202020204"/>
               </a:endParaRPr>
             </a:p>
           </p:txBody>
@@ -2514,10 +2554,10 @@
                 <a:solidFill>
                   <a:schemeClr val="dk1"/>
                 </a:solidFill>
-                <a:latin typeface="Arial"/>
-                <a:ea typeface="Arial"/>
-                <a:cs typeface="Arial"/>
-                <a:sym typeface="Arial"/>
+                <a:latin typeface="Arial" panose="020B0604020202020204"/>
+                <a:ea typeface="Arial" panose="020B0604020202020204"/>
+                <a:cs typeface="Arial" panose="020B0604020202020204"/>
+                <a:sym typeface="Arial" panose="020B0604020202020204"/>
               </a:endParaRPr>
             </a:p>
           </p:txBody>
@@ -2754,10 +2794,10 @@
                 <a:solidFill>
                   <a:schemeClr val="dk1"/>
                 </a:solidFill>
-                <a:latin typeface="Arial"/>
-                <a:ea typeface="Arial"/>
-                <a:cs typeface="Arial"/>
-                <a:sym typeface="Arial"/>
+                <a:latin typeface="Arial" panose="020B0604020202020204"/>
+                <a:ea typeface="Arial" panose="020B0604020202020204"/>
+                <a:cs typeface="Arial" panose="020B0604020202020204"/>
+                <a:sym typeface="Arial" panose="020B0604020202020204"/>
               </a:endParaRPr>
             </a:p>
           </p:txBody>
@@ -2947,10 +2987,10 @@
                 <a:solidFill>
                   <a:schemeClr val="dk1"/>
                 </a:solidFill>
-                <a:latin typeface="Arial"/>
-                <a:ea typeface="Arial"/>
-                <a:cs typeface="Arial"/>
-                <a:sym typeface="Arial"/>
+                <a:latin typeface="Arial" panose="020B0604020202020204"/>
+                <a:ea typeface="Arial" panose="020B0604020202020204"/>
+                <a:cs typeface="Arial" panose="020B0604020202020204"/>
+                <a:sym typeface="Arial" panose="020B0604020202020204"/>
               </a:endParaRPr>
             </a:p>
           </p:txBody>
@@ -3106,10 +3146,10 @@
                 <a:solidFill>
                   <a:schemeClr val="dk1"/>
                 </a:solidFill>
-                <a:latin typeface="Arial"/>
-                <a:ea typeface="Arial"/>
-                <a:cs typeface="Arial"/>
-                <a:sym typeface="Arial"/>
+                <a:latin typeface="Arial" panose="020B0604020202020204"/>
+                <a:ea typeface="Arial" panose="020B0604020202020204"/>
+                <a:cs typeface="Arial" panose="020B0604020202020204"/>
+                <a:sym typeface="Arial" panose="020B0604020202020204"/>
               </a:endParaRPr>
             </a:p>
           </p:txBody>
@@ -3220,10 +3260,10 @@
                 <a:solidFill>
                   <a:schemeClr val="dk1"/>
                 </a:solidFill>
-                <a:latin typeface="Arial"/>
-                <a:ea typeface="Arial"/>
-                <a:cs typeface="Arial"/>
-                <a:sym typeface="Arial"/>
+                <a:latin typeface="Arial" panose="020B0604020202020204"/>
+                <a:ea typeface="Arial" panose="020B0604020202020204"/>
+                <a:cs typeface="Arial" panose="020B0604020202020204"/>
+                <a:sym typeface="Arial" panose="020B0604020202020204"/>
               </a:endParaRPr>
             </a:p>
           </p:txBody>
@@ -3334,10 +3374,10 @@
                 <a:solidFill>
                   <a:schemeClr val="dk1"/>
                 </a:solidFill>
-                <a:latin typeface="Arial"/>
-                <a:ea typeface="Arial"/>
-                <a:cs typeface="Arial"/>
-                <a:sym typeface="Arial"/>
+                <a:latin typeface="Arial" panose="020B0604020202020204"/>
+                <a:ea typeface="Arial" panose="020B0604020202020204"/>
+                <a:cs typeface="Arial" panose="020B0604020202020204"/>
+                <a:sym typeface="Arial" panose="020B0604020202020204"/>
               </a:endParaRPr>
             </a:p>
           </p:txBody>
@@ -3448,10 +3488,10 @@
                 <a:solidFill>
                   <a:schemeClr val="dk1"/>
                 </a:solidFill>
-                <a:latin typeface="Arial"/>
-                <a:ea typeface="Arial"/>
-                <a:cs typeface="Arial"/>
-                <a:sym typeface="Arial"/>
+                <a:latin typeface="Arial" panose="020B0604020202020204"/>
+                <a:ea typeface="Arial" panose="020B0604020202020204"/>
+                <a:cs typeface="Arial" panose="020B0604020202020204"/>
+                <a:sym typeface="Arial" panose="020B0604020202020204"/>
               </a:endParaRPr>
             </a:p>
           </p:txBody>
@@ -3562,10 +3602,10 @@
                 <a:solidFill>
                   <a:schemeClr val="dk1"/>
                 </a:solidFill>
-                <a:latin typeface="Arial"/>
-                <a:ea typeface="Arial"/>
-                <a:cs typeface="Arial"/>
-                <a:sym typeface="Arial"/>
+                <a:latin typeface="Arial" panose="020B0604020202020204"/>
+                <a:ea typeface="Arial" panose="020B0604020202020204"/>
+                <a:cs typeface="Arial" panose="020B0604020202020204"/>
+                <a:sym typeface="Arial" panose="020B0604020202020204"/>
               </a:endParaRPr>
             </a:p>
           </p:txBody>
@@ -3676,10 +3716,10 @@
                 <a:solidFill>
                   <a:schemeClr val="dk1"/>
                 </a:solidFill>
-                <a:latin typeface="Arial"/>
-                <a:ea typeface="Arial"/>
-                <a:cs typeface="Arial"/>
-                <a:sym typeface="Arial"/>
+                <a:latin typeface="Arial" panose="020B0604020202020204"/>
+                <a:ea typeface="Arial" panose="020B0604020202020204"/>
+                <a:cs typeface="Arial" panose="020B0604020202020204"/>
+                <a:sym typeface="Arial" panose="020B0604020202020204"/>
               </a:endParaRPr>
             </a:p>
           </p:txBody>
@@ -3790,10 +3830,10 @@
                 <a:solidFill>
                   <a:schemeClr val="dk1"/>
                 </a:solidFill>
-                <a:latin typeface="Arial"/>
-                <a:ea typeface="Arial"/>
-                <a:cs typeface="Arial"/>
-                <a:sym typeface="Arial"/>
+                <a:latin typeface="Arial" panose="020B0604020202020204"/>
+                <a:ea typeface="Arial" panose="020B0604020202020204"/>
+                <a:cs typeface="Arial" panose="020B0604020202020204"/>
+                <a:sym typeface="Arial" panose="020B0604020202020204"/>
               </a:endParaRPr>
             </a:p>
           </p:txBody>
@@ -3904,10 +3944,10 @@
                 <a:solidFill>
                   <a:schemeClr val="dk1"/>
                 </a:solidFill>
-                <a:latin typeface="Arial"/>
-                <a:ea typeface="Arial"/>
-                <a:cs typeface="Arial"/>
-                <a:sym typeface="Arial"/>
+                <a:latin typeface="Arial" panose="020B0604020202020204"/>
+                <a:ea typeface="Arial" panose="020B0604020202020204"/>
+                <a:cs typeface="Arial" panose="020B0604020202020204"/>
+                <a:sym typeface="Arial" panose="020B0604020202020204"/>
               </a:endParaRPr>
             </a:p>
           </p:txBody>
@@ -4018,10 +4058,10 @@
                 <a:solidFill>
                   <a:schemeClr val="dk1"/>
                 </a:solidFill>
-                <a:latin typeface="Arial"/>
-                <a:ea typeface="Arial"/>
-                <a:cs typeface="Arial"/>
-                <a:sym typeface="Arial"/>
+                <a:latin typeface="Arial" panose="020B0604020202020204"/>
+                <a:ea typeface="Arial" panose="020B0604020202020204"/>
+                <a:cs typeface="Arial" panose="020B0604020202020204"/>
+                <a:sym typeface="Arial" panose="020B0604020202020204"/>
               </a:endParaRPr>
             </a:p>
           </p:txBody>
@@ -4132,10 +4172,10 @@
                 <a:solidFill>
                   <a:schemeClr val="dk1"/>
                 </a:solidFill>
-                <a:latin typeface="Arial"/>
-                <a:ea typeface="Arial"/>
-                <a:cs typeface="Arial"/>
-                <a:sym typeface="Arial"/>
+                <a:latin typeface="Arial" panose="020B0604020202020204"/>
+                <a:ea typeface="Arial" panose="020B0604020202020204"/>
+                <a:cs typeface="Arial" panose="020B0604020202020204"/>
+                <a:sym typeface="Arial" panose="020B0604020202020204"/>
               </a:endParaRPr>
             </a:p>
           </p:txBody>
@@ -4246,10 +4286,10 @@
                 <a:solidFill>
                   <a:schemeClr val="dk1"/>
                 </a:solidFill>
-                <a:latin typeface="Arial"/>
-                <a:ea typeface="Arial"/>
-                <a:cs typeface="Arial"/>
-                <a:sym typeface="Arial"/>
+                <a:latin typeface="Arial" panose="020B0604020202020204"/>
+                <a:ea typeface="Arial" panose="020B0604020202020204"/>
+                <a:cs typeface="Arial" panose="020B0604020202020204"/>
+                <a:sym typeface="Arial" panose="020B0604020202020204"/>
               </a:endParaRPr>
             </a:p>
           </p:txBody>
@@ -4295,16 +4335,16 @@
                 <a:schemeClr val="accent1"/>
               </a:buClr>
               <a:buSzPts val="4400"/>
-              <a:buFont typeface="Arial"/>
+              <a:buFont typeface="Arial" panose="020B0604020202020204"/>
               <a:buNone/>
               <a:defRPr sz="4400">
                 <a:solidFill>
                   <a:schemeClr val="accent1"/>
                 </a:solidFill>
-                <a:latin typeface="Arial"/>
-                <a:ea typeface="Arial"/>
-                <a:cs typeface="Arial"/>
-                <a:sym typeface="Arial"/>
+                <a:latin typeface="Arial" panose="020B0604020202020204"/>
+                <a:ea typeface="Arial" panose="020B0604020202020204"/>
+                <a:cs typeface="Arial" panose="020B0604020202020204"/>
+                <a:sym typeface="Arial" panose="020B0604020202020204"/>
               </a:defRPr>
             </a:lvl1pPr>
             <a:lvl2pPr lvl="1">
@@ -4396,9 +4436,7 @@
               <a:defRPr/>
             </a:lvl9pPr>
           </a:lstStyle>
-          <a:p>
-            <a:endParaRPr/>
-          </a:p>
+          <a:p/>
         </p:txBody>
       </p:sp>
       <p:sp>
@@ -4440,10 +4478,10 @@
                 <a:solidFill>
                   <a:schemeClr val="lt1"/>
                 </a:solidFill>
-                <a:latin typeface="Arial"/>
-                <a:ea typeface="Arial"/>
-                <a:cs typeface="Arial"/>
-                <a:sym typeface="Arial"/>
+                <a:latin typeface="Arial" panose="020B0604020202020204"/>
+                <a:ea typeface="Arial" panose="020B0604020202020204"/>
+                <a:cs typeface="Arial" panose="020B0604020202020204"/>
+                <a:sym typeface="Arial" panose="020B0604020202020204"/>
               </a:defRPr>
             </a:lvl1pPr>
             <a:lvl2pPr lvl="1" algn="ctr">
@@ -4579,9 +4617,7 @@
               </a:defRPr>
             </a:lvl9pPr>
           </a:lstStyle>
-          <a:p>
-            <a:endParaRPr/>
-          </a:p>
+          <a:p/>
         </p:txBody>
       </p:sp>
     </p:spTree>
@@ -4593,7 +4629,7 @@
 </file>
 
 <file path=ppt/slideLayouts/slideLayout10.xml><?xml version="1.0" encoding="utf-8"?>
-<p:sldLayout xmlns:a="http://schemas.openxmlformats.org/drawingml/2006/main" xmlns:r="http://schemas.openxmlformats.org/officeDocument/2006/relationships" xmlns:p="http://schemas.openxmlformats.org/presentationml/2006/main" matchingName="Blank" type="blank">
+<p:sldLayout xmlns:a="http://schemas.openxmlformats.org/drawingml/2006/main" xmlns:r="http://schemas.openxmlformats.org/officeDocument/2006/relationships" xmlns:p="http://schemas.openxmlformats.org/presentationml/2006/main" type="blank" matchingName="Blank">
   <p:cSld name="BLANK">
     <p:spTree>
       <p:nvGrpSpPr>
@@ -4649,10 +4685,10 @@
               <a:solidFill>
                 <a:schemeClr val="lt1"/>
               </a:solidFill>
-              <a:latin typeface="Arial"/>
-              <a:ea typeface="Arial"/>
-              <a:cs typeface="Arial"/>
-              <a:sym typeface="Arial"/>
+              <a:latin typeface="Arial" panose="020B0604020202020204"/>
+              <a:ea typeface="Arial" panose="020B0604020202020204"/>
+              <a:cs typeface="Arial" panose="020B0604020202020204"/>
+              <a:sym typeface="Arial" panose="020B0604020202020204"/>
             </a:endParaRPr>
           </a:p>
         </p:txBody>
@@ -4694,10 +4730,10 @@
                 <a:solidFill>
                   <a:schemeClr val="accent2"/>
                 </a:solidFill>
-                <a:latin typeface="Arial"/>
-                <a:ea typeface="Arial"/>
-                <a:cs typeface="Arial"/>
-                <a:sym typeface="Arial"/>
+                <a:latin typeface="Arial" panose="020B0604020202020204"/>
+                <a:ea typeface="Arial" panose="020B0604020202020204"/>
+                <a:cs typeface="Arial" panose="020B0604020202020204"/>
+                <a:sym typeface="Arial" panose="020B0604020202020204"/>
               </a:defRPr>
             </a:lvl1pPr>
             <a:lvl2pPr marL="0" lvl="1" indent="0" algn="r">
@@ -4709,10 +4745,10 @@
                 <a:solidFill>
                   <a:schemeClr val="accent2"/>
                 </a:solidFill>
-                <a:latin typeface="Arial"/>
-                <a:ea typeface="Arial"/>
-                <a:cs typeface="Arial"/>
-                <a:sym typeface="Arial"/>
+                <a:latin typeface="Arial" panose="020B0604020202020204"/>
+                <a:ea typeface="Arial" panose="020B0604020202020204"/>
+                <a:cs typeface="Arial" panose="020B0604020202020204"/>
+                <a:sym typeface="Arial" panose="020B0604020202020204"/>
               </a:defRPr>
             </a:lvl2pPr>
             <a:lvl3pPr marL="0" lvl="2" indent="0" algn="r">
@@ -4724,10 +4760,10 @@
                 <a:solidFill>
                   <a:schemeClr val="accent2"/>
                 </a:solidFill>
-                <a:latin typeface="Arial"/>
-                <a:ea typeface="Arial"/>
-                <a:cs typeface="Arial"/>
-                <a:sym typeface="Arial"/>
+                <a:latin typeface="Arial" panose="020B0604020202020204"/>
+                <a:ea typeface="Arial" panose="020B0604020202020204"/>
+                <a:cs typeface="Arial" panose="020B0604020202020204"/>
+                <a:sym typeface="Arial" panose="020B0604020202020204"/>
               </a:defRPr>
             </a:lvl3pPr>
             <a:lvl4pPr marL="0" lvl="3" indent="0" algn="r">
@@ -4739,10 +4775,10 @@
                 <a:solidFill>
                   <a:schemeClr val="accent2"/>
                 </a:solidFill>
-                <a:latin typeface="Arial"/>
-                <a:ea typeface="Arial"/>
-                <a:cs typeface="Arial"/>
-                <a:sym typeface="Arial"/>
+                <a:latin typeface="Arial" panose="020B0604020202020204"/>
+                <a:ea typeface="Arial" panose="020B0604020202020204"/>
+                <a:cs typeface="Arial" panose="020B0604020202020204"/>
+                <a:sym typeface="Arial" panose="020B0604020202020204"/>
               </a:defRPr>
             </a:lvl4pPr>
             <a:lvl5pPr marL="0" lvl="4" indent="0" algn="r">
@@ -4754,10 +4790,10 @@
                 <a:solidFill>
                   <a:schemeClr val="accent2"/>
                 </a:solidFill>
-                <a:latin typeface="Arial"/>
-                <a:ea typeface="Arial"/>
-                <a:cs typeface="Arial"/>
-                <a:sym typeface="Arial"/>
+                <a:latin typeface="Arial" panose="020B0604020202020204"/>
+                <a:ea typeface="Arial" panose="020B0604020202020204"/>
+                <a:cs typeface="Arial" panose="020B0604020202020204"/>
+                <a:sym typeface="Arial" panose="020B0604020202020204"/>
               </a:defRPr>
             </a:lvl5pPr>
             <a:lvl6pPr marL="0" lvl="5" indent="0" algn="r">
@@ -4769,10 +4805,10 @@
                 <a:solidFill>
                   <a:schemeClr val="accent2"/>
                 </a:solidFill>
-                <a:latin typeface="Arial"/>
-                <a:ea typeface="Arial"/>
-                <a:cs typeface="Arial"/>
-                <a:sym typeface="Arial"/>
+                <a:latin typeface="Arial" panose="020B0604020202020204"/>
+                <a:ea typeface="Arial" panose="020B0604020202020204"/>
+                <a:cs typeface="Arial" panose="020B0604020202020204"/>
+                <a:sym typeface="Arial" panose="020B0604020202020204"/>
               </a:defRPr>
             </a:lvl6pPr>
             <a:lvl7pPr marL="0" lvl="6" indent="0" algn="r">
@@ -4784,10 +4820,10 @@
                 <a:solidFill>
                   <a:schemeClr val="accent2"/>
                 </a:solidFill>
-                <a:latin typeface="Arial"/>
-                <a:ea typeface="Arial"/>
-                <a:cs typeface="Arial"/>
-                <a:sym typeface="Arial"/>
+                <a:latin typeface="Arial" panose="020B0604020202020204"/>
+                <a:ea typeface="Arial" panose="020B0604020202020204"/>
+                <a:cs typeface="Arial" panose="020B0604020202020204"/>
+                <a:sym typeface="Arial" panose="020B0604020202020204"/>
               </a:defRPr>
             </a:lvl7pPr>
             <a:lvl8pPr marL="0" lvl="7" indent="0" algn="r">
@@ -4799,10 +4835,10 @@
                 <a:solidFill>
                   <a:schemeClr val="accent2"/>
                 </a:solidFill>
-                <a:latin typeface="Arial"/>
-                <a:ea typeface="Arial"/>
-                <a:cs typeface="Arial"/>
-                <a:sym typeface="Arial"/>
+                <a:latin typeface="Arial" panose="020B0604020202020204"/>
+                <a:ea typeface="Arial" panose="020B0604020202020204"/>
+                <a:cs typeface="Arial" panose="020B0604020202020204"/>
+                <a:sym typeface="Arial" panose="020B0604020202020204"/>
               </a:defRPr>
             </a:lvl8pPr>
             <a:lvl9pPr marL="0" lvl="8" indent="0" algn="r">
@@ -4814,10 +4850,10 @@
                 <a:solidFill>
                   <a:schemeClr val="accent2"/>
                 </a:solidFill>
-                <a:latin typeface="Arial"/>
-                <a:ea typeface="Arial"/>
-                <a:cs typeface="Arial"/>
-                <a:sym typeface="Arial"/>
+                <a:latin typeface="Arial" panose="020B0604020202020204"/>
+                <a:ea typeface="Arial" panose="020B0604020202020204"/>
+                <a:cs typeface="Arial" panose="020B0604020202020204"/>
+                <a:sym typeface="Arial" panose="020B0604020202020204"/>
               </a:defRPr>
             </a:lvl9pPr>
           </a:lstStyle>
@@ -4833,9 +4869,8 @@
             </a:pPr>
             <a:fld id="{00000000-1234-1234-1234-123412341234}" type="slidenum">
               <a:rPr lang="en-US"/>
-              <a:t>‹#›</a:t>
             </a:fld>
-            <a:endParaRPr/>
+            <a:endParaRPr lang="en-US"/>
           </a:p>
         </p:txBody>
       </p:sp>
@@ -4848,7 +4883,7 @@
 </file>
 
 <file path=ppt/slideLayouts/slideLayout11.xml><?xml version="1.0" encoding="utf-8"?>
-<p:sldLayout xmlns:a="http://schemas.openxmlformats.org/drawingml/2006/main" xmlns:r="http://schemas.openxmlformats.org/officeDocument/2006/relationships" xmlns:p="http://schemas.openxmlformats.org/presentationml/2006/main" matchingName="Title and Content" type="obj">
+<p:sldLayout xmlns:a="http://schemas.openxmlformats.org/drawingml/2006/main" xmlns:r="http://schemas.openxmlformats.org/officeDocument/2006/relationships" xmlns:p="http://schemas.openxmlformats.org/presentationml/2006/main" type="obj" matchingName="Title and Content">
   <p:cSld name="Title and Content">
     <p:spTree>
       <p:nvGrpSpPr>
@@ -4901,13 +4936,13 @@
                 <a:schemeClr val="lt1"/>
               </a:buClr>
               <a:buSzPts val="2400"/>
-              <a:buFont typeface="Arial"/>
+              <a:buFont typeface="Arial" panose="020B0604020202020204"/>
               <a:buNone/>
               <a:defRPr>
-                <a:latin typeface="Arial"/>
-                <a:ea typeface="Arial"/>
-                <a:cs typeface="Arial"/>
-                <a:sym typeface="Arial"/>
+                <a:latin typeface="Arial" panose="020B0604020202020204"/>
+                <a:ea typeface="Arial" panose="020B0604020202020204"/>
+                <a:cs typeface="Arial" panose="020B0604020202020204"/>
+                <a:sym typeface="Arial" panose="020B0604020202020204"/>
               </a:defRPr>
             </a:lvl1pPr>
             <a:lvl2pPr lvl="1">
@@ -4999,9 +5034,7 @@
               <a:defRPr/>
             </a:lvl9pPr>
           </a:lstStyle>
-          <a:p>
-            <a:endParaRPr/>
-          </a:p>
+          <a:p/>
         </p:txBody>
       </p:sp>
       <p:sp>
@@ -5040,10 +5073,10 @@
               <a:buSzPts val="2800"/>
               <a:buChar char="•"/>
               <a:defRPr>
-                <a:latin typeface="Arial"/>
-                <a:ea typeface="Arial"/>
-                <a:cs typeface="Arial"/>
-                <a:sym typeface="Arial"/>
+                <a:latin typeface="Arial" panose="020B0604020202020204"/>
+                <a:ea typeface="Arial" panose="020B0604020202020204"/>
+                <a:cs typeface="Arial" panose="020B0604020202020204"/>
+                <a:sym typeface="Arial" panose="020B0604020202020204"/>
               </a:defRPr>
             </a:lvl1pPr>
             <a:lvl2pPr marL="914400" lvl="1" indent="-381000" algn="l">
@@ -5056,10 +5089,10 @@
               <a:buSzPts val="2400"/>
               <a:buChar char="–"/>
               <a:defRPr>
-                <a:latin typeface="Arial"/>
-                <a:ea typeface="Arial"/>
-                <a:cs typeface="Arial"/>
-                <a:sym typeface="Arial"/>
+                <a:latin typeface="Arial" panose="020B0604020202020204"/>
+                <a:ea typeface="Arial" panose="020B0604020202020204"/>
+                <a:cs typeface="Arial" panose="020B0604020202020204"/>
+                <a:sym typeface="Arial" panose="020B0604020202020204"/>
               </a:defRPr>
             </a:lvl2pPr>
             <a:lvl3pPr marL="1371600" lvl="2" indent="-355600" algn="l">
@@ -5072,10 +5105,10 @@
               <a:buSzPts val="2000"/>
               <a:buChar char="•"/>
               <a:defRPr>
-                <a:latin typeface="Arial"/>
-                <a:ea typeface="Arial"/>
-                <a:cs typeface="Arial"/>
-                <a:sym typeface="Arial"/>
+                <a:latin typeface="Arial" panose="020B0604020202020204"/>
+                <a:ea typeface="Arial" panose="020B0604020202020204"/>
+                <a:cs typeface="Arial" panose="020B0604020202020204"/>
+                <a:sym typeface="Arial" panose="020B0604020202020204"/>
               </a:defRPr>
             </a:lvl3pPr>
             <a:lvl4pPr marL="1828800" lvl="3" indent="-342900" algn="l">
@@ -5088,10 +5121,10 @@
               <a:buSzPts val="1800"/>
               <a:buChar char="–"/>
               <a:defRPr>
-                <a:latin typeface="Arial"/>
-                <a:ea typeface="Arial"/>
-                <a:cs typeface="Arial"/>
-                <a:sym typeface="Arial"/>
+                <a:latin typeface="Arial" panose="020B0604020202020204"/>
+                <a:ea typeface="Arial" panose="020B0604020202020204"/>
+                <a:cs typeface="Arial" panose="020B0604020202020204"/>
+                <a:sym typeface="Arial" panose="020B0604020202020204"/>
               </a:defRPr>
             </a:lvl4pPr>
             <a:lvl5pPr marL="2286000" lvl="4" indent="-342900" algn="l">
@@ -5104,10 +5137,10 @@
               <a:buSzPts val="1800"/>
               <a:buChar char="»"/>
               <a:defRPr>
-                <a:latin typeface="Arial"/>
-                <a:ea typeface="Arial"/>
-                <a:cs typeface="Arial"/>
-                <a:sym typeface="Arial"/>
+                <a:latin typeface="Arial" panose="020B0604020202020204"/>
+                <a:ea typeface="Arial" panose="020B0604020202020204"/>
+                <a:cs typeface="Arial" panose="020B0604020202020204"/>
+                <a:sym typeface="Arial" panose="020B0604020202020204"/>
               </a:defRPr>
             </a:lvl5pPr>
             <a:lvl6pPr marL="2743200" lvl="5" indent="-342900" algn="l">
@@ -5167,9 +5200,7 @@
               <a:defRPr/>
             </a:lvl9pPr>
           </a:lstStyle>
-          <a:p>
-            <a:endParaRPr/>
-          </a:p>
+          <a:p/>
         </p:txBody>
       </p:sp>
       <p:sp>
@@ -5209,10 +5240,10 @@
                 <a:solidFill>
                   <a:schemeClr val="accent2"/>
                 </a:solidFill>
-                <a:latin typeface="Arial"/>
-                <a:ea typeface="Arial"/>
-                <a:cs typeface="Arial"/>
-                <a:sym typeface="Arial"/>
+                <a:latin typeface="Arial" panose="020B0604020202020204"/>
+                <a:ea typeface="Arial" panose="020B0604020202020204"/>
+                <a:cs typeface="Arial" panose="020B0604020202020204"/>
+                <a:sym typeface="Arial" panose="020B0604020202020204"/>
               </a:defRPr>
             </a:lvl1pPr>
             <a:lvl2pPr marL="0" lvl="1" indent="0" algn="r">
@@ -5224,10 +5255,10 @@
                 <a:solidFill>
                   <a:schemeClr val="accent2"/>
                 </a:solidFill>
-                <a:latin typeface="Arial"/>
-                <a:ea typeface="Arial"/>
-                <a:cs typeface="Arial"/>
-                <a:sym typeface="Arial"/>
+                <a:latin typeface="Arial" panose="020B0604020202020204"/>
+                <a:ea typeface="Arial" panose="020B0604020202020204"/>
+                <a:cs typeface="Arial" panose="020B0604020202020204"/>
+                <a:sym typeface="Arial" panose="020B0604020202020204"/>
               </a:defRPr>
             </a:lvl2pPr>
             <a:lvl3pPr marL="0" lvl="2" indent="0" algn="r">
@@ -5239,10 +5270,10 @@
                 <a:solidFill>
                   <a:schemeClr val="accent2"/>
                 </a:solidFill>
-                <a:latin typeface="Arial"/>
-                <a:ea typeface="Arial"/>
-                <a:cs typeface="Arial"/>
-                <a:sym typeface="Arial"/>
+                <a:latin typeface="Arial" panose="020B0604020202020204"/>
+                <a:ea typeface="Arial" panose="020B0604020202020204"/>
+                <a:cs typeface="Arial" panose="020B0604020202020204"/>
+                <a:sym typeface="Arial" panose="020B0604020202020204"/>
               </a:defRPr>
             </a:lvl3pPr>
             <a:lvl4pPr marL="0" lvl="3" indent="0" algn="r">
@@ -5254,10 +5285,10 @@
                 <a:solidFill>
                   <a:schemeClr val="accent2"/>
                 </a:solidFill>
-                <a:latin typeface="Arial"/>
-                <a:ea typeface="Arial"/>
-                <a:cs typeface="Arial"/>
-                <a:sym typeface="Arial"/>
+                <a:latin typeface="Arial" panose="020B0604020202020204"/>
+                <a:ea typeface="Arial" panose="020B0604020202020204"/>
+                <a:cs typeface="Arial" panose="020B0604020202020204"/>
+                <a:sym typeface="Arial" panose="020B0604020202020204"/>
               </a:defRPr>
             </a:lvl4pPr>
             <a:lvl5pPr marL="0" lvl="4" indent="0" algn="r">
@@ -5269,10 +5300,10 @@
                 <a:solidFill>
                   <a:schemeClr val="accent2"/>
                 </a:solidFill>
-                <a:latin typeface="Arial"/>
-                <a:ea typeface="Arial"/>
-                <a:cs typeface="Arial"/>
-                <a:sym typeface="Arial"/>
+                <a:latin typeface="Arial" panose="020B0604020202020204"/>
+                <a:ea typeface="Arial" panose="020B0604020202020204"/>
+                <a:cs typeface="Arial" panose="020B0604020202020204"/>
+                <a:sym typeface="Arial" panose="020B0604020202020204"/>
               </a:defRPr>
             </a:lvl5pPr>
             <a:lvl6pPr marL="0" lvl="5" indent="0" algn="r">
@@ -5284,10 +5315,10 @@
                 <a:solidFill>
                   <a:schemeClr val="accent2"/>
                 </a:solidFill>
-                <a:latin typeface="Arial"/>
-                <a:ea typeface="Arial"/>
-                <a:cs typeface="Arial"/>
-                <a:sym typeface="Arial"/>
+                <a:latin typeface="Arial" panose="020B0604020202020204"/>
+                <a:ea typeface="Arial" panose="020B0604020202020204"/>
+                <a:cs typeface="Arial" panose="020B0604020202020204"/>
+                <a:sym typeface="Arial" panose="020B0604020202020204"/>
               </a:defRPr>
             </a:lvl6pPr>
             <a:lvl7pPr marL="0" lvl="6" indent="0" algn="r">
@@ -5299,10 +5330,10 @@
                 <a:solidFill>
                   <a:schemeClr val="accent2"/>
                 </a:solidFill>
-                <a:latin typeface="Arial"/>
-                <a:ea typeface="Arial"/>
-                <a:cs typeface="Arial"/>
-                <a:sym typeface="Arial"/>
+                <a:latin typeface="Arial" panose="020B0604020202020204"/>
+                <a:ea typeface="Arial" panose="020B0604020202020204"/>
+                <a:cs typeface="Arial" panose="020B0604020202020204"/>
+                <a:sym typeface="Arial" panose="020B0604020202020204"/>
               </a:defRPr>
             </a:lvl7pPr>
             <a:lvl8pPr marL="0" lvl="7" indent="0" algn="r">
@@ -5314,10 +5345,10 @@
                 <a:solidFill>
                   <a:schemeClr val="accent2"/>
                 </a:solidFill>
-                <a:latin typeface="Arial"/>
-                <a:ea typeface="Arial"/>
-                <a:cs typeface="Arial"/>
-                <a:sym typeface="Arial"/>
+                <a:latin typeface="Arial" panose="020B0604020202020204"/>
+                <a:ea typeface="Arial" panose="020B0604020202020204"/>
+                <a:cs typeface="Arial" panose="020B0604020202020204"/>
+                <a:sym typeface="Arial" panose="020B0604020202020204"/>
               </a:defRPr>
             </a:lvl8pPr>
             <a:lvl9pPr marL="0" lvl="8" indent="0" algn="r">
@@ -5329,10 +5360,10 @@
                 <a:solidFill>
                   <a:schemeClr val="accent2"/>
                 </a:solidFill>
-                <a:latin typeface="Arial"/>
-                <a:ea typeface="Arial"/>
-                <a:cs typeface="Arial"/>
-                <a:sym typeface="Arial"/>
+                <a:latin typeface="Arial" panose="020B0604020202020204"/>
+                <a:ea typeface="Arial" panose="020B0604020202020204"/>
+                <a:cs typeface="Arial" panose="020B0604020202020204"/>
+                <a:sym typeface="Arial" panose="020B0604020202020204"/>
               </a:defRPr>
             </a:lvl9pPr>
           </a:lstStyle>
@@ -5348,18 +5379,12 @@
             </a:pPr>
             <a:fld id="{00000000-1234-1234-1234-123412341234}" type="slidenum">
               <a:rPr lang="en-US"/>
-              <a:t>‹#›</a:t>
             </a:fld>
-            <a:endParaRPr/>
+            <a:endParaRPr lang="en-US"/>
           </a:p>
         </p:txBody>
       </p:sp>
     </p:spTree>
-    <p:extLst>
-      <p:ext uri="{BB962C8B-B14F-4D97-AF65-F5344CB8AC3E}">
-        <p14:creationId xmlns:p14="http://schemas.microsoft.com/office/powerpoint/2010/main" val="3298088533"/>
-      </p:ext>
-    </p:extLst>
   </p:cSld>
   <p:clrMapOvr>
     <a:masterClrMapping/>
@@ -5368,7 +5393,7 @@
 </file>
 
 <file path=ppt/slideLayouts/slideLayout2.xml><?xml version="1.0" encoding="utf-8"?>
-<p:sldLayout xmlns:a="http://schemas.openxmlformats.org/drawingml/2006/main" xmlns:r="http://schemas.openxmlformats.org/officeDocument/2006/relationships" xmlns:p="http://schemas.openxmlformats.org/presentationml/2006/main" matchingName="1_Title Only" type="titleOnly">
+<p:sldLayout xmlns:a="http://schemas.openxmlformats.org/drawingml/2006/main" xmlns:r="http://schemas.openxmlformats.org/officeDocument/2006/relationships" xmlns:p="http://schemas.openxmlformats.org/presentationml/2006/main" type="titleOnly" matchingName="1_Title Only">
   <p:cSld name="TITLE_ONLY">
     <p:spTree>
       <p:nvGrpSpPr>
@@ -5424,10 +5449,10 @@
               <a:solidFill>
                 <a:schemeClr val="lt1"/>
               </a:solidFill>
-              <a:latin typeface="Arial"/>
-              <a:ea typeface="Arial"/>
-              <a:cs typeface="Arial"/>
-              <a:sym typeface="Arial"/>
+              <a:latin typeface="Arial" panose="020B0604020202020204"/>
+              <a:ea typeface="Arial" panose="020B0604020202020204"/>
+              <a:cs typeface="Arial" panose="020B0604020202020204"/>
+              <a:sym typeface="Arial" panose="020B0604020202020204"/>
             </a:endParaRPr>
           </a:p>
         </p:txBody>
@@ -5472,10 +5497,10 @@
               <a:solidFill>
                 <a:schemeClr val="lt1"/>
               </a:solidFill>
-              <a:latin typeface="Arial"/>
-              <a:ea typeface="Arial"/>
-              <a:cs typeface="Arial"/>
-              <a:sym typeface="Arial"/>
+              <a:latin typeface="Arial" panose="020B0604020202020204"/>
+              <a:ea typeface="Arial" panose="020B0604020202020204"/>
+              <a:cs typeface="Arial" panose="020B0604020202020204"/>
+              <a:sym typeface="Arial" panose="020B0604020202020204"/>
             </a:endParaRPr>
           </a:p>
         </p:txBody>
@@ -5517,16 +5542,16 @@
                 <a:schemeClr val="dk2"/>
               </a:buClr>
               <a:buSzPts val="2400"/>
-              <a:buFont typeface="Arial"/>
+              <a:buFont typeface="Arial" panose="020B0604020202020204"/>
               <a:buNone/>
               <a:defRPr>
                 <a:solidFill>
                   <a:schemeClr val="dk2"/>
                 </a:solidFill>
-                <a:latin typeface="Arial"/>
-                <a:ea typeface="Arial"/>
-                <a:cs typeface="Arial"/>
-                <a:sym typeface="Arial"/>
+                <a:latin typeface="Arial" panose="020B0604020202020204"/>
+                <a:ea typeface="Arial" panose="020B0604020202020204"/>
+                <a:cs typeface="Arial" panose="020B0604020202020204"/>
+                <a:sym typeface="Arial" panose="020B0604020202020204"/>
               </a:defRPr>
             </a:lvl1pPr>
             <a:lvl2pPr lvl="1">
@@ -5618,9 +5643,7 @@
               <a:defRPr/>
             </a:lvl9pPr>
           </a:lstStyle>
-          <a:p>
-            <a:endParaRPr/>
-          </a:p>
+          <a:p/>
         </p:txBody>
       </p:sp>
       <p:sp>
@@ -5660,10 +5683,10 @@
                 <a:solidFill>
                   <a:schemeClr val="accent2"/>
                 </a:solidFill>
-                <a:latin typeface="Arial"/>
-                <a:ea typeface="Arial"/>
-                <a:cs typeface="Arial"/>
-                <a:sym typeface="Arial"/>
+                <a:latin typeface="Arial" panose="020B0604020202020204"/>
+                <a:ea typeface="Arial" panose="020B0604020202020204"/>
+                <a:cs typeface="Arial" panose="020B0604020202020204"/>
+                <a:sym typeface="Arial" panose="020B0604020202020204"/>
               </a:defRPr>
             </a:lvl1pPr>
             <a:lvl2pPr marL="0" lvl="1" indent="0" algn="r">
@@ -5675,10 +5698,10 @@
                 <a:solidFill>
                   <a:schemeClr val="accent2"/>
                 </a:solidFill>
-                <a:latin typeface="Arial"/>
-                <a:ea typeface="Arial"/>
-                <a:cs typeface="Arial"/>
-                <a:sym typeface="Arial"/>
+                <a:latin typeface="Arial" panose="020B0604020202020204"/>
+                <a:ea typeface="Arial" panose="020B0604020202020204"/>
+                <a:cs typeface="Arial" panose="020B0604020202020204"/>
+                <a:sym typeface="Arial" panose="020B0604020202020204"/>
               </a:defRPr>
             </a:lvl2pPr>
             <a:lvl3pPr marL="0" lvl="2" indent="0" algn="r">
@@ -5690,10 +5713,10 @@
                 <a:solidFill>
                   <a:schemeClr val="accent2"/>
                 </a:solidFill>
-                <a:latin typeface="Arial"/>
-                <a:ea typeface="Arial"/>
-                <a:cs typeface="Arial"/>
-                <a:sym typeface="Arial"/>
+                <a:latin typeface="Arial" panose="020B0604020202020204"/>
+                <a:ea typeface="Arial" panose="020B0604020202020204"/>
+                <a:cs typeface="Arial" panose="020B0604020202020204"/>
+                <a:sym typeface="Arial" panose="020B0604020202020204"/>
               </a:defRPr>
             </a:lvl3pPr>
             <a:lvl4pPr marL="0" lvl="3" indent="0" algn="r">
@@ -5705,10 +5728,10 @@
                 <a:solidFill>
                   <a:schemeClr val="accent2"/>
                 </a:solidFill>
-                <a:latin typeface="Arial"/>
-                <a:ea typeface="Arial"/>
-                <a:cs typeface="Arial"/>
-                <a:sym typeface="Arial"/>
+                <a:latin typeface="Arial" panose="020B0604020202020204"/>
+                <a:ea typeface="Arial" panose="020B0604020202020204"/>
+                <a:cs typeface="Arial" panose="020B0604020202020204"/>
+                <a:sym typeface="Arial" panose="020B0604020202020204"/>
               </a:defRPr>
             </a:lvl4pPr>
             <a:lvl5pPr marL="0" lvl="4" indent="0" algn="r">
@@ -5720,10 +5743,10 @@
                 <a:solidFill>
                   <a:schemeClr val="accent2"/>
                 </a:solidFill>
-                <a:latin typeface="Arial"/>
-                <a:ea typeface="Arial"/>
-                <a:cs typeface="Arial"/>
-                <a:sym typeface="Arial"/>
+                <a:latin typeface="Arial" panose="020B0604020202020204"/>
+                <a:ea typeface="Arial" panose="020B0604020202020204"/>
+                <a:cs typeface="Arial" panose="020B0604020202020204"/>
+                <a:sym typeface="Arial" panose="020B0604020202020204"/>
               </a:defRPr>
             </a:lvl5pPr>
             <a:lvl6pPr marL="0" lvl="5" indent="0" algn="r">
@@ -5735,10 +5758,10 @@
                 <a:solidFill>
                   <a:schemeClr val="accent2"/>
                 </a:solidFill>
-                <a:latin typeface="Arial"/>
-                <a:ea typeface="Arial"/>
-                <a:cs typeface="Arial"/>
-                <a:sym typeface="Arial"/>
+                <a:latin typeface="Arial" panose="020B0604020202020204"/>
+                <a:ea typeface="Arial" panose="020B0604020202020204"/>
+                <a:cs typeface="Arial" panose="020B0604020202020204"/>
+                <a:sym typeface="Arial" panose="020B0604020202020204"/>
               </a:defRPr>
             </a:lvl6pPr>
             <a:lvl7pPr marL="0" lvl="6" indent="0" algn="r">
@@ -5750,10 +5773,10 @@
                 <a:solidFill>
                   <a:schemeClr val="accent2"/>
                 </a:solidFill>
-                <a:latin typeface="Arial"/>
-                <a:ea typeface="Arial"/>
-                <a:cs typeface="Arial"/>
-                <a:sym typeface="Arial"/>
+                <a:latin typeface="Arial" panose="020B0604020202020204"/>
+                <a:ea typeface="Arial" panose="020B0604020202020204"/>
+                <a:cs typeface="Arial" panose="020B0604020202020204"/>
+                <a:sym typeface="Arial" panose="020B0604020202020204"/>
               </a:defRPr>
             </a:lvl7pPr>
             <a:lvl8pPr marL="0" lvl="7" indent="0" algn="r">
@@ -5765,10 +5788,10 @@
                 <a:solidFill>
                   <a:schemeClr val="accent2"/>
                 </a:solidFill>
-                <a:latin typeface="Arial"/>
-                <a:ea typeface="Arial"/>
-                <a:cs typeface="Arial"/>
-                <a:sym typeface="Arial"/>
+                <a:latin typeface="Arial" panose="020B0604020202020204"/>
+                <a:ea typeface="Arial" panose="020B0604020202020204"/>
+                <a:cs typeface="Arial" panose="020B0604020202020204"/>
+                <a:sym typeface="Arial" panose="020B0604020202020204"/>
               </a:defRPr>
             </a:lvl8pPr>
             <a:lvl9pPr marL="0" lvl="8" indent="0" algn="r">
@@ -5780,10 +5803,10 @@
                 <a:solidFill>
                   <a:schemeClr val="accent2"/>
                 </a:solidFill>
-                <a:latin typeface="Arial"/>
-                <a:ea typeface="Arial"/>
-                <a:cs typeface="Arial"/>
-                <a:sym typeface="Arial"/>
+                <a:latin typeface="Arial" panose="020B0604020202020204"/>
+                <a:ea typeface="Arial" panose="020B0604020202020204"/>
+                <a:cs typeface="Arial" panose="020B0604020202020204"/>
+                <a:sym typeface="Arial" panose="020B0604020202020204"/>
               </a:defRPr>
             </a:lvl9pPr>
           </a:lstStyle>
@@ -5799,9 +5822,8 @@
             </a:pPr>
             <a:fld id="{00000000-1234-1234-1234-123412341234}" type="slidenum">
               <a:rPr lang="en-US"/>
-              <a:t>‹#›</a:t>
             </a:fld>
-            <a:endParaRPr/>
+            <a:endParaRPr lang="en-US"/>
           </a:p>
         </p:txBody>
       </p:sp>
@@ -6004,10 +6026,10 @@
                 <a:solidFill>
                   <a:schemeClr val="dk1"/>
                 </a:solidFill>
-                <a:latin typeface="Arial"/>
-                <a:ea typeface="Arial"/>
-                <a:cs typeface="Arial"/>
-                <a:sym typeface="Arial"/>
+                <a:latin typeface="Arial" panose="020B0604020202020204"/>
+                <a:ea typeface="Arial" panose="020B0604020202020204"/>
+                <a:cs typeface="Arial" panose="020B0604020202020204"/>
+                <a:sym typeface="Arial" panose="020B0604020202020204"/>
               </a:endParaRPr>
             </a:p>
           </p:txBody>
@@ -6163,10 +6185,10 @@
                 <a:solidFill>
                   <a:schemeClr val="dk1"/>
                 </a:solidFill>
-                <a:latin typeface="Arial"/>
-                <a:ea typeface="Arial"/>
-                <a:cs typeface="Arial"/>
-                <a:sym typeface="Arial"/>
+                <a:latin typeface="Arial" panose="020B0604020202020204"/>
+                <a:ea typeface="Arial" panose="020B0604020202020204"/>
+                <a:cs typeface="Arial" panose="020B0604020202020204"/>
+                <a:sym typeface="Arial" panose="020B0604020202020204"/>
               </a:endParaRPr>
             </a:p>
           </p:txBody>
@@ -6295,10 +6317,10 @@
                 <a:solidFill>
                   <a:schemeClr val="dk1"/>
                 </a:solidFill>
-                <a:latin typeface="Arial"/>
-                <a:ea typeface="Arial"/>
-                <a:cs typeface="Arial"/>
-                <a:sym typeface="Arial"/>
+                <a:latin typeface="Arial" panose="020B0604020202020204"/>
+                <a:ea typeface="Arial" panose="020B0604020202020204"/>
+                <a:cs typeface="Arial" panose="020B0604020202020204"/>
+                <a:sym typeface="Arial" panose="020B0604020202020204"/>
               </a:endParaRPr>
             </a:p>
           </p:txBody>
@@ -6395,10 +6417,10 @@
                 <a:solidFill>
                   <a:schemeClr val="dk1"/>
                 </a:solidFill>
-                <a:latin typeface="Arial"/>
-                <a:ea typeface="Arial"/>
-                <a:cs typeface="Arial"/>
-                <a:sym typeface="Arial"/>
+                <a:latin typeface="Arial" panose="020B0604020202020204"/>
+                <a:ea typeface="Arial" panose="020B0604020202020204"/>
+                <a:cs typeface="Arial" panose="020B0604020202020204"/>
+                <a:sym typeface="Arial" panose="020B0604020202020204"/>
               </a:endParaRPr>
             </a:p>
           </p:txBody>
@@ -6521,10 +6543,10 @@
                 <a:solidFill>
                   <a:schemeClr val="dk1"/>
                 </a:solidFill>
-                <a:latin typeface="Arial"/>
-                <a:ea typeface="Arial"/>
-                <a:cs typeface="Arial"/>
-                <a:sym typeface="Arial"/>
+                <a:latin typeface="Arial" panose="020B0604020202020204"/>
+                <a:ea typeface="Arial" panose="020B0604020202020204"/>
+                <a:cs typeface="Arial" panose="020B0604020202020204"/>
+                <a:sym typeface="Arial" panose="020B0604020202020204"/>
               </a:endParaRPr>
             </a:p>
           </p:txBody>
@@ -6761,10 +6783,10 @@
                 <a:solidFill>
                   <a:schemeClr val="dk1"/>
                 </a:solidFill>
-                <a:latin typeface="Arial"/>
-                <a:ea typeface="Arial"/>
-                <a:cs typeface="Arial"/>
-                <a:sym typeface="Arial"/>
+                <a:latin typeface="Arial" panose="020B0604020202020204"/>
+                <a:ea typeface="Arial" panose="020B0604020202020204"/>
+                <a:cs typeface="Arial" panose="020B0604020202020204"/>
+                <a:sym typeface="Arial" panose="020B0604020202020204"/>
               </a:endParaRPr>
             </a:p>
           </p:txBody>
@@ -6954,10 +6976,10 @@
                 <a:solidFill>
                   <a:schemeClr val="dk1"/>
                 </a:solidFill>
-                <a:latin typeface="Arial"/>
-                <a:ea typeface="Arial"/>
-                <a:cs typeface="Arial"/>
-                <a:sym typeface="Arial"/>
+                <a:latin typeface="Arial" panose="020B0604020202020204"/>
+                <a:ea typeface="Arial" panose="020B0604020202020204"/>
+                <a:cs typeface="Arial" panose="020B0604020202020204"/>
+                <a:sym typeface="Arial" panose="020B0604020202020204"/>
               </a:endParaRPr>
             </a:p>
           </p:txBody>
@@ -7113,10 +7135,10 @@
                 <a:solidFill>
                   <a:schemeClr val="dk1"/>
                 </a:solidFill>
-                <a:latin typeface="Arial"/>
-                <a:ea typeface="Arial"/>
-                <a:cs typeface="Arial"/>
-                <a:sym typeface="Arial"/>
+                <a:latin typeface="Arial" panose="020B0604020202020204"/>
+                <a:ea typeface="Arial" panose="020B0604020202020204"/>
+                <a:cs typeface="Arial" panose="020B0604020202020204"/>
+                <a:sym typeface="Arial" panose="020B0604020202020204"/>
               </a:endParaRPr>
             </a:p>
           </p:txBody>
@@ -7227,10 +7249,10 @@
                 <a:solidFill>
                   <a:schemeClr val="dk1"/>
                 </a:solidFill>
-                <a:latin typeface="Arial"/>
-                <a:ea typeface="Arial"/>
-                <a:cs typeface="Arial"/>
-                <a:sym typeface="Arial"/>
+                <a:latin typeface="Arial" panose="020B0604020202020204"/>
+                <a:ea typeface="Arial" panose="020B0604020202020204"/>
+                <a:cs typeface="Arial" panose="020B0604020202020204"/>
+                <a:sym typeface="Arial" panose="020B0604020202020204"/>
               </a:endParaRPr>
             </a:p>
           </p:txBody>
@@ -7341,10 +7363,10 @@
                 <a:solidFill>
                   <a:schemeClr val="dk1"/>
                 </a:solidFill>
-                <a:latin typeface="Arial"/>
-                <a:ea typeface="Arial"/>
-                <a:cs typeface="Arial"/>
-                <a:sym typeface="Arial"/>
+                <a:latin typeface="Arial" panose="020B0604020202020204"/>
+                <a:ea typeface="Arial" panose="020B0604020202020204"/>
+                <a:cs typeface="Arial" panose="020B0604020202020204"/>
+                <a:sym typeface="Arial" panose="020B0604020202020204"/>
               </a:endParaRPr>
             </a:p>
           </p:txBody>
@@ -7455,10 +7477,10 @@
                 <a:solidFill>
                   <a:schemeClr val="dk1"/>
                 </a:solidFill>
-                <a:latin typeface="Arial"/>
-                <a:ea typeface="Arial"/>
-                <a:cs typeface="Arial"/>
-                <a:sym typeface="Arial"/>
+                <a:latin typeface="Arial" panose="020B0604020202020204"/>
+                <a:ea typeface="Arial" panose="020B0604020202020204"/>
+                <a:cs typeface="Arial" panose="020B0604020202020204"/>
+                <a:sym typeface="Arial" panose="020B0604020202020204"/>
               </a:endParaRPr>
             </a:p>
           </p:txBody>
@@ -7569,10 +7591,10 @@
                 <a:solidFill>
                   <a:schemeClr val="dk1"/>
                 </a:solidFill>
-                <a:latin typeface="Arial"/>
-                <a:ea typeface="Arial"/>
-                <a:cs typeface="Arial"/>
-                <a:sym typeface="Arial"/>
+                <a:latin typeface="Arial" panose="020B0604020202020204"/>
+                <a:ea typeface="Arial" panose="020B0604020202020204"/>
+                <a:cs typeface="Arial" panose="020B0604020202020204"/>
+                <a:sym typeface="Arial" panose="020B0604020202020204"/>
               </a:endParaRPr>
             </a:p>
           </p:txBody>
@@ -7683,10 +7705,10 @@
                 <a:solidFill>
                   <a:schemeClr val="dk1"/>
                 </a:solidFill>
-                <a:latin typeface="Arial"/>
-                <a:ea typeface="Arial"/>
-                <a:cs typeface="Arial"/>
-                <a:sym typeface="Arial"/>
+                <a:latin typeface="Arial" panose="020B0604020202020204"/>
+                <a:ea typeface="Arial" panose="020B0604020202020204"/>
+                <a:cs typeface="Arial" panose="020B0604020202020204"/>
+                <a:sym typeface="Arial" panose="020B0604020202020204"/>
               </a:endParaRPr>
             </a:p>
           </p:txBody>
@@ -7797,10 +7819,10 @@
                 <a:solidFill>
                   <a:schemeClr val="dk1"/>
                 </a:solidFill>
-                <a:latin typeface="Arial"/>
-                <a:ea typeface="Arial"/>
-                <a:cs typeface="Arial"/>
-                <a:sym typeface="Arial"/>
+                <a:latin typeface="Arial" panose="020B0604020202020204"/>
+                <a:ea typeface="Arial" panose="020B0604020202020204"/>
+                <a:cs typeface="Arial" panose="020B0604020202020204"/>
+                <a:sym typeface="Arial" panose="020B0604020202020204"/>
               </a:endParaRPr>
             </a:p>
           </p:txBody>
@@ -7911,10 +7933,10 @@
                 <a:solidFill>
                   <a:schemeClr val="dk1"/>
                 </a:solidFill>
-                <a:latin typeface="Arial"/>
-                <a:ea typeface="Arial"/>
-                <a:cs typeface="Arial"/>
-                <a:sym typeface="Arial"/>
+                <a:latin typeface="Arial" panose="020B0604020202020204"/>
+                <a:ea typeface="Arial" panose="020B0604020202020204"/>
+                <a:cs typeface="Arial" panose="020B0604020202020204"/>
+                <a:sym typeface="Arial" panose="020B0604020202020204"/>
               </a:endParaRPr>
             </a:p>
           </p:txBody>
@@ -8025,10 +8047,10 @@
                 <a:solidFill>
                   <a:schemeClr val="dk1"/>
                 </a:solidFill>
-                <a:latin typeface="Arial"/>
-                <a:ea typeface="Arial"/>
-                <a:cs typeface="Arial"/>
-                <a:sym typeface="Arial"/>
+                <a:latin typeface="Arial" panose="020B0604020202020204"/>
+                <a:ea typeface="Arial" panose="020B0604020202020204"/>
+                <a:cs typeface="Arial" panose="020B0604020202020204"/>
+                <a:sym typeface="Arial" panose="020B0604020202020204"/>
               </a:endParaRPr>
             </a:p>
           </p:txBody>
@@ -8139,10 +8161,10 @@
                 <a:solidFill>
                   <a:schemeClr val="dk1"/>
                 </a:solidFill>
-                <a:latin typeface="Arial"/>
-                <a:ea typeface="Arial"/>
-                <a:cs typeface="Arial"/>
-                <a:sym typeface="Arial"/>
+                <a:latin typeface="Arial" panose="020B0604020202020204"/>
+                <a:ea typeface="Arial" panose="020B0604020202020204"/>
+                <a:cs typeface="Arial" panose="020B0604020202020204"/>
+                <a:sym typeface="Arial" panose="020B0604020202020204"/>
               </a:endParaRPr>
             </a:p>
           </p:txBody>
@@ -8253,10 +8275,10 @@
                 <a:solidFill>
                   <a:schemeClr val="dk1"/>
                 </a:solidFill>
-                <a:latin typeface="Arial"/>
-                <a:ea typeface="Arial"/>
-                <a:cs typeface="Arial"/>
-                <a:sym typeface="Arial"/>
+                <a:latin typeface="Arial" panose="020B0604020202020204"/>
+                <a:ea typeface="Arial" panose="020B0604020202020204"/>
+                <a:cs typeface="Arial" panose="020B0604020202020204"/>
+                <a:sym typeface="Arial" panose="020B0604020202020204"/>
               </a:endParaRPr>
             </a:p>
           </p:txBody>
@@ -8294,11 +8316,11 @@
           <p:nvPr/>
         </p:nvPicPr>
         <p:blipFill rotWithShape="1">
-          <a:blip r:embed="rId2">
-            <a:alphaModFix/>
-          </a:blip>
+          <a:blip r:embed="rId2"/>
           <a:srcRect t="33085" b="1379"/>
-          <a:stretch/>
+          <a:stretch>
+            <a:fillRect/>
+          </a:stretch>
         </p:blipFill>
         <p:spPr>
           <a:xfrm rot="10800000" flipH="1">
@@ -8513,10 +8535,10 @@
                 <a:solidFill>
                   <a:schemeClr val="dk1"/>
                 </a:solidFill>
-                <a:latin typeface="Arial"/>
-                <a:ea typeface="Arial"/>
-                <a:cs typeface="Arial"/>
-                <a:sym typeface="Arial"/>
+                <a:latin typeface="Arial" panose="020B0604020202020204"/>
+                <a:ea typeface="Arial" panose="020B0604020202020204"/>
+                <a:cs typeface="Arial" panose="020B0604020202020204"/>
+                <a:sym typeface="Arial" panose="020B0604020202020204"/>
               </a:endParaRPr>
             </a:p>
           </p:txBody>
@@ -8672,10 +8694,10 @@
                 <a:solidFill>
                   <a:schemeClr val="dk1"/>
                 </a:solidFill>
-                <a:latin typeface="Arial"/>
-                <a:ea typeface="Arial"/>
-                <a:cs typeface="Arial"/>
-                <a:sym typeface="Arial"/>
+                <a:latin typeface="Arial" panose="020B0604020202020204"/>
+                <a:ea typeface="Arial" panose="020B0604020202020204"/>
+                <a:cs typeface="Arial" panose="020B0604020202020204"/>
+                <a:sym typeface="Arial" panose="020B0604020202020204"/>
               </a:endParaRPr>
             </a:p>
           </p:txBody>
@@ -8804,10 +8826,10 @@
                 <a:solidFill>
                   <a:schemeClr val="dk1"/>
                 </a:solidFill>
-                <a:latin typeface="Arial"/>
-                <a:ea typeface="Arial"/>
-                <a:cs typeface="Arial"/>
-                <a:sym typeface="Arial"/>
+                <a:latin typeface="Arial" panose="020B0604020202020204"/>
+                <a:ea typeface="Arial" panose="020B0604020202020204"/>
+                <a:cs typeface="Arial" panose="020B0604020202020204"/>
+                <a:sym typeface="Arial" panose="020B0604020202020204"/>
               </a:endParaRPr>
             </a:p>
           </p:txBody>
@@ -8904,10 +8926,10 @@
                 <a:solidFill>
                   <a:schemeClr val="dk1"/>
                 </a:solidFill>
-                <a:latin typeface="Arial"/>
-                <a:ea typeface="Arial"/>
-                <a:cs typeface="Arial"/>
-                <a:sym typeface="Arial"/>
+                <a:latin typeface="Arial" panose="020B0604020202020204"/>
+                <a:ea typeface="Arial" panose="020B0604020202020204"/>
+                <a:cs typeface="Arial" panose="020B0604020202020204"/>
+                <a:sym typeface="Arial" panose="020B0604020202020204"/>
               </a:endParaRPr>
             </a:p>
           </p:txBody>
@@ -9030,10 +9052,10 @@
                 <a:solidFill>
                   <a:schemeClr val="dk1"/>
                 </a:solidFill>
-                <a:latin typeface="Arial"/>
-                <a:ea typeface="Arial"/>
-                <a:cs typeface="Arial"/>
-                <a:sym typeface="Arial"/>
+                <a:latin typeface="Arial" panose="020B0604020202020204"/>
+                <a:ea typeface="Arial" panose="020B0604020202020204"/>
+                <a:cs typeface="Arial" panose="020B0604020202020204"/>
+                <a:sym typeface="Arial" panose="020B0604020202020204"/>
               </a:endParaRPr>
             </a:p>
           </p:txBody>
@@ -9270,10 +9292,10 @@
                 <a:solidFill>
                   <a:schemeClr val="dk1"/>
                 </a:solidFill>
-                <a:latin typeface="Arial"/>
-                <a:ea typeface="Arial"/>
-                <a:cs typeface="Arial"/>
-                <a:sym typeface="Arial"/>
+                <a:latin typeface="Arial" panose="020B0604020202020204"/>
+                <a:ea typeface="Arial" panose="020B0604020202020204"/>
+                <a:cs typeface="Arial" panose="020B0604020202020204"/>
+                <a:sym typeface="Arial" panose="020B0604020202020204"/>
               </a:endParaRPr>
             </a:p>
           </p:txBody>
@@ -9463,10 +9485,10 @@
                 <a:solidFill>
                   <a:schemeClr val="dk1"/>
                 </a:solidFill>
-                <a:latin typeface="Arial"/>
-                <a:ea typeface="Arial"/>
-                <a:cs typeface="Arial"/>
-                <a:sym typeface="Arial"/>
+                <a:latin typeface="Arial" panose="020B0604020202020204"/>
+                <a:ea typeface="Arial" panose="020B0604020202020204"/>
+                <a:cs typeface="Arial" panose="020B0604020202020204"/>
+                <a:sym typeface="Arial" panose="020B0604020202020204"/>
               </a:endParaRPr>
             </a:p>
           </p:txBody>
@@ -9622,10 +9644,10 @@
                 <a:solidFill>
                   <a:schemeClr val="dk1"/>
                 </a:solidFill>
-                <a:latin typeface="Arial"/>
-                <a:ea typeface="Arial"/>
-                <a:cs typeface="Arial"/>
-                <a:sym typeface="Arial"/>
+                <a:latin typeface="Arial" panose="020B0604020202020204"/>
+                <a:ea typeface="Arial" panose="020B0604020202020204"/>
+                <a:cs typeface="Arial" panose="020B0604020202020204"/>
+                <a:sym typeface="Arial" panose="020B0604020202020204"/>
               </a:endParaRPr>
             </a:p>
           </p:txBody>
@@ -9736,10 +9758,10 @@
                 <a:solidFill>
                   <a:schemeClr val="dk1"/>
                 </a:solidFill>
-                <a:latin typeface="Arial"/>
-                <a:ea typeface="Arial"/>
-                <a:cs typeface="Arial"/>
-                <a:sym typeface="Arial"/>
+                <a:latin typeface="Arial" panose="020B0604020202020204"/>
+                <a:ea typeface="Arial" panose="020B0604020202020204"/>
+                <a:cs typeface="Arial" panose="020B0604020202020204"/>
+                <a:sym typeface="Arial" panose="020B0604020202020204"/>
               </a:endParaRPr>
             </a:p>
           </p:txBody>
@@ -9850,10 +9872,10 @@
                 <a:solidFill>
                   <a:schemeClr val="dk1"/>
                 </a:solidFill>
-                <a:latin typeface="Arial"/>
-                <a:ea typeface="Arial"/>
-                <a:cs typeface="Arial"/>
-                <a:sym typeface="Arial"/>
+                <a:latin typeface="Arial" panose="020B0604020202020204"/>
+                <a:ea typeface="Arial" panose="020B0604020202020204"/>
+                <a:cs typeface="Arial" panose="020B0604020202020204"/>
+                <a:sym typeface="Arial" panose="020B0604020202020204"/>
               </a:endParaRPr>
             </a:p>
           </p:txBody>
@@ -9964,10 +9986,10 @@
                 <a:solidFill>
                   <a:schemeClr val="dk1"/>
                 </a:solidFill>
-                <a:latin typeface="Arial"/>
-                <a:ea typeface="Arial"/>
-                <a:cs typeface="Arial"/>
-                <a:sym typeface="Arial"/>
+                <a:latin typeface="Arial" panose="020B0604020202020204"/>
+                <a:ea typeface="Arial" panose="020B0604020202020204"/>
+                <a:cs typeface="Arial" panose="020B0604020202020204"/>
+                <a:sym typeface="Arial" panose="020B0604020202020204"/>
               </a:endParaRPr>
             </a:p>
           </p:txBody>
@@ -10078,10 +10100,10 @@
                 <a:solidFill>
                   <a:schemeClr val="dk1"/>
                 </a:solidFill>
-                <a:latin typeface="Arial"/>
-                <a:ea typeface="Arial"/>
-                <a:cs typeface="Arial"/>
-                <a:sym typeface="Arial"/>
+                <a:latin typeface="Arial" panose="020B0604020202020204"/>
+                <a:ea typeface="Arial" panose="020B0604020202020204"/>
+                <a:cs typeface="Arial" panose="020B0604020202020204"/>
+                <a:sym typeface="Arial" panose="020B0604020202020204"/>
               </a:endParaRPr>
             </a:p>
           </p:txBody>
@@ -10192,10 +10214,10 @@
                 <a:solidFill>
                   <a:schemeClr val="dk1"/>
                 </a:solidFill>
-                <a:latin typeface="Arial"/>
-                <a:ea typeface="Arial"/>
-                <a:cs typeface="Arial"/>
-                <a:sym typeface="Arial"/>
+                <a:latin typeface="Arial" panose="020B0604020202020204"/>
+                <a:ea typeface="Arial" panose="020B0604020202020204"/>
+                <a:cs typeface="Arial" panose="020B0604020202020204"/>
+                <a:sym typeface="Arial" panose="020B0604020202020204"/>
               </a:endParaRPr>
             </a:p>
           </p:txBody>
@@ -10306,10 +10328,10 @@
                 <a:solidFill>
                   <a:schemeClr val="dk1"/>
                 </a:solidFill>
-                <a:latin typeface="Arial"/>
-                <a:ea typeface="Arial"/>
-                <a:cs typeface="Arial"/>
-                <a:sym typeface="Arial"/>
+                <a:latin typeface="Arial" panose="020B0604020202020204"/>
+                <a:ea typeface="Arial" panose="020B0604020202020204"/>
+                <a:cs typeface="Arial" panose="020B0604020202020204"/>
+                <a:sym typeface="Arial" panose="020B0604020202020204"/>
               </a:endParaRPr>
             </a:p>
           </p:txBody>
@@ -10420,10 +10442,10 @@
                 <a:solidFill>
                   <a:schemeClr val="dk1"/>
                 </a:solidFill>
-                <a:latin typeface="Arial"/>
-                <a:ea typeface="Arial"/>
-                <a:cs typeface="Arial"/>
-                <a:sym typeface="Arial"/>
+                <a:latin typeface="Arial" panose="020B0604020202020204"/>
+                <a:ea typeface="Arial" panose="020B0604020202020204"/>
+                <a:cs typeface="Arial" panose="020B0604020202020204"/>
+                <a:sym typeface="Arial" panose="020B0604020202020204"/>
               </a:endParaRPr>
             </a:p>
           </p:txBody>
@@ -10534,10 +10556,10 @@
                 <a:solidFill>
                   <a:schemeClr val="dk1"/>
                 </a:solidFill>
-                <a:latin typeface="Arial"/>
-                <a:ea typeface="Arial"/>
-                <a:cs typeface="Arial"/>
-                <a:sym typeface="Arial"/>
+                <a:latin typeface="Arial" panose="020B0604020202020204"/>
+                <a:ea typeface="Arial" panose="020B0604020202020204"/>
+                <a:cs typeface="Arial" panose="020B0604020202020204"/>
+                <a:sym typeface="Arial" panose="020B0604020202020204"/>
               </a:endParaRPr>
             </a:p>
           </p:txBody>
@@ -10648,10 +10670,10 @@
                 <a:solidFill>
                   <a:schemeClr val="dk1"/>
                 </a:solidFill>
-                <a:latin typeface="Arial"/>
-                <a:ea typeface="Arial"/>
-                <a:cs typeface="Arial"/>
-                <a:sym typeface="Arial"/>
+                <a:latin typeface="Arial" panose="020B0604020202020204"/>
+                <a:ea typeface="Arial" panose="020B0604020202020204"/>
+                <a:cs typeface="Arial" panose="020B0604020202020204"/>
+                <a:sym typeface="Arial" panose="020B0604020202020204"/>
               </a:endParaRPr>
             </a:p>
           </p:txBody>
@@ -10762,10 +10784,10 @@
                 <a:solidFill>
                   <a:schemeClr val="dk1"/>
                 </a:solidFill>
-                <a:latin typeface="Arial"/>
-                <a:ea typeface="Arial"/>
-                <a:cs typeface="Arial"/>
-                <a:sym typeface="Arial"/>
+                <a:latin typeface="Arial" panose="020B0604020202020204"/>
+                <a:ea typeface="Arial" panose="020B0604020202020204"/>
+                <a:cs typeface="Arial" panose="020B0604020202020204"/>
+                <a:sym typeface="Arial" panose="020B0604020202020204"/>
               </a:endParaRPr>
             </a:p>
           </p:txBody>
@@ -10811,16 +10833,16 @@
                 <a:schemeClr val="lt1"/>
               </a:buClr>
               <a:buSzPts val="4400"/>
-              <a:buFont typeface="Arial"/>
+              <a:buFont typeface="Arial" panose="020B0604020202020204"/>
               <a:buNone/>
               <a:defRPr sz="4400">
                 <a:solidFill>
                   <a:schemeClr val="lt1"/>
                 </a:solidFill>
-                <a:latin typeface="Arial"/>
-                <a:ea typeface="Arial"/>
-                <a:cs typeface="Arial"/>
-                <a:sym typeface="Arial"/>
+                <a:latin typeface="Arial" panose="020B0604020202020204"/>
+                <a:ea typeface="Arial" panose="020B0604020202020204"/>
+                <a:cs typeface="Arial" panose="020B0604020202020204"/>
+                <a:sym typeface="Arial" panose="020B0604020202020204"/>
               </a:defRPr>
             </a:lvl1pPr>
             <a:lvl2pPr lvl="1">
@@ -10912,9 +10934,7 @@
               <a:defRPr/>
             </a:lvl9pPr>
           </a:lstStyle>
-          <a:p>
-            <a:endParaRPr/>
-          </a:p>
+          <a:p/>
         </p:txBody>
       </p:sp>
       <p:sp>
@@ -10956,10 +10976,10 @@
                 <a:solidFill>
                   <a:schemeClr val="dk2"/>
                 </a:solidFill>
-                <a:latin typeface="Arial"/>
-                <a:ea typeface="Arial"/>
-                <a:cs typeface="Arial"/>
-                <a:sym typeface="Arial"/>
+                <a:latin typeface="Arial" panose="020B0604020202020204"/>
+                <a:ea typeface="Arial" panose="020B0604020202020204"/>
+                <a:cs typeface="Arial" panose="020B0604020202020204"/>
+                <a:sym typeface="Arial" panose="020B0604020202020204"/>
               </a:defRPr>
             </a:lvl1pPr>
             <a:lvl2pPr lvl="1" algn="ctr">
@@ -11095,9 +11115,7 @@
               </a:defRPr>
             </a:lvl9pPr>
           </a:lstStyle>
-          <a:p>
-            <a:endParaRPr/>
-          </a:p>
+          <a:p/>
         </p:txBody>
       </p:sp>
     </p:spTree>
@@ -11165,10 +11183,10 @@
               <a:solidFill>
                 <a:schemeClr val="lt1"/>
               </a:solidFill>
-              <a:latin typeface="Arial"/>
-              <a:ea typeface="Arial"/>
-              <a:cs typeface="Arial"/>
-              <a:sym typeface="Arial"/>
+              <a:latin typeface="Arial" panose="020B0604020202020204"/>
+              <a:ea typeface="Arial" panose="020B0604020202020204"/>
+              <a:cs typeface="Arial" panose="020B0604020202020204"/>
+              <a:sym typeface="Arial" panose="020B0604020202020204"/>
             </a:endParaRPr>
           </a:p>
         </p:txBody>
@@ -11180,11 +11198,11 @@
           <p:nvPr/>
         </p:nvPicPr>
         <p:blipFill rotWithShape="1">
-          <a:blip r:embed="rId2">
-            <a:alphaModFix/>
-          </a:blip>
+          <a:blip r:embed="rId2"/>
           <a:srcRect t="67499" b="6701"/>
-          <a:stretch/>
+          <a:stretch>
+            <a:fillRect/>
+          </a:stretch>
         </p:blipFill>
         <p:spPr>
           <a:xfrm rot="10800000" flipH="1">
@@ -11207,11 +11225,11 @@
           <p:nvPr/>
         </p:nvPicPr>
         <p:blipFill rotWithShape="1">
-          <a:blip r:embed="rId3">
-            <a:alphaModFix/>
-          </a:blip>
+          <a:blip r:embed="rId3"/>
           <a:srcRect t="24620" b="16130"/>
-          <a:stretch/>
+          <a:stretch>
+            <a:fillRect/>
+          </a:stretch>
         </p:blipFill>
         <p:spPr>
           <a:xfrm flipH="1">
@@ -11267,10 +11285,10 @@
               <a:solidFill>
                 <a:schemeClr val="lt1"/>
               </a:solidFill>
-              <a:latin typeface="Arial"/>
-              <a:ea typeface="Arial"/>
-              <a:cs typeface="Arial"/>
-              <a:sym typeface="Arial"/>
+              <a:latin typeface="Arial" panose="020B0604020202020204"/>
+              <a:ea typeface="Arial" panose="020B0604020202020204"/>
+              <a:cs typeface="Arial" panose="020B0604020202020204"/>
+              <a:sym typeface="Arial" panose="020B0604020202020204"/>
             </a:endParaRPr>
           </a:p>
         </p:txBody>
@@ -11474,10 +11492,10 @@
                 <a:solidFill>
                   <a:schemeClr val="dk1"/>
                 </a:solidFill>
-                <a:latin typeface="Arial"/>
-                <a:ea typeface="Arial"/>
-                <a:cs typeface="Arial"/>
-                <a:sym typeface="Arial"/>
+                <a:latin typeface="Arial" panose="020B0604020202020204"/>
+                <a:ea typeface="Arial" panose="020B0604020202020204"/>
+                <a:cs typeface="Arial" panose="020B0604020202020204"/>
+                <a:sym typeface="Arial" panose="020B0604020202020204"/>
               </a:endParaRPr>
             </a:p>
           </p:txBody>
@@ -11633,10 +11651,10 @@
                 <a:solidFill>
                   <a:schemeClr val="dk1"/>
                 </a:solidFill>
-                <a:latin typeface="Arial"/>
-                <a:ea typeface="Arial"/>
-                <a:cs typeface="Arial"/>
-                <a:sym typeface="Arial"/>
+                <a:latin typeface="Arial" panose="020B0604020202020204"/>
+                <a:ea typeface="Arial" panose="020B0604020202020204"/>
+                <a:cs typeface="Arial" panose="020B0604020202020204"/>
+                <a:sym typeface="Arial" panose="020B0604020202020204"/>
               </a:endParaRPr>
             </a:p>
           </p:txBody>
@@ -11765,10 +11783,10 @@
                 <a:solidFill>
                   <a:schemeClr val="dk1"/>
                 </a:solidFill>
-                <a:latin typeface="Arial"/>
-                <a:ea typeface="Arial"/>
-                <a:cs typeface="Arial"/>
-                <a:sym typeface="Arial"/>
+                <a:latin typeface="Arial" panose="020B0604020202020204"/>
+                <a:ea typeface="Arial" panose="020B0604020202020204"/>
+                <a:cs typeface="Arial" panose="020B0604020202020204"/>
+                <a:sym typeface="Arial" panose="020B0604020202020204"/>
               </a:endParaRPr>
             </a:p>
           </p:txBody>
@@ -11865,10 +11883,10 @@
                 <a:solidFill>
                   <a:schemeClr val="dk1"/>
                 </a:solidFill>
-                <a:latin typeface="Arial"/>
-                <a:ea typeface="Arial"/>
-                <a:cs typeface="Arial"/>
-                <a:sym typeface="Arial"/>
+                <a:latin typeface="Arial" panose="020B0604020202020204"/>
+                <a:ea typeface="Arial" panose="020B0604020202020204"/>
+                <a:cs typeface="Arial" panose="020B0604020202020204"/>
+                <a:sym typeface="Arial" panose="020B0604020202020204"/>
               </a:endParaRPr>
             </a:p>
           </p:txBody>
@@ -11991,10 +12009,10 @@
                 <a:solidFill>
                   <a:schemeClr val="dk1"/>
                 </a:solidFill>
-                <a:latin typeface="Arial"/>
-                <a:ea typeface="Arial"/>
-                <a:cs typeface="Arial"/>
-                <a:sym typeface="Arial"/>
+                <a:latin typeface="Arial" panose="020B0604020202020204"/>
+                <a:ea typeface="Arial" panose="020B0604020202020204"/>
+                <a:cs typeface="Arial" panose="020B0604020202020204"/>
+                <a:sym typeface="Arial" panose="020B0604020202020204"/>
               </a:endParaRPr>
             </a:p>
           </p:txBody>
@@ -12231,10 +12249,10 @@
                 <a:solidFill>
                   <a:schemeClr val="dk1"/>
                 </a:solidFill>
-                <a:latin typeface="Arial"/>
-                <a:ea typeface="Arial"/>
-                <a:cs typeface="Arial"/>
-                <a:sym typeface="Arial"/>
+                <a:latin typeface="Arial" panose="020B0604020202020204"/>
+                <a:ea typeface="Arial" panose="020B0604020202020204"/>
+                <a:cs typeface="Arial" panose="020B0604020202020204"/>
+                <a:sym typeface="Arial" panose="020B0604020202020204"/>
               </a:endParaRPr>
             </a:p>
           </p:txBody>
@@ -12424,10 +12442,10 @@
                 <a:solidFill>
                   <a:schemeClr val="dk1"/>
                 </a:solidFill>
-                <a:latin typeface="Arial"/>
-                <a:ea typeface="Arial"/>
-                <a:cs typeface="Arial"/>
-                <a:sym typeface="Arial"/>
+                <a:latin typeface="Arial" panose="020B0604020202020204"/>
+                <a:ea typeface="Arial" panose="020B0604020202020204"/>
+                <a:cs typeface="Arial" panose="020B0604020202020204"/>
+                <a:sym typeface="Arial" panose="020B0604020202020204"/>
               </a:endParaRPr>
             </a:p>
           </p:txBody>
@@ -12583,10 +12601,10 @@
                 <a:solidFill>
                   <a:schemeClr val="dk1"/>
                 </a:solidFill>
-                <a:latin typeface="Arial"/>
-                <a:ea typeface="Arial"/>
-                <a:cs typeface="Arial"/>
-                <a:sym typeface="Arial"/>
+                <a:latin typeface="Arial" panose="020B0604020202020204"/>
+                <a:ea typeface="Arial" panose="020B0604020202020204"/>
+                <a:cs typeface="Arial" panose="020B0604020202020204"/>
+                <a:sym typeface="Arial" panose="020B0604020202020204"/>
               </a:endParaRPr>
             </a:p>
           </p:txBody>
@@ -12697,10 +12715,10 @@
                 <a:solidFill>
                   <a:schemeClr val="dk1"/>
                 </a:solidFill>
-                <a:latin typeface="Arial"/>
-                <a:ea typeface="Arial"/>
-                <a:cs typeface="Arial"/>
-                <a:sym typeface="Arial"/>
+                <a:latin typeface="Arial" panose="020B0604020202020204"/>
+                <a:ea typeface="Arial" panose="020B0604020202020204"/>
+                <a:cs typeface="Arial" panose="020B0604020202020204"/>
+                <a:sym typeface="Arial" panose="020B0604020202020204"/>
               </a:endParaRPr>
             </a:p>
           </p:txBody>
@@ -12811,10 +12829,10 @@
                 <a:solidFill>
                   <a:schemeClr val="dk1"/>
                 </a:solidFill>
-                <a:latin typeface="Arial"/>
-                <a:ea typeface="Arial"/>
-                <a:cs typeface="Arial"/>
-                <a:sym typeface="Arial"/>
+                <a:latin typeface="Arial" panose="020B0604020202020204"/>
+                <a:ea typeface="Arial" panose="020B0604020202020204"/>
+                <a:cs typeface="Arial" panose="020B0604020202020204"/>
+                <a:sym typeface="Arial" panose="020B0604020202020204"/>
               </a:endParaRPr>
             </a:p>
           </p:txBody>
@@ -12925,10 +12943,10 @@
                 <a:solidFill>
                   <a:schemeClr val="dk1"/>
                 </a:solidFill>
-                <a:latin typeface="Arial"/>
-                <a:ea typeface="Arial"/>
-                <a:cs typeface="Arial"/>
-                <a:sym typeface="Arial"/>
+                <a:latin typeface="Arial" panose="020B0604020202020204"/>
+                <a:ea typeface="Arial" panose="020B0604020202020204"/>
+                <a:cs typeface="Arial" panose="020B0604020202020204"/>
+                <a:sym typeface="Arial" panose="020B0604020202020204"/>
               </a:endParaRPr>
             </a:p>
           </p:txBody>
@@ -13039,10 +13057,10 @@
                 <a:solidFill>
                   <a:schemeClr val="dk1"/>
                 </a:solidFill>
-                <a:latin typeface="Arial"/>
-                <a:ea typeface="Arial"/>
-                <a:cs typeface="Arial"/>
-                <a:sym typeface="Arial"/>
+                <a:latin typeface="Arial" panose="020B0604020202020204"/>
+                <a:ea typeface="Arial" panose="020B0604020202020204"/>
+                <a:cs typeface="Arial" panose="020B0604020202020204"/>
+                <a:sym typeface="Arial" panose="020B0604020202020204"/>
               </a:endParaRPr>
             </a:p>
           </p:txBody>
@@ -13153,10 +13171,10 @@
                 <a:solidFill>
                   <a:schemeClr val="dk1"/>
                 </a:solidFill>
-                <a:latin typeface="Arial"/>
-                <a:ea typeface="Arial"/>
-                <a:cs typeface="Arial"/>
-                <a:sym typeface="Arial"/>
+                <a:latin typeface="Arial" panose="020B0604020202020204"/>
+                <a:ea typeface="Arial" panose="020B0604020202020204"/>
+                <a:cs typeface="Arial" panose="020B0604020202020204"/>
+                <a:sym typeface="Arial" panose="020B0604020202020204"/>
               </a:endParaRPr>
             </a:p>
           </p:txBody>
@@ -13267,10 +13285,10 @@
                 <a:solidFill>
                   <a:schemeClr val="dk1"/>
                 </a:solidFill>
-                <a:latin typeface="Arial"/>
-                <a:ea typeface="Arial"/>
-                <a:cs typeface="Arial"/>
-                <a:sym typeface="Arial"/>
+                <a:latin typeface="Arial" panose="020B0604020202020204"/>
+                <a:ea typeface="Arial" panose="020B0604020202020204"/>
+                <a:cs typeface="Arial" panose="020B0604020202020204"/>
+                <a:sym typeface="Arial" panose="020B0604020202020204"/>
               </a:endParaRPr>
             </a:p>
           </p:txBody>
@@ -13381,10 +13399,10 @@
                 <a:solidFill>
                   <a:schemeClr val="dk1"/>
                 </a:solidFill>
-                <a:latin typeface="Arial"/>
-                <a:ea typeface="Arial"/>
-                <a:cs typeface="Arial"/>
-                <a:sym typeface="Arial"/>
+                <a:latin typeface="Arial" panose="020B0604020202020204"/>
+                <a:ea typeface="Arial" panose="020B0604020202020204"/>
+                <a:cs typeface="Arial" panose="020B0604020202020204"/>
+                <a:sym typeface="Arial" panose="020B0604020202020204"/>
               </a:endParaRPr>
             </a:p>
           </p:txBody>
@@ -13495,10 +13513,10 @@
                 <a:solidFill>
                   <a:schemeClr val="dk1"/>
                 </a:solidFill>
-                <a:latin typeface="Arial"/>
-                <a:ea typeface="Arial"/>
-                <a:cs typeface="Arial"/>
-                <a:sym typeface="Arial"/>
+                <a:latin typeface="Arial" panose="020B0604020202020204"/>
+                <a:ea typeface="Arial" panose="020B0604020202020204"/>
+                <a:cs typeface="Arial" panose="020B0604020202020204"/>
+                <a:sym typeface="Arial" panose="020B0604020202020204"/>
               </a:endParaRPr>
             </a:p>
           </p:txBody>
@@ -13609,10 +13627,10 @@
                 <a:solidFill>
                   <a:schemeClr val="dk1"/>
                 </a:solidFill>
-                <a:latin typeface="Arial"/>
-                <a:ea typeface="Arial"/>
-                <a:cs typeface="Arial"/>
-                <a:sym typeface="Arial"/>
+                <a:latin typeface="Arial" panose="020B0604020202020204"/>
+                <a:ea typeface="Arial" panose="020B0604020202020204"/>
+                <a:cs typeface="Arial" panose="020B0604020202020204"/>
+                <a:sym typeface="Arial" panose="020B0604020202020204"/>
               </a:endParaRPr>
             </a:p>
           </p:txBody>
@@ -13723,10 +13741,10 @@
                 <a:solidFill>
                   <a:schemeClr val="dk1"/>
                 </a:solidFill>
-                <a:latin typeface="Arial"/>
-                <a:ea typeface="Arial"/>
-                <a:cs typeface="Arial"/>
-                <a:sym typeface="Arial"/>
+                <a:latin typeface="Arial" panose="020B0604020202020204"/>
+                <a:ea typeface="Arial" panose="020B0604020202020204"/>
+                <a:cs typeface="Arial" panose="020B0604020202020204"/>
+                <a:sym typeface="Arial" panose="020B0604020202020204"/>
               </a:endParaRPr>
             </a:p>
           </p:txBody>
@@ -13874,9 +13892,7 @@
               <a:defRPr/>
             </a:lvl9pPr>
           </a:lstStyle>
-          <a:p>
-            <a:endParaRPr/>
-          </a:p>
+          <a:p/>
         </p:txBody>
       </p:sp>
     </p:spTree>
@@ -14062,11 +14078,11 @@
           <p:nvPr/>
         </p:nvPicPr>
         <p:blipFill rotWithShape="1">
-          <a:blip r:embed="rId2">
-            <a:alphaModFix/>
-          </a:blip>
+          <a:blip r:embed="rId2"/>
           <a:srcRect l="6614" t="2065" r="80083" b="1471"/>
-          <a:stretch/>
+          <a:stretch>
+            <a:fillRect/>
+          </a:stretch>
         </p:blipFill>
         <p:spPr>
           <a:xfrm rot="5400000">
@@ -14089,11 +14105,11 @@
           <p:nvPr/>
         </p:nvPicPr>
         <p:blipFill rotWithShape="1">
-          <a:blip r:embed="rId3">
-            <a:alphaModFix/>
-          </a:blip>
+          <a:blip r:embed="rId3"/>
           <a:srcRect t="20282" b="20282"/>
-          <a:stretch/>
+          <a:stretch>
+            <a:fillRect/>
+          </a:stretch>
         </p:blipFill>
         <p:spPr>
           <a:xfrm>
@@ -14149,10 +14165,10 @@
               <a:solidFill>
                 <a:schemeClr val="lt1"/>
               </a:solidFill>
-              <a:latin typeface="Arial"/>
-              <a:ea typeface="Arial"/>
-              <a:cs typeface="Arial"/>
-              <a:sym typeface="Arial"/>
+              <a:latin typeface="Arial" panose="020B0604020202020204"/>
+              <a:ea typeface="Arial" panose="020B0604020202020204"/>
+              <a:cs typeface="Arial" panose="020B0604020202020204"/>
+              <a:sym typeface="Arial" panose="020B0604020202020204"/>
             </a:endParaRPr>
           </a:p>
         </p:txBody>
@@ -14356,10 +14372,10 @@
                 <a:solidFill>
                   <a:schemeClr val="dk1"/>
                 </a:solidFill>
-                <a:latin typeface="Arial"/>
-                <a:ea typeface="Arial"/>
-                <a:cs typeface="Arial"/>
-                <a:sym typeface="Arial"/>
+                <a:latin typeface="Arial" panose="020B0604020202020204"/>
+                <a:ea typeface="Arial" panose="020B0604020202020204"/>
+                <a:cs typeface="Arial" panose="020B0604020202020204"/>
+                <a:sym typeface="Arial" panose="020B0604020202020204"/>
               </a:endParaRPr>
             </a:p>
           </p:txBody>
@@ -14515,10 +14531,10 @@
                 <a:solidFill>
                   <a:schemeClr val="dk1"/>
                 </a:solidFill>
-                <a:latin typeface="Arial"/>
-                <a:ea typeface="Arial"/>
-                <a:cs typeface="Arial"/>
-                <a:sym typeface="Arial"/>
+                <a:latin typeface="Arial" panose="020B0604020202020204"/>
+                <a:ea typeface="Arial" panose="020B0604020202020204"/>
+                <a:cs typeface="Arial" panose="020B0604020202020204"/>
+                <a:sym typeface="Arial" panose="020B0604020202020204"/>
               </a:endParaRPr>
             </a:p>
           </p:txBody>
@@ -14647,10 +14663,10 @@
                 <a:solidFill>
                   <a:schemeClr val="dk1"/>
                 </a:solidFill>
-                <a:latin typeface="Arial"/>
-                <a:ea typeface="Arial"/>
-                <a:cs typeface="Arial"/>
-                <a:sym typeface="Arial"/>
+                <a:latin typeface="Arial" panose="020B0604020202020204"/>
+                <a:ea typeface="Arial" panose="020B0604020202020204"/>
+                <a:cs typeface="Arial" panose="020B0604020202020204"/>
+                <a:sym typeface="Arial" panose="020B0604020202020204"/>
               </a:endParaRPr>
             </a:p>
           </p:txBody>
@@ -14747,10 +14763,10 @@
                 <a:solidFill>
                   <a:schemeClr val="dk1"/>
                 </a:solidFill>
-                <a:latin typeface="Arial"/>
-                <a:ea typeface="Arial"/>
-                <a:cs typeface="Arial"/>
-                <a:sym typeface="Arial"/>
+                <a:latin typeface="Arial" panose="020B0604020202020204"/>
+                <a:ea typeface="Arial" panose="020B0604020202020204"/>
+                <a:cs typeface="Arial" panose="020B0604020202020204"/>
+                <a:sym typeface="Arial" panose="020B0604020202020204"/>
               </a:endParaRPr>
             </a:p>
           </p:txBody>
@@ -14873,10 +14889,10 @@
                 <a:solidFill>
                   <a:schemeClr val="dk1"/>
                 </a:solidFill>
-                <a:latin typeface="Arial"/>
-                <a:ea typeface="Arial"/>
-                <a:cs typeface="Arial"/>
-                <a:sym typeface="Arial"/>
+                <a:latin typeface="Arial" panose="020B0604020202020204"/>
+                <a:ea typeface="Arial" panose="020B0604020202020204"/>
+                <a:cs typeface="Arial" panose="020B0604020202020204"/>
+                <a:sym typeface="Arial" panose="020B0604020202020204"/>
               </a:endParaRPr>
             </a:p>
           </p:txBody>
@@ -15113,10 +15129,10 @@
                 <a:solidFill>
                   <a:schemeClr val="dk1"/>
                 </a:solidFill>
-                <a:latin typeface="Arial"/>
-                <a:ea typeface="Arial"/>
-                <a:cs typeface="Arial"/>
-                <a:sym typeface="Arial"/>
+                <a:latin typeface="Arial" panose="020B0604020202020204"/>
+                <a:ea typeface="Arial" panose="020B0604020202020204"/>
+                <a:cs typeface="Arial" panose="020B0604020202020204"/>
+                <a:sym typeface="Arial" panose="020B0604020202020204"/>
               </a:endParaRPr>
             </a:p>
           </p:txBody>
@@ -15306,10 +15322,10 @@
                 <a:solidFill>
                   <a:schemeClr val="dk1"/>
                 </a:solidFill>
-                <a:latin typeface="Arial"/>
-                <a:ea typeface="Arial"/>
-                <a:cs typeface="Arial"/>
-                <a:sym typeface="Arial"/>
+                <a:latin typeface="Arial" panose="020B0604020202020204"/>
+                <a:ea typeface="Arial" panose="020B0604020202020204"/>
+                <a:cs typeface="Arial" panose="020B0604020202020204"/>
+                <a:sym typeface="Arial" panose="020B0604020202020204"/>
               </a:endParaRPr>
             </a:p>
           </p:txBody>
@@ -15465,10 +15481,10 @@
                 <a:solidFill>
                   <a:schemeClr val="dk1"/>
                 </a:solidFill>
-                <a:latin typeface="Arial"/>
-                <a:ea typeface="Arial"/>
-                <a:cs typeface="Arial"/>
-                <a:sym typeface="Arial"/>
+                <a:latin typeface="Arial" panose="020B0604020202020204"/>
+                <a:ea typeface="Arial" panose="020B0604020202020204"/>
+                <a:cs typeface="Arial" panose="020B0604020202020204"/>
+                <a:sym typeface="Arial" panose="020B0604020202020204"/>
               </a:endParaRPr>
             </a:p>
           </p:txBody>
@@ -15579,10 +15595,10 @@
                 <a:solidFill>
                   <a:schemeClr val="dk1"/>
                 </a:solidFill>
-                <a:latin typeface="Arial"/>
-                <a:ea typeface="Arial"/>
-                <a:cs typeface="Arial"/>
-                <a:sym typeface="Arial"/>
+                <a:latin typeface="Arial" panose="020B0604020202020204"/>
+                <a:ea typeface="Arial" panose="020B0604020202020204"/>
+                <a:cs typeface="Arial" panose="020B0604020202020204"/>
+                <a:sym typeface="Arial" panose="020B0604020202020204"/>
               </a:endParaRPr>
             </a:p>
           </p:txBody>
@@ -15693,10 +15709,10 @@
                 <a:solidFill>
                   <a:schemeClr val="dk1"/>
                 </a:solidFill>
-                <a:latin typeface="Arial"/>
-                <a:ea typeface="Arial"/>
-                <a:cs typeface="Arial"/>
-                <a:sym typeface="Arial"/>
+                <a:latin typeface="Arial" panose="020B0604020202020204"/>
+                <a:ea typeface="Arial" panose="020B0604020202020204"/>
+                <a:cs typeface="Arial" panose="020B0604020202020204"/>
+                <a:sym typeface="Arial" panose="020B0604020202020204"/>
               </a:endParaRPr>
             </a:p>
           </p:txBody>
@@ -15807,10 +15823,10 @@
                 <a:solidFill>
                   <a:schemeClr val="dk1"/>
                 </a:solidFill>
-                <a:latin typeface="Arial"/>
-                <a:ea typeface="Arial"/>
-                <a:cs typeface="Arial"/>
-                <a:sym typeface="Arial"/>
+                <a:latin typeface="Arial" panose="020B0604020202020204"/>
+                <a:ea typeface="Arial" panose="020B0604020202020204"/>
+                <a:cs typeface="Arial" panose="020B0604020202020204"/>
+                <a:sym typeface="Arial" panose="020B0604020202020204"/>
               </a:endParaRPr>
             </a:p>
           </p:txBody>
@@ -15921,10 +15937,10 @@
                 <a:solidFill>
                   <a:schemeClr val="dk1"/>
                 </a:solidFill>
-                <a:latin typeface="Arial"/>
-                <a:ea typeface="Arial"/>
-                <a:cs typeface="Arial"/>
-                <a:sym typeface="Arial"/>
+                <a:latin typeface="Arial" panose="020B0604020202020204"/>
+                <a:ea typeface="Arial" panose="020B0604020202020204"/>
+                <a:cs typeface="Arial" panose="020B0604020202020204"/>
+                <a:sym typeface="Arial" panose="020B0604020202020204"/>
               </a:endParaRPr>
             </a:p>
           </p:txBody>
@@ -16035,10 +16051,10 @@
                 <a:solidFill>
                   <a:schemeClr val="dk1"/>
                 </a:solidFill>
-                <a:latin typeface="Arial"/>
-                <a:ea typeface="Arial"/>
-                <a:cs typeface="Arial"/>
-                <a:sym typeface="Arial"/>
+                <a:latin typeface="Arial" panose="020B0604020202020204"/>
+                <a:ea typeface="Arial" panose="020B0604020202020204"/>
+                <a:cs typeface="Arial" panose="020B0604020202020204"/>
+                <a:sym typeface="Arial" panose="020B0604020202020204"/>
               </a:endParaRPr>
             </a:p>
           </p:txBody>
@@ -16149,10 +16165,10 @@
                 <a:solidFill>
                   <a:schemeClr val="dk1"/>
                 </a:solidFill>
-                <a:latin typeface="Arial"/>
-                <a:ea typeface="Arial"/>
-                <a:cs typeface="Arial"/>
-                <a:sym typeface="Arial"/>
+                <a:latin typeface="Arial" panose="020B0604020202020204"/>
+                <a:ea typeface="Arial" panose="020B0604020202020204"/>
+                <a:cs typeface="Arial" panose="020B0604020202020204"/>
+                <a:sym typeface="Arial" panose="020B0604020202020204"/>
               </a:endParaRPr>
             </a:p>
           </p:txBody>
@@ -16263,10 +16279,10 @@
                 <a:solidFill>
                   <a:schemeClr val="dk1"/>
                 </a:solidFill>
-                <a:latin typeface="Arial"/>
-                <a:ea typeface="Arial"/>
-                <a:cs typeface="Arial"/>
-                <a:sym typeface="Arial"/>
+                <a:latin typeface="Arial" panose="020B0604020202020204"/>
+                <a:ea typeface="Arial" panose="020B0604020202020204"/>
+                <a:cs typeface="Arial" panose="020B0604020202020204"/>
+                <a:sym typeface="Arial" panose="020B0604020202020204"/>
               </a:endParaRPr>
             </a:p>
           </p:txBody>
@@ -16377,10 +16393,10 @@
                 <a:solidFill>
                   <a:schemeClr val="dk1"/>
                 </a:solidFill>
-                <a:latin typeface="Arial"/>
-                <a:ea typeface="Arial"/>
-                <a:cs typeface="Arial"/>
-                <a:sym typeface="Arial"/>
+                <a:latin typeface="Arial" panose="020B0604020202020204"/>
+                <a:ea typeface="Arial" panose="020B0604020202020204"/>
+                <a:cs typeface="Arial" panose="020B0604020202020204"/>
+                <a:sym typeface="Arial" panose="020B0604020202020204"/>
               </a:endParaRPr>
             </a:p>
           </p:txBody>
@@ -16491,10 +16507,10 @@
                 <a:solidFill>
                   <a:schemeClr val="dk1"/>
                 </a:solidFill>
-                <a:latin typeface="Arial"/>
-                <a:ea typeface="Arial"/>
-                <a:cs typeface="Arial"/>
-                <a:sym typeface="Arial"/>
+                <a:latin typeface="Arial" panose="020B0604020202020204"/>
+                <a:ea typeface="Arial" panose="020B0604020202020204"/>
+                <a:cs typeface="Arial" panose="020B0604020202020204"/>
+                <a:sym typeface="Arial" panose="020B0604020202020204"/>
               </a:endParaRPr>
             </a:p>
           </p:txBody>
@@ -16605,10 +16621,10 @@
                 <a:solidFill>
                   <a:schemeClr val="dk1"/>
                 </a:solidFill>
-                <a:latin typeface="Arial"/>
-                <a:ea typeface="Arial"/>
-                <a:cs typeface="Arial"/>
-                <a:sym typeface="Arial"/>
+                <a:latin typeface="Arial" panose="020B0604020202020204"/>
+                <a:ea typeface="Arial" panose="020B0604020202020204"/>
+                <a:cs typeface="Arial" panose="020B0604020202020204"/>
+                <a:sym typeface="Arial" panose="020B0604020202020204"/>
               </a:endParaRPr>
             </a:p>
           </p:txBody>
@@ -16756,9 +16772,7 @@
               <a:defRPr/>
             </a:lvl9pPr>
           </a:lstStyle>
-          <a:p>
-            <a:endParaRPr/>
-          </a:p>
+          <a:p/>
         </p:txBody>
       </p:sp>
     </p:spTree>
@@ -16944,11 +16958,11 @@
           <p:nvPr/>
         </p:nvPicPr>
         <p:blipFill rotWithShape="1">
-          <a:blip r:embed="rId2">
-            <a:alphaModFix/>
-          </a:blip>
+          <a:blip r:embed="rId2"/>
           <a:srcRect t="91557" b="648"/>
-          <a:stretch/>
+          <a:stretch>
+            <a:fillRect/>
+          </a:stretch>
         </p:blipFill>
         <p:spPr>
           <a:xfrm>
@@ -17001,10 +17015,10 @@
                 <a:solidFill>
                   <a:schemeClr val="accent2"/>
                 </a:solidFill>
-                <a:latin typeface="Arial"/>
-                <a:ea typeface="Arial"/>
-                <a:cs typeface="Arial"/>
-                <a:sym typeface="Arial"/>
+                <a:latin typeface="Arial" panose="020B0604020202020204"/>
+                <a:ea typeface="Arial" panose="020B0604020202020204"/>
+                <a:cs typeface="Arial" panose="020B0604020202020204"/>
+                <a:sym typeface="Arial" panose="020B0604020202020204"/>
               </a:defRPr>
             </a:lvl1pPr>
             <a:lvl2pPr marL="0" lvl="1" indent="0" algn="r">
@@ -17016,10 +17030,10 @@
                 <a:solidFill>
                   <a:schemeClr val="accent2"/>
                 </a:solidFill>
-                <a:latin typeface="Arial"/>
-                <a:ea typeface="Arial"/>
-                <a:cs typeface="Arial"/>
-                <a:sym typeface="Arial"/>
+                <a:latin typeface="Arial" panose="020B0604020202020204"/>
+                <a:ea typeface="Arial" panose="020B0604020202020204"/>
+                <a:cs typeface="Arial" panose="020B0604020202020204"/>
+                <a:sym typeface="Arial" panose="020B0604020202020204"/>
               </a:defRPr>
             </a:lvl2pPr>
             <a:lvl3pPr marL="0" lvl="2" indent="0" algn="r">
@@ -17031,10 +17045,10 @@
                 <a:solidFill>
                   <a:schemeClr val="accent2"/>
                 </a:solidFill>
-                <a:latin typeface="Arial"/>
-                <a:ea typeface="Arial"/>
-                <a:cs typeface="Arial"/>
-                <a:sym typeface="Arial"/>
+                <a:latin typeface="Arial" panose="020B0604020202020204"/>
+                <a:ea typeface="Arial" panose="020B0604020202020204"/>
+                <a:cs typeface="Arial" panose="020B0604020202020204"/>
+                <a:sym typeface="Arial" panose="020B0604020202020204"/>
               </a:defRPr>
             </a:lvl3pPr>
             <a:lvl4pPr marL="0" lvl="3" indent="0" algn="r">
@@ -17046,10 +17060,10 @@
                 <a:solidFill>
                   <a:schemeClr val="accent2"/>
                 </a:solidFill>
-                <a:latin typeface="Arial"/>
-                <a:ea typeface="Arial"/>
-                <a:cs typeface="Arial"/>
-                <a:sym typeface="Arial"/>
+                <a:latin typeface="Arial" panose="020B0604020202020204"/>
+                <a:ea typeface="Arial" panose="020B0604020202020204"/>
+                <a:cs typeface="Arial" panose="020B0604020202020204"/>
+                <a:sym typeface="Arial" panose="020B0604020202020204"/>
               </a:defRPr>
             </a:lvl4pPr>
             <a:lvl5pPr marL="0" lvl="4" indent="0" algn="r">
@@ -17061,10 +17075,10 @@
                 <a:solidFill>
                   <a:schemeClr val="accent2"/>
                 </a:solidFill>
-                <a:latin typeface="Arial"/>
-                <a:ea typeface="Arial"/>
-                <a:cs typeface="Arial"/>
-                <a:sym typeface="Arial"/>
+                <a:latin typeface="Arial" panose="020B0604020202020204"/>
+                <a:ea typeface="Arial" panose="020B0604020202020204"/>
+                <a:cs typeface="Arial" panose="020B0604020202020204"/>
+                <a:sym typeface="Arial" panose="020B0604020202020204"/>
               </a:defRPr>
             </a:lvl5pPr>
             <a:lvl6pPr marL="0" lvl="5" indent="0" algn="r">
@@ -17076,10 +17090,10 @@
                 <a:solidFill>
                   <a:schemeClr val="accent2"/>
                 </a:solidFill>
-                <a:latin typeface="Arial"/>
-                <a:ea typeface="Arial"/>
-                <a:cs typeface="Arial"/>
-                <a:sym typeface="Arial"/>
+                <a:latin typeface="Arial" panose="020B0604020202020204"/>
+                <a:ea typeface="Arial" panose="020B0604020202020204"/>
+                <a:cs typeface="Arial" panose="020B0604020202020204"/>
+                <a:sym typeface="Arial" panose="020B0604020202020204"/>
               </a:defRPr>
             </a:lvl6pPr>
             <a:lvl7pPr marL="0" lvl="6" indent="0" algn="r">
@@ -17091,10 +17105,10 @@
                 <a:solidFill>
                   <a:schemeClr val="accent2"/>
                 </a:solidFill>
-                <a:latin typeface="Arial"/>
-                <a:ea typeface="Arial"/>
-                <a:cs typeface="Arial"/>
-                <a:sym typeface="Arial"/>
+                <a:latin typeface="Arial" panose="020B0604020202020204"/>
+                <a:ea typeface="Arial" panose="020B0604020202020204"/>
+                <a:cs typeface="Arial" panose="020B0604020202020204"/>
+                <a:sym typeface="Arial" panose="020B0604020202020204"/>
               </a:defRPr>
             </a:lvl7pPr>
             <a:lvl8pPr marL="0" lvl="7" indent="0" algn="r">
@@ -17106,10 +17120,10 @@
                 <a:solidFill>
                   <a:schemeClr val="accent2"/>
                 </a:solidFill>
-                <a:latin typeface="Arial"/>
-                <a:ea typeface="Arial"/>
-                <a:cs typeface="Arial"/>
-                <a:sym typeface="Arial"/>
+                <a:latin typeface="Arial" panose="020B0604020202020204"/>
+                <a:ea typeface="Arial" panose="020B0604020202020204"/>
+                <a:cs typeface="Arial" panose="020B0604020202020204"/>
+                <a:sym typeface="Arial" panose="020B0604020202020204"/>
               </a:defRPr>
             </a:lvl8pPr>
             <a:lvl9pPr marL="0" lvl="8" indent="0" algn="r">
@@ -17121,10 +17135,10 @@
                 <a:solidFill>
                   <a:schemeClr val="accent2"/>
                 </a:solidFill>
-                <a:latin typeface="Arial"/>
-                <a:ea typeface="Arial"/>
-                <a:cs typeface="Arial"/>
-                <a:sym typeface="Arial"/>
+                <a:latin typeface="Arial" panose="020B0604020202020204"/>
+                <a:ea typeface="Arial" panose="020B0604020202020204"/>
+                <a:cs typeface="Arial" panose="020B0604020202020204"/>
+                <a:sym typeface="Arial" panose="020B0604020202020204"/>
               </a:defRPr>
             </a:lvl9pPr>
           </a:lstStyle>
@@ -17140,9 +17154,8 @@
             </a:pPr>
             <a:fld id="{00000000-1234-1234-1234-123412341234}" type="slidenum">
               <a:rPr lang="en-US"/>
-              <a:t>‹#›</a:t>
             </a:fld>
-            <a:endParaRPr/>
+            <a:endParaRPr lang="en-US"/>
           </a:p>
         </p:txBody>
       </p:sp>
@@ -17284,9 +17297,7 @@
               <a:defRPr/>
             </a:lvl9pPr>
           </a:lstStyle>
-          <a:p>
-            <a:endParaRPr/>
-          </a:p>
+          <a:p/>
         </p:txBody>
       </p:sp>
     </p:spTree>
@@ -17354,10 +17365,10 @@
               <a:solidFill>
                 <a:schemeClr val="lt1"/>
               </a:solidFill>
-              <a:latin typeface="Arial"/>
-              <a:ea typeface="Arial"/>
-              <a:cs typeface="Arial"/>
-              <a:sym typeface="Arial"/>
+              <a:latin typeface="Arial" panose="020B0604020202020204"/>
+              <a:ea typeface="Arial" panose="020B0604020202020204"/>
+              <a:cs typeface="Arial" panose="020B0604020202020204"/>
+              <a:sym typeface="Arial" panose="020B0604020202020204"/>
             </a:endParaRPr>
           </a:p>
         </p:txBody>
@@ -17399,16 +17410,16 @@
                 <a:schemeClr val="accent3"/>
               </a:buClr>
               <a:buSzPts val="2400"/>
-              <a:buFont typeface="Arial"/>
+              <a:buFont typeface="Arial" panose="020B0604020202020204"/>
               <a:buNone/>
               <a:defRPr>
                 <a:solidFill>
                   <a:schemeClr val="accent3"/>
                 </a:solidFill>
-                <a:latin typeface="Arial"/>
-                <a:ea typeface="Arial"/>
-                <a:cs typeface="Arial"/>
-                <a:sym typeface="Arial"/>
+                <a:latin typeface="Arial" panose="020B0604020202020204"/>
+                <a:ea typeface="Arial" panose="020B0604020202020204"/>
+                <a:cs typeface="Arial" panose="020B0604020202020204"/>
+                <a:sym typeface="Arial" panose="020B0604020202020204"/>
               </a:defRPr>
             </a:lvl1pPr>
             <a:lvl2pPr lvl="1">
@@ -17500,9 +17511,7 @@
               <a:defRPr/>
             </a:lvl9pPr>
           </a:lstStyle>
-          <a:p>
-            <a:endParaRPr/>
-          </a:p>
+          <a:p/>
         </p:txBody>
       </p:sp>
       <p:sp>
@@ -17542,10 +17551,10 @@
                 <a:solidFill>
                   <a:schemeClr val="accent2"/>
                 </a:solidFill>
-                <a:latin typeface="Arial"/>
-                <a:ea typeface="Arial"/>
-                <a:cs typeface="Arial"/>
-                <a:sym typeface="Arial"/>
+                <a:latin typeface="Arial" panose="020B0604020202020204"/>
+                <a:ea typeface="Arial" panose="020B0604020202020204"/>
+                <a:cs typeface="Arial" panose="020B0604020202020204"/>
+                <a:sym typeface="Arial" panose="020B0604020202020204"/>
               </a:defRPr>
             </a:lvl1pPr>
             <a:lvl2pPr marL="0" lvl="1" indent="0" algn="r">
@@ -17557,10 +17566,10 @@
                 <a:solidFill>
                   <a:schemeClr val="accent2"/>
                 </a:solidFill>
-                <a:latin typeface="Arial"/>
-                <a:ea typeface="Arial"/>
-                <a:cs typeface="Arial"/>
-                <a:sym typeface="Arial"/>
+                <a:latin typeface="Arial" panose="020B0604020202020204"/>
+                <a:ea typeface="Arial" panose="020B0604020202020204"/>
+                <a:cs typeface="Arial" panose="020B0604020202020204"/>
+                <a:sym typeface="Arial" panose="020B0604020202020204"/>
               </a:defRPr>
             </a:lvl2pPr>
             <a:lvl3pPr marL="0" lvl="2" indent="0" algn="r">
@@ -17572,10 +17581,10 @@
                 <a:solidFill>
                   <a:schemeClr val="accent2"/>
                 </a:solidFill>
-                <a:latin typeface="Arial"/>
-                <a:ea typeface="Arial"/>
-                <a:cs typeface="Arial"/>
-                <a:sym typeface="Arial"/>
+                <a:latin typeface="Arial" panose="020B0604020202020204"/>
+                <a:ea typeface="Arial" panose="020B0604020202020204"/>
+                <a:cs typeface="Arial" panose="020B0604020202020204"/>
+                <a:sym typeface="Arial" panose="020B0604020202020204"/>
               </a:defRPr>
             </a:lvl3pPr>
             <a:lvl4pPr marL="0" lvl="3" indent="0" algn="r">
@@ -17587,10 +17596,10 @@
                 <a:solidFill>
                   <a:schemeClr val="accent2"/>
                 </a:solidFill>
-                <a:latin typeface="Arial"/>
-                <a:ea typeface="Arial"/>
-                <a:cs typeface="Arial"/>
-                <a:sym typeface="Arial"/>
+                <a:latin typeface="Arial" panose="020B0604020202020204"/>
+                <a:ea typeface="Arial" panose="020B0604020202020204"/>
+                <a:cs typeface="Arial" panose="020B0604020202020204"/>
+                <a:sym typeface="Arial" panose="020B0604020202020204"/>
               </a:defRPr>
             </a:lvl4pPr>
             <a:lvl5pPr marL="0" lvl="4" indent="0" algn="r">
@@ -17602,10 +17611,10 @@
                 <a:solidFill>
                   <a:schemeClr val="accent2"/>
                 </a:solidFill>
-                <a:latin typeface="Arial"/>
-                <a:ea typeface="Arial"/>
-                <a:cs typeface="Arial"/>
-                <a:sym typeface="Arial"/>
+                <a:latin typeface="Arial" panose="020B0604020202020204"/>
+                <a:ea typeface="Arial" panose="020B0604020202020204"/>
+                <a:cs typeface="Arial" panose="020B0604020202020204"/>
+                <a:sym typeface="Arial" panose="020B0604020202020204"/>
               </a:defRPr>
             </a:lvl5pPr>
             <a:lvl6pPr marL="0" lvl="5" indent="0" algn="r">
@@ -17617,10 +17626,10 @@
                 <a:solidFill>
                   <a:schemeClr val="accent2"/>
                 </a:solidFill>
-                <a:latin typeface="Arial"/>
-                <a:ea typeface="Arial"/>
-                <a:cs typeface="Arial"/>
-                <a:sym typeface="Arial"/>
+                <a:latin typeface="Arial" panose="020B0604020202020204"/>
+                <a:ea typeface="Arial" panose="020B0604020202020204"/>
+                <a:cs typeface="Arial" panose="020B0604020202020204"/>
+                <a:sym typeface="Arial" panose="020B0604020202020204"/>
               </a:defRPr>
             </a:lvl6pPr>
             <a:lvl7pPr marL="0" lvl="6" indent="0" algn="r">
@@ -17632,10 +17641,10 @@
                 <a:solidFill>
                   <a:schemeClr val="accent2"/>
                 </a:solidFill>
-                <a:latin typeface="Arial"/>
-                <a:ea typeface="Arial"/>
-                <a:cs typeface="Arial"/>
-                <a:sym typeface="Arial"/>
+                <a:latin typeface="Arial" panose="020B0604020202020204"/>
+                <a:ea typeface="Arial" panose="020B0604020202020204"/>
+                <a:cs typeface="Arial" panose="020B0604020202020204"/>
+                <a:sym typeface="Arial" panose="020B0604020202020204"/>
               </a:defRPr>
             </a:lvl7pPr>
             <a:lvl8pPr marL="0" lvl="7" indent="0" algn="r">
@@ -17647,10 +17656,10 @@
                 <a:solidFill>
                   <a:schemeClr val="accent2"/>
                 </a:solidFill>
-                <a:latin typeface="Arial"/>
-                <a:ea typeface="Arial"/>
-                <a:cs typeface="Arial"/>
-                <a:sym typeface="Arial"/>
+                <a:latin typeface="Arial" panose="020B0604020202020204"/>
+                <a:ea typeface="Arial" panose="020B0604020202020204"/>
+                <a:cs typeface="Arial" panose="020B0604020202020204"/>
+                <a:sym typeface="Arial" panose="020B0604020202020204"/>
               </a:defRPr>
             </a:lvl8pPr>
             <a:lvl9pPr marL="0" lvl="8" indent="0" algn="r">
@@ -17662,10 +17671,10 @@
                 <a:solidFill>
                   <a:schemeClr val="accent2"/>
                 </a:solidFill>
-                <a:latin typeface="Arial"/>
-                <a:ea typeface="Arial"/>
-                <a:cs typeface="Arial"/>
-                <a:sym typeface="Arial"/>
+                <a:latin typeface="Arial" panose="020B0604020202020204"/>
+                <a:ea typeface="Arial" panose="020B0604020202020204"/>
+                <a:cs typeface="Arial" panose="020B0604020202020204"/>
+                <a:sym typeface="Arial" panose="020B0604020202020204"/>
               </a:defRPr>
             </a:lvl9pPr>
           </a:lstStyle>
@@ -17681,9 +17690,8 @@
             </a:pPr>
             <a:fld id="{00000000-1234-1234-1234-123412341234}" type="slidenum">
               <a:rPr lang="en-US"/>
-              <a:t>‹#›</a:t>
             </a:fld>
-            <a:endParaRPr/>
+            <a:endParaRPr lang="en-US"/>
           </a:p>
         </p:txBody>
       </p:sp>
@@ -17886,10 +17894,10 @@
                 <a:solidFill>
                   <a:schemeClr val="dk1"/>
                 </a:solidFill>
-                <a:latin typeface="Arial"/>
-                <a:ea typeface="Arial"/>
-                <a:cs typeface="Arial"/>
-                <a:sym typeface="Arial"/>
+                <a:latin typeface="Arial" panose="020B0604020202020204"/>
+                <a:ea typeface="Arial" panose="020B0604020202020204"/>
+                <a:cs typeface="Arial" panose="020B0604020202020204"/>
+                <a:sym typeface="Arial" panose="020B0604020202020204"/>
               </a:endParaRPr>
             </a:p>
           </p:txBody>
@@ -18045,10 +18053,10 @@
                 <a:solidFill>
                   <a:schemeClr val="dk1"/>
                 </a:solidFill>
-                <a:latin typeface="Arial"/>
-                <a:ea typeface="Arial"/>
-                <a:cs typeface="Arial"/>
-                <a:sym typeface="Arial"/>
+                <a:latin typeface="Arial" panose="020B0604020202020204"/>
+                <a:ea typeface="Arial" panose="020B0604020202020204"/>
+                <a:cs typeface="Arial" panose="020B0604020202020204"/>
+                <a:sym typeface="Arial" panose="020B0604020202020204"/>
               </a:endParaRPr>
             </a:p>
           </p:txBody>
@@ -18177,10 +18185,10 @@
                 <a:solidFill>
                   <a:schemeClr val="dk1"/>
                 </a:solidFill>
-                <a:latin typeface="Arial"/>
-                <a:ea typeface="Arial"/>
-                <a:cs typeface="Arial"/>
-                <a:sym typeface="Arial"/>
+                <a:latin typeface="Arial" panose="020B0604020202020204"/>
+                <a:ea typeface="Arial" panose="020B0604020202020204"/>
+                <a:cs typeface="Arial" panose="020B0604020202020204"/>
+                <a:sym typeface="Arial" panose="020B0604020202020204"/>
               </a:endParaRPr>
             </a:p>
           </p:txBody>
@@ -18277,10 +18285,10 @@
                 <a:solidFill>
                   <a:schemeClr val="dk1"/>
                 </a:solidFill>
-                <a:latin typeface="Arial"/>
-                <a:ea typeface="Arial"/>
-                <a:cs typeface="Arial"/>
-                <a:sym typeface="Arial"/>
+                <a:latin typeface="Arial" panose="020B0604020202020204"/>
+                <a:ea typeface="Arial" panose="020B0604020202020204"/>
+                <a:cs typeface="Arial" panose="020B0604020202020204"/>
+                <a:sym typeface="Arial" panose="020B0604020202020204"/>
               </a:endParaRPr>
             </a:p>
           </p:txBody>
@@ -18403,10 +18411,10 @@
                 <a:solidFill>
                   <a:schemeClr val="dk1"/>
                 </a:solidFill>
-                <a:latin typeface="Arial"/>
-                <a:ea typeface="Arial"/>
-                <a:cs typeface="Arial"/>
-                <a:sym typeface="Arial"/>
+                <a:latin typeface="Arial" panose="020B0604020202020204"/>
+                <a:ea typeface="Arial" panose="020B0604020202020204"/>
+                <a:cs typeface="Arial" panose="020B0604020202020204"/>
+                <a:sym typeface="Arial" panose="020B0604020202020204"/>
               </a:endParaRPr>
             </a:p>
           </p:txBody>
@@ -18643,10 +18651,10 @@
                 <a:solidFill>
                   <a:schemeClr val="dk1"/>
                 </a:solidFill>
-                <a:latin typeface="Arial"/>
-                <a:ea typeface="Arial"/>
-                <a:cs typeface="Arial"/>
-                <a:sym typeface="Arial"/>
+                <a:latin typeface="Arial" panose="020B0604020202020204"/>
+                <a:ea typeface="Arial" panose="020B0604020202020204"/>
+                <a:cs typeface="Arial" panose="020B0604020202020204"/>
+                <a:sym typeface="Arial" panose="020B0604020202020204"/>
               </a:endParaRPr>
             </a:p>
           </p:txBody>
@@ -18836,10 +18844,10 @@
                 <a:solidFill>
                   <a:schemeClr val="dk1"/>
                 </a:solidFill>
-                <a:latin typeface="Arial"/>
-                <a:ea typeface="Arial"/>
-                <a:cs typeface="Arial"/>
-                <a:sym typeface="Arial"/>
+                <a:latin typeface="Arial" panose="020B0604020202020204"/>
+                <a:ea typeface="Arial" panose="020B0604020202020204"/>
+                <a:cs typeface="Arial" panose="020B0604020202020204"/>
+                <a:sym typeface="Arial" panose="020B0604020202020204"/>
               </a:endParaRPr>
             </a:p>
           </p:txBody>
@@ -18995,10 +19003,10 @@
                 <a:solidFill>
                   <a:schemeClr val="dk1"/>
                 </a:solidFill>
-                <a:latin typeface="Arial"/>
-                <a:ea typeface="Arial"/>
-                <a:cs typeface="Arial"/>
-                <a:sym typeface="Arial"/>
+                <a:latin typeface="Arial" panose="020B0604020202020204"/>
+                <a:ea typeface="Arial" panose="020B0604020202020204"/>
+                <a:cs typeface="Arial" panose="020B0604020202020204"/>
+                <a:sym typeface="Arial" panose="020B0604020202020204"/>
               </a:endParaRPr>
             </a:p>
           </p:txBody>
@@ -19109,10 +19117,10 @@
                 <a:solidFill>
                   <a:schemeClr val="dk1"/>
                 </a:solidFill>
-                <a:latin typeface="Arial"/>
-                <a:ea typeface="Arial"/>
-                <a:cs typeface="Arial"/>
-                <a:sym typeface="Arial"/>
+                <a:latin typeface="Arial" panose="020B0604020202020204"/>
+                <a:ea typeface="Arial" panose="020B0604020202020204"/>
+                <a:cs typeface="Arial" panose="020B0604020202020204"/>
+                <a:sym typeface="Arial" panose="020B0604020202020204"/>
               </a:endParaRPr>
             </a:p>
           </p:txBody>
@@ -19223,10 +19231,10 @@
                 <a:solidFill>
                   <a:schemeClr val="dk1"/>
                 </a:solidFill>
-                <a:latin typeface="Arial"/>
-                <a:ea typeface="Arial"/>
-                <a:cs typeface="Arial"/>
-                <a:sym typeface="Arial"/>
+                <a:latin typeface="Arial" panose="020B0604020202020204"/>
+                <a:ea typeface="Arial" panose="020B0604020202020204"/>
+                <a:cs typeface="Arial" panose="020B0604020202020204"/>
+                <a:sym typeface="Arial" panose="020B0604020202020204"/>
               </a:endParaRPr>
             </a:p>
           </p:txBody>
@@ -19337,10 +19345,10 @@
                 <a:solidFill>
                   <a:schemeClr val="dk1"/>
                 </a:solidFill>
-                <a:latin typeface="Arial"/>
-                <a:ea typeface="Arial"/>
-                <a:cs typeface="Arial"/>
-                <a:sym typeface="Arial"/>
+                <a:latin typeface="Arial" panose="020B0604020202020204"/>
+                <a:ea typeface="Arial" panose="020B0604020202020204"/>
+                <a:cs typeface="Arial" panose="020B0604020202020204"/>
+                <a:sym typeface="Arial" panose="020B0604020202020204"/>
               </a:endParaRPr>
             </a:p>
           </p:txBody>
@@ -19451,10 +19459,10 @@
                 <a:solidFill>
                   <a:schemeClr val="dk1"/>
                 </a:solidFill>
-                <a:latin typeface="Arial"/>
-                <a:ea typeface="Arial"/>
-                <a:cs typeface="Arial"/>
-                <a:sym typeface="Arial"/>
+                <a:latin typeface="Arial" panose="020B0604020202020204"/>
+                <a:ea typeface="Arial" panose="020B0604020202020204"/>
+                <a:cs typeface="Arial" panose="020B0604020202020204"/>
+                <a:sym typeface="Arial" panose="020B0604020202020204"/>
               </a:endParaRPr>
             </a:p>
           </p:txBody>
@@ -19565,10 +19573,10 @@
                 <a:solidFill>
                   <a:schemeClr val="dk1"/>
                 </a:solidFill>
-                <a:latin typeface="Arial"/>
-                <a:ea typeface="Arial"/>
-                <a:cs typeface="Arial"/>
-                <a:sym typeface="Arial"/>
+                <a:latin typeface="Arial" panose="020B0604020202020204"/>
+                <a:ea typeface="Arial" panose="020B0604020202020204"/>
+                <a:cs typeface="Arial" panose="020B0604020202020204"/>
+                <a:sym typeface="Arial" panose="020B0604020202020204"/>
               </a:endParaRPr>
             </a:p>
           </p:txBody>
@@ -19679,10 +19687,10 @@
                 <a:solidFill>
                   <a:schemeClr val="dk1"/>
                 </a:solidFill>
-                <a:latin typeface="Arial"/>
-                <a:ea typeface="Arial"/>
-                <a:cs typeface="Arial"/>
-                <a:sym typeface="Arial"/>
+                <a:latin typeface="Arial" panose="020B0604020202020204"/>
+                <a:ea typeface="Arial" panose="020B0604020202020204"/>
+                <a:cs typeface="Arial" panose="020B0604020202020204"/>
+                <a:sym typeface="Arial" panose="020B0604020202020204"/>
               </a:endParaRPr>
             </a:p>
           </p:txBody>
@@ -19793,10 +19801,10 @@
                 <a:solidFill>
                   <a:schemeClr val="dk1"/>
                 </a:solidFill>
-                <a:latin typeface="Arial"/>
-                <a:ea typeface="Arial"/>
-                <a:cs typeface="Arial"/>
-                <a:sym typeface="Arial"/>
+                <a:latin typeface="Arial" panose="020B0604020202020204"/>
+                <a:ea typeface="Arial" panose="020B0604020202020204"/>
+                <a:cs typeface="Arial" panose="020B0604020202020204"/>
+                <a:sym typeface="Arial" panose="020B0604020202020204"/>
               </a:endParaRPr>
             </a:p>
           </p:txBody>
@@ -19907,10 +19915,10 @@
                 <a:solidFill>
                   <a:schemeClr val="dk1"/>
                 </a:solidFill>
-                <a:latin typeface="Arial"/>
-                <a:ea typeface="Arial"/>
-                <a:cs typeface="Arial"/>
-                <a:sym typeface="Arial"/>
+                <a:latin typeface="Arial" panose="020B0604020202020204"/>
+                <a:ea typeface="Arial" panose="020B0604020202020204"/>
+                <a:cs typeface="Arial" panose="020B0604020202020204"/>
+                <a:sym typeface="Arial" panose="020B0604020202020204"/>
               </a:endParaRPr>
             </a:p>
           </p:txBody>
@@ -20021,10 +20029,10 @@
                 <a:solidFill>
                   <a:schemeClr val="dk1"/>
                 </a:solidFill>
-                <a:latin typeface="Arial"/>
-                <a:ea typeface="Arial"/>
-                <a:cs typeface="Arial"/>
-                <a:sym typeface="Arial"/>
+                <a:latin typeface="Arial" panose="020B0604020202020204"/>
+                <a:ea typeface="Arial" panose="020B0604020202020204"/>
+                <a:cs typeface="Arial" panose="020B0604020202020204"/>
+                <a:sym typeface="Arial" panose="020B0604020202020204"/>
               </a:endParaRPr>
             </a:p>
           </p:txBody>
@@ -20135,10 +20143,10 @@
                 <a:solidFill>
                   <a:schemeClr val="dk1"/>
                 </a:solidFill>
-                <a:latin typeface="Arial"/>
-                <a:ea typeface="Arial"/>
-                <a:cs typeface="Arial"/>
-                <a:sym typeface="Arial"/>
+                <a:latin typeface="Arial" panose="020B0604020202020204"/>
+                <a:ea typeface="Arial" panose="020B0604020202020204"/>
+                <a:cs typeface="Arial" panose="020B0604020202020204"/>
+                <a:sym typeface="Arial" panose="020B0604020202020204"/>
               </a:endParaRPr>
             </a:p>
           </p:txBody>
@@ -20176,11 +20184,11 @@
           <p:nvPr/>
         </p:nvPicPr>
         <p:blipFill rotWithShape="1">
-          <a:blip r:embed="rId2">
-            <a:alphaModFix/>
-          </a:blip>
+          <a:blip r:embed="rId2"/>
           <a:srcRect t="91557" b="648"/>
-          <a:stretch/>
+          <a:stretch>
+            <a:fillRect/>
+          </a:stretch>
         </p:blipFill>
         <p:spPr>
           <a:xfrm>
@@ -20233,10 +20241,10 @@
                 <a:solidFill>
                   <a:schemeClr val="accent2"/>
                 </a:solidFill>
-                <a:latin typeface="Arial"/>
-                <a:ea typeface="Arial"/>
-                <a:cs typeface="Arial"/>
-                <a:sym typeface="Arial"/>
+                <a:latin typeface="Arial" panose="020B0604020202020204"/>
+                <a:ea typeface="Arial" panose="020B0604020202020204"/>
+                <a:cs typeface="Arial" panose="020B0604020202020204"/>
+                <a:sym typeface="Arial" panose="020B0604020202020204"/>
               </a:defRPr>
             </a:lvl1pPr>
             <a:lvl2pPr marL="0" lvl="1" indent="0" algn="r">
@@ -20248,10 +20256,10 @@
                 <a:solidFill>
                   <a:schemeClr val="accent2"/>
                 </a:solidFill>
-                <a:latin typeface="Arial"/>
-                <a:ea typeface="Arial"/>
-                <a:cs typeface="Arial"/>
-                <a:sym typeface="Arial"/>
+                <a:latin typeface="Arial" panose="020B0604020202020204"/>
+                <a:ea typeface="Arial" panose="020B0604020202020204"/>
+                <a:cs typeface="Arial" panose="020B0604020202020204"/>
+                <a:sym typeface="Arial" panose="020B0604020202020204"/>
               </a:defRPr>
             </a:lvl2pPr>
             <a:lvl3pPr marL="0" lvl="2" indent="0" algn="r">
@@ -20263,10 +20271,10 @@
                 <a:solidFill>
                   <a:schemeClr val="accent2"/>
                 </a:solidFill>
-                <a:latin typeface="Arial"/>
-                <a:ea typeface="Arial"/>
-                <a:cs typeface="Arial"/>
-                <a:sym typeface="Arial"/>
+                <a:latin typeface="Arial" panose="020B0604020202020204"/>
+                <a:ea typeface="Arial" panose="020B0604020202020204"/>
+                <a:cs typeface="Arial" panose="020B0604020202020204"/>
+                <a:sym typeface="Arial" panose="020B0604020202020204"/>
               </a:defRPr>
             </a:lvl3pPr>
             <a:lvl4pPr marL="0" lvl="3" indent="0" algn="r">
@@ -20278,10 +20286,10 @@
                 <a:solidFill>
                   <a:schemeClr val="accent2"/>
                 </a:solidFill>
-                <a:latin typeface="Arial"/>
-                <a:ea typeface="Arial"/>
-                <a:cs typeface="Arial"/>
-                <a:sym typeface="Arial"/>
+                <a:latin typeface="Arial" panose="020B0604020202020204"/>
+                <a:ea typeface="Arial" panose="020B0604020202020204"/>
+                <a:cs typeface="Arial" panose="020B0604020202020204"/>
+                <a:sym typeface="Arial" panose="020B0604020202020204"/>
               </a:defRPr>
             </a:lvl4pPr>
             <a:lvl5pPr marL="0" lvl="4" indent="0" algn="r">
@@ -20293,10 +20301,10 @@
                 <a:solidFill>
                   <a:schemeClr val="accent2"/>
                 </a:solidFill>
-                <a:latin typeface="Arial"/>
-                <a:ea typeface="Arial"/>
-                <a:cs typeface="Arial"/>
-                <a:sym typeface="Arial"/>
+                <a:latin typeface="Arial" panose="020B0604020202020204"/>
+                <a:ea typeface="Arial" panose="020B0604020202020204"/>
+                <a:cs typeface="Arial" panose="020B0604020202020204"/>
+                <a:sym typeface="Arial" panose="020B0604020202020204"/>
               </a:defRPr>
             </a:lvl5pPr>
             <a:lvl6pPr marL="0" lvl="5" indent="0" algn="r">
@@ -20308,10 +20316,10 @@
                 <a:solidFill>
                   <a:schemeClr val="accent2"/>
                 </a:solidFill>
-                <a:latin typeface="Arial"/>
-                <a:ea typeface="Arial"/>
-                <a:cs typeface="Arial"/>
-                <a:sym typeface="Arial"/>
+                <a:latin typeface="Arial" panose="020B0604020202020204"/>
+                <a:ea typeface="Arial" panose="020B0604020202020204"/>
+                <a:cs typeface="Arial" panose="020B0604020202020204"/>
+                <a:sym typeface="Arial" panose="020B0604020202020204"/>
               </a:defRPr>
             </a:lvl6pPr>
             <a:lvl7pPr marL="0" lvl="6" indent="0" algn="r">
@@ -20323,10 +20331,10 @@
                 <a:solidFill>
                   <a:schemeClr val="accent2"/>
                 </a:solidFill>
-                <a:latin typeface="Arial"/>
-                <a:ea typeface="Arial"/>
-                <a:cs typeface="Arial"/>
-                <a:sym typeface="Arial"/>
+                <a:latin typeface="Arial" panose="020B0604020202020204"/>
+                <a:ea typeface="Arial" panose="020B0604020202020204"/>
+                <a:cs typeface="Arial" panose="020B0604020202020204"/>
+                <a:sym typeface="Arial" panose="020B0604020202020204"/>
               </a:defRPr>
             </a:lvl7pPr>
             <a:lvl8pPr marL="0" lvl="7" indent="0" algn="r">
@@ -20338,10 +20346,10 @@
                 <a:solidFill>
                   <a:schemeClr val="accent2"/>
                 </a:solidFill>
-                <a:latin typeface="Arial"/>
-                <a:ea typeface="Arial"/>
-                <a:cs typeface="Arial"/>
-                <a:sym typeface="Arial"/>
+                <a:latin typeface="Arial" panose="020B0604020202020204"/>
+                <a:ea typeface="Arial" panose="020B0604020202020204"/>
+                <a:cs typeface="Arial" panose="020B0604020202020204"/>
+                <a:sym typeface="Arial" panose="020B0604020202020204"/>
               </a:defRPr>
             </a:lvl8pPr>
             <a:lvl9pPr marL="0" lvl="8" indent="0" algn="r">
@@ -20353,10 +20361,10 @@
                 <a:solidFill>
                   <a:schemeClr val="accent2"/>
                 </a:solidFill>
-                <a:latin typeface="Arial"/>
-                <a:ea typeface="Arial"/>
-                <a:cs typeface="Arial"/>
-                <a:sym typeface="Arial"/>
+                <a:latin typeface="Arial" panose="020B0604020202020204"/>
+                <a:ea typeface="Arial" panose="020B0604020202020204"/>
+                <a:cs typeface="Arial" panose="020B0604020202020204"/>
+                <a:sym typeface="Arial" panose="020B0604020202020204"/>
               </a:defRPr>
             </a:lvl9pPr>
           </a:lstStyle>
@@ -20372,9 +20380,8 @@
             </a:pPr>
             <a:fld id="{00000000-1234-1234-1234-123412341234}" type="slidenum">
               <a:rPr lang="en-US"/>
-              <a:t>‹#›</a:t>
             </a:fld>
-            <a:endParaRPr/>
+            <a:endParaRPr lang="en-US"/>
           </a:p>
         </p:txBody>
       </p:sp>
@@ -20385,7 +20392,7 @@
             <a:spLocks noGrp="1"/>
           </p:cNvSpPr>
           <p:nvPr>
-            <p:ph type="dgm" idx="2"/>
+            <p:ph type="pic" idx="2"/>
           </p:nvPr>
         </p:nvSpPr>
         <p:spPr>
@@ -20415,16 +20422,16 @@
                 <a:schemeClr val="accent1"/>
               </a:buClr>
               <a:buSzPts val="2800"/>
-              <a:buFont typeface="Arial"/>
+              <a:buFont typeface="Arial" panose="020B0604020202020204"/>
               <a:buChar char="•"/>
               <a:defRPr sz="2800" b="0" i="0" u="none" strike="noStrike" cap="none">
                 <a:solidFill>
                   <a:schemeClr val="dk2"/>
                 </a:solidFill>
-                <a:latin typeface="Arial"/>
-                <a:ea typeface="Arial"/>
-                <a:cs typeface="Arial"/>
-                <a:sym typeface="Arial"/>
+                <a:latin typeface="Arial" panose="020B0604020202020204"/>
+                <a:ea typeface="Arial" panose="020B0604020202020204"/>
+                <a:cs typeface="Arial" panose="020B0604020202020204"/>
+                <a:sym typeface="Arial" panose="020B0604020202020204"/>
               </a:defRPr>
             </a:lvl1pPr>
             <a:lvl2pPr marR="0" lvl="1" algn="l" rtl="0">
@@ -20438,16 +20445,16 @@
                 <a:schemeClr val="accent1"/>
               </a:buClr>
               <a:buSzPts val="2400"/>
-              <a:buFont typeface="Arial"/>
+              <a:buFont typeface="Arial" panose="020B0604020202020204"/>
               <a:buChar char="–"/>
               <a:defRPr sz="2400" b="0" i="0" u="none" strike="noStrike" cap="none">
                 <a:solidFill>
                   <a:schemeClr val="dk2"/>
                 </a:solidFill>
-                <a:latin typeface="Arial"/>
-                <a:ea typeface="Arial"/>
-                <a:cs typeface="Arial"/>
-                <a:sym typeface="Arial"/>
+                <a:latin typeface="Arial" panose="020B0604020202020204"/>
+                <a:ea typeface="Arial" panose="020B0604020202020204"/>
+                <a:cs typeface="Arial" panose="020B0604020202020204"/>
+                <a:sym typeface="Arial" panose="020B0604020202020204"/>
               </a:defRPr>
             </a:lvl2pPr>
             <a:lvl3pPr marR="0" lvl="2" algn="l" rtl="0">
@@ -20461,16 +20468,16 @@
                 <a:schemeClr val="accent1"/>
               </a:buClr>
               <a:buSzPts val="2000"/>
-              <a:buFont typeface="Arial"/>
+              <a:buFont typeface="Arial" panose="020B0604020202020204"/>
               <a:buChar char="•"/>
               <a:defRPr sz="2000" b="0" i="0" u="none" strike="noStrike" cap="none">
                 <a:solidFill>
                   <a:schemeClr val="dk2"/>
                 </a:solidFill>
-                <a:latin typeface="Arial"/>
-                <a:ea typeface="Arial"/>
-                <a:cs typeface="Arial"/>
-                <a:sym typeface="Arial"/>
+                <a:latin typeface="Arial" panose="020B0604020202020204"/>
+                <a:ea typeface="Arial" panose="020B0604020202020204"/>
+                <a:cs typeface="Arial" panose="020B0604020202020204"/>
+                <a:sym typeface="Arial" panose="020B0604020202020204"/>
               </a:defRPr>
             </a:lvl3pPr>
             <a:lvl4pPr marR="0" lvl="3" algn="l" rtl="0">
@@ -20484,16 +20491,16 @@
                 <a:schemeClr val="accent1"/>
               </a:buClr>
               <a:buSzPts val="1800"/>
-              <a:buFont typeface="Arial"/>
+              <a:buFont typeface="Arial" panose="020B0604020202020204"/>
               <a:buChar char="–"/>
               <a:defRPr sz="1800" b="0" i="0" u="none" strike="noStrike" cap="none">
                 <a:solidFill>
                   <a:schemeClr val="dk2"/>
                 </a:solidFill>
-                <a:latin typeface="Arial"/>
-                <a:ea typeface="Arial"/>
-                <a:cs typeface="Arial"/>
-                <a:sym typeface="Arial"/>
+                <a:latin typeface="Arial" panose="020B0604020202020204"/>
+                <a:ea typeface="Arial" panose="020B0604020202020204"/>
+                <a:cs typeface="Arial" panose="020B0604020202020204"/>
+                <a:sym typeface="Arial" panose="020B0604020202020204"/>
               </a:defRPr>
             </a:lvl4pPr>
             <a:lvl5pPr marR="0" lvl="4" algn="l" rtl="0">
@@ -20507,16 +20514,16 @@
                 <a:schemeClr val="accent1"/>
               </a:buClr>
               <a:buSzPts val="1800"/>
-              <a:buFont typeface="Arial"/>
+              <a:buFont typeface="Arial" panose="020B0604020202020204"/>
               <a:buChar char="»"/>
               <a:defRPr sz="1800" b="0" i="0" u="none" strike="noStrike" cap="none">
                 <a:solidFill>
                   <a:schemeClr val="dk2"/>
                 </a:solidFill>
-                <a:latin typeface="Arial"/>
-                <a:ea typeface="Arial"/>
-                <a:cs typeface="Arial"/>
-                <a:sym typeface="Arial"/>
+                <a:latin typeface="Arial" panose="020B0604020202020204"/>
+                <a:ea typeface="Arial" panose="020B0604020202020204"/>
+                <a:cs typeface="Arial" panose="020B0604020202020204"/>
+                <a:sym typeface="Arial" panose="020B0604020202020204"/>
               </a:defRPr>
             </a:lvl5pPr>
             <a:lvl6pPr marR="0" lvl="5" algn="l" rtl="0">
@@ -20530,16 +20537,16 @@
                 <a:schemeClr val="dk1"/>
               </a:buClr>
               <a:buSzPts val="2000"/>
-              <a:buFont typeface="Arial"/>
+              <a:buFont typeface="Arial" panose="020B0604020202020204"/>
               <a:buChar char="•"/>
               <a:defRPr sz="2000" b="0" i="0" u="none" strike="noStrike" cap="none">
                 <a:solidFill>
                   <a:schemeClr val="dk1"/>
                 </a:solidFill>
-                <a:latin typeface="Arial"/>
-                <a:ea typeface="Arial"/>
-                <a:cs typeface="Arial"/>
-                <a:sym typeface="Arial"/>
+                <a:latin typeface="Arial" panose="020B0604020202020204"/>
+                <a:ea typeface="Arial" panose="020B0604020202020204"/>
+                <a:cs typeface="Arial" panose="020B0604020202020204"/>
+                <a:sym typeface="Arial" panose="020B0604020202020204"/>
               </a:defRPr>
             </a:lvl6pPr>
             <a:lvl7pPr marR="0" lvl="6" algn="l" rtl="0">
@@ -20553,16 +20560,16 @@
                 <a:schemeClr val="dk1"/>
               </a:buClr>
               <a:buSzPts val="2000"/>
-              <a:buFont typeface="Arial"/>
+              <a:buFont typeface="Arial" panose="020B0604020202020204"/>
               <a:buChar char="•"/>
               <a:defRPr sz="2000" b="0" i="0" u="none" strike="noStrike" cap="none">
                 <a:solidFill>
                   <a:schemeClr val="dk1"/>
                 </a:solidFill>
-                <a:latin typeface="Arial"/>
-                <a:ea typeface="Arial"/>
-                <a:cs typeface="Arial"/>
-                <a:sym typeface="Arial"/>
+                <a:latin typeface="Arial" panose="020B0604020202020204"/>
+                <a:ea typeface="Arial" panose="020B0604020202020204"/>
+                <a:cs typeface="Arial" panose="020B0604020202020204"/>
+                <a:sym typeface="Arial" panose="020B0604020202020204"/>
               </a:defRPr>
             </a:lvl7pPr>
             <a:lvl8pPr marR="0" lvl="7" algn="l" rtl="0">
@@ -20576,16 +20583,16 @@
                 <a:schemeClr val="dk1"/>
               </a:buClr>
               <a:buSzPts val="2000"/>
-              <a:buFont typeface="Arial"/>
+              <a:buFont typeface="Arial" panose="020B0604020202020204"/>
               <a:buChar char="•"/>
               <a:defRPr sz="2000" b="0" i="0" u="none" strike="noStrike" cap="none">
                 <a:solidFill>
                   <a:schemeClr val="dk1"/>
                 </a:solidFill>
-                <a:latin typeface="Arial"/>
-                <a:ea typeface="Arial"/>
-                <a:cs typeface="Arial"/>
-                <a:sym typeface="Arial"/>
+                <a:latin typeface="Arial" panose="020B0604020202020204"/>
+                <a:ea typeface="Arial" panose="020B0604020202020204"/>
+                <a:cs typeface="Arial" panose="020B0604020202020204"/>
+                <a:sym typeface="Arial" panose="020B0604020202020204"/>
               </a:defRPr>
             </a:lvl8pPr>
             <a:lvl9pPr marR="0" lvl="8" algn="l" rtl="0">
@@ -20599,22 +20606,20 @@
                 <a:schemeClr val="dk1"/>
               </a:buClr>
               <a:buSzPts val="2000"/>
-              <a:buFont typeface="Arial"/>
+              <a:buFont typeface="Arial" panose="020B0604020202020204"/>
               <a:buChar char="•"/>
               <a:defRPr sz="2000" b="0" i="0" u="none" strike="noStrike" cap="none">
                 <a:solidFill>
                   <a:schemeClr val="dk1"/>
                 </a:solidFill>
-                <a:latin typeface="Arial"/>
-                <a:ea typeface="Arial"/>
-                <a:cs typeface="Arial"/>
-                <a:sym typeface="Arial"/>
+                <a:latin typeface="Arial" panose="020B0604020202020204"/>
+                <a:ea typeface="Arial" panose="020B0604020202020204"/>
+                <a:cs typeface="Arial" panose="020B0604020202020204"/>
+                <a:sym typeface="Arial" panose="020B0604020202020204"/>
               </a:defRPr>
             </a:lvl9pPr>
           </a:lstStyle>
-          <a:p>
-            <a:endParaRPr/>
-          </a:p>
+          <a:p/>
         </p:txBody>
       </p:sp>
     </p:spTree>
@@ -20682,10 +20687,10 @@
               <a:solidFill>
                 <a:schemeClr val="lt1"/>
               </a:solidFill>
-              <a:latin typeface="Arial"/>
-              <a:ea typeface="Arial"/>
-              <a:cs typeface="Arial"/>
-              <a:sym typeface="Arial"/>
+              <a:latin typeface="Arial" panose="020B0604020202020204"/>
+              <a:ea typeface="Arial" panose="020B0604020202020204"/>
+              <a:cs typeface="Arial" panose="020B0604020202020204"/>
+              <a:sym typeface="Arial" panose="020B0604020202020204"/>
             </a:endParaRPr>
           </a:p>
         </p:txBody>
@@ -20727,10 +20732,10 @@
                 <a:solidFill>
                   <a:schemeClr val="lt1"/>
                 </a:solidFill>
-                <a:latin typeface="Arial"/>
-                <a:ea typeface="Arial"/>
-                <a:cs typeface="Arial"/>
-                <a:sym typeface="Arial"/>
+                <a:latin typeface="Arial" panose="020B0604020202020204"/>
+                <a:ea typeface="Arial" panose="020B0604020202020204"/>
+                <a:cs typeface="Arial" panose="020B0604020202020204"/>
+                <a:sym typeface="Arial" panose="020B0604020202020204"/>
               </a:defRPr>
             </a:lvl1pPr>
             <a:lvl2pPr marL="0" lvl="1" indent="0" algn="r">
@@ -20742,10 +20747,10 @@
                 <a:solidFill>
                   <a:schemeClr val="lt1"/>
                 </a:solidFill>
-                <a:latin typeface="Arial"/>
-                <a:ea typeface="Arial"/>
-                <a:cs typeface="Arial"/>
-                <a:sym typeface="Arial"/>
+                <a:latin typeface="Arial" panose="020B0604020202020204"/>
+                <a:ea typeface="Arial" panose="020B0604020202020204"/>
+                <a:cs typeface="Arial" panose="020B0604020202020204"/>
+                <a:sym typeface="Arial" panose="020B0604020202020204"/>
               </a:defRPr>
             </a:lvl2pPr>
             <a:lvl3pPr marL="0" lvl="2" indent="0" algn="r">
@@ -20757,10 +20762,10 @@
                 <a:solidFill>
                   <a:schemeClr val="lt1"/>
                 </a:solidFill>
-                <a:latin typeface="Arial"/>
-                <a:ea typeface="Arial"/>
-                <a:cs typeface="Arial"/>
-                <a:sym typeface="Arial"/>
+                <a:latin typeface="Arial" panose="020B0604020202020204"/>
+                <a:ea typeface="Arial" panose="020B0604020202020204"/>
+                <a:cs typeface="Arial" panose="020B0604020202020204"/>
+                <a:sym typeface="Arial" panose="020B0604020202020204"/>
               </a:defRPr>
             </a:lvl3pPr>
             <a:lvl4pPr marL="0" lvl="3" indent="0" algn="r">
@@ -20772,10 +20777,10 @@
                 <a:solidFill>
                   <a:schemeClr val="lt1"/>
                 </a:solidFill>
-                <a:latin typeface="Arial"/>
-                <a:ea typeface="Arial"/>
-                <a:cs typeface="Arial"/>
-                <a:sym typeface="Arial"/>
+                <a:latin typeface="Arial" panose="020B0604020202020204"/>
+                <a:ea typeface="Arial" panose="020B0604020202020204"/>
+                <a:cs typeface="Arial" panose="020B0604020202020204"/>
+                <a:sym typeface="Arial" panose="020B0604020202020204"/>
               </a:defRPr>
             </a:lvl4pPr>
             <a:lvl5pPr marL="0" lvl="4" indent="0" algn="r">
@@ -20787,10 +20792,10 @@
                 <a:solidFill>
                   <a:schemeClr val="lt1"/>
                 </a:solidFill>
-                <a:latin typeface="Arial"/>
-                <a:ea typeface="Arial"/>
-                <a:cs typeface="Arial"/>
-                <a:sym typeface="Arial"/>
+                <a:latin typeface="Arial" panose="020B0604020202020204"/>
+                <a:ea typeface="Arial" panose="020B0604020202020204"/>
+                <a:cs typeface="Arial" panose="020B0604020202020204"/>
+                <a:sym typeface="Arial" panose="020B0604020202020204"/>
               </a:defRPr>
             </a:lvl5pPr>
             <a:lvl6pPr marL="0" lvl="5" indent="0" algn="r">
@@ -20802,10 +20807,10 @@
                 <a:solidFill>
                   <a:schemeClr val="lt1"/>
                 </a:solidFill>
-                <a:latin typeface="Arial"/>
-                <a:ea typeface="Arial"/>
-                <a:cs typeface="Arial"/>
-                <a:sym typeface="Arial"/>
+                <a:latin typeface="Arial" panose="020B0604020202020204"/>
+                <a:ea typeface="Arial" panose="020B0604020202020204"/>
+                <a:cs typeface="Arial" panose="020B0604020202020204"/>
+                <a:sym typeface="Arial" panose="020B0604020202020204"/>
               </a:defRPr>
             </a:lvl6pPr>
             <a:lvl7pPr marL="0" lvl="6" indent="0" algn="r">
@@ -20817,10 +20822,10 @@
                 <a:solidFill>
                   <a:schemeClr val="lt1"/>
                 </a:solidFill>
-                <a:latin typeface="Arial"/>
-                <a:ea typeface="Arial"/>
-                <a:cs typeface="Arial"/>
-                <a:sym typeface="Arial"/>
+                <a:latin typeface="Arial" panose="020B0604020202020204"/>
+                <a:ea typeface="Arial" panose="020B0604020202020204"/>
+                <a:cs typeface="Arial" panose="020B0604020202020204"/>
+                <a:sym typeface="Arial" panose="020B0604020202020204"/>
               </a:defRPr>
             </a:lvl7pPr>
             <a:lvl8pPr marL="0" lvl="7" indent="0" algn="r">
@@ -20832,10 +20837,10 @@
                 <a:solidFill>
                   <a:schemeClr val="lt1"/>
                 </a:solidFill>
-                <a:latin typeface="Arial"/>
-                <a:ea typeface="Arial"/>
-                <a:cs typeface="Arial"/>
-                <a:sym typeface="Arial"/>
+                <a:latin typeface="Arial" panose="020B0604020202020204"/>
+                <a:ea typeface="Arial" panose="020B0604020202020204"/>
+                <a:cs typeface="Arial" panose="020B0604020202020204"/>
+                <a:sym typeface="Arial" panose="020B0604020202020204"/>
               </a:defRPr>
             </a:lvl8pPr>
             <a:lvl9pPr marL="0" lvl="8" indent="0" algn="r">
@@ -20847,10 +20852,10 @@
                 <a:solidFill>
                   <a:schemeClr val="lt1"/>
                 </a:solidFill>
-                <a:latin typeface="Arial"/>
-                <a:ea typeface="Arial"/>
-                <a:cs typeface="Arial"/>
-                <a:sym typeface="Arial"/>
+                <a:latin typeface="Arial" panose="020B0604020202020204"/>
+                <a:ea typeface="Arial" panose="020B0604020202020204"/>
+                <a:cs typeface="Arial" panose="020B0604020202020204"/>
+                <a:sym typeface="Arial" panose="020B0604020202020204"/>
               </a:defRPr>
             </a:lvl9pPr>
           </a:lstStyle>
@@ -20866,9 +20871,8 @@
             </a:pPr>
             <a:fld id="{00000000-1234-1234-1234-123412341234}" type="slidenum">
               <a:rPr lang="en-US"/>
-              <a:t>‹#›</a:t>
             </a:fld>
-            <a:endParaRPr/>
+            <a:endParaRPr lang="en-US"/>
           </a:p>
         </p:txBody>
       </p:sp>
@@ -20879,11 +20883,11 @@
           <p:nvPr/>
         </p:nvPicPr>
         <p:blipFill rotWithShape="1">
-          <a:blip r:embed="rId2">
-            <a:alphaModFix/>
-          </a:blip>
+          <a:blip r:embed="rId2"/>
           <a:srcRect/>
-          <a:stretch/>
+          <a:stretch>
+            <a:fillRect/>
+          </a:stretch>
         </p:blipFill>
         <p:spPr>
           <a:xfrm>
@@ -20936,16 +20940,16 @@
                 <a:schemeClr val="accent1"/>
               </a:buClr>
               <a:buSzPts val="2400"/>
-              <a:buFont typeface="Arial"/>
+              <a:buFont typeface="Arial" panose="020B0604020202020204"/>
               <a:buNone/>
               <a:defRPr>
                 <a:solidFill>
                   <a:schemeClr val="accent1"/>
                 </a:solidFill>
-                <a:latin typeface="Arial"/>
-                <a:ea typeface="Arial"/>
-                <a:cs typeface="Arial"/>
-                <a:sym typeface="Arial"/>
+                <a:latin typeface="Arial" panose="020B0604020202020204"/>
+                <a:ea typeface="Arial" panose="020B0604020202020204"/>
+                <a:cs typeface="Arial" panose="020B0604020202020204"/>
+                <a:sym typeface="Arial" panose="020B0604020202020204"/>
               </a:defRPr>
             </a:lvl1pPr>
             <a:lvl2pPr lvl="1">
@@ -21037,9 +21041,7 @@
               <a:defRPr/>
             </a:lvl9pPr>
           </a:lstStyle>
-          <a:p>
-            <a:endParaRPr/>
-          </a:p>
+          <a:p/>
         </p:txBody>
       </p:sp>
       <p:sp>
@@ -21078,10 +21080,10 @@
               <a:buSzPts val="2800"/>
               <a:buChar char="•"/>
               <a:defRPr>
-                <a:latin typeface="Arial"/>
-                <a:ea typeface="Arial"/>
-                <a:cs typeface="Arial"/>
-                <a:sym typeface="Arial"/>
+                <a:latin typeface="Arial" panose="020B0604020202020204"/>
+                <a:ea typeface="Arial" panose="020B0604020202020204"/>
+                <a:cs typeface="Arial" panose="020B0604020202020204"/>
+                <a:sym typeface="Arial" panose="020B0604020202020204"/>
               </a:defRPr>
             </a:lvl1pPr>
             <a:lvl2pPr marL="914400" lvl="1" indent="-381000" algn="l">
@@ -21094,10 +21096,10 @@
               <a:buSzPts val="2400"/>
               <a:buChar char="–"/>
               <a:defRPr>
-                <a:latin typeface="Arial"/>
-                <a:ea typeface="Arial"/>
-                <a:cs typeface="Arial"/>
-                <a:sym typeface="Arial"/>
+                <a:latin typeface="Arial" panose="020B0604020202020204"/>
+                <a:ea typeface="Arial" panose="020B0604020202020204"/>
+                <a:cs typeface="Arial" panose="020B0604020202020204"/>
+                <a:sym typeface="Arial" panose="020B0604020202020204"/>
               </a:defRPr>
             </a:lvl2pPr>
             <a:lvl3pPr marL="1371600" lvl="2" indent="-355600" algn="l">
@@ -21110,10 +21112,10 @@
               <a:buSzPts val="2000"/>
               <a:buChar char="•"/>
               <a:defRPr>
-                <a:latin typeface="Arial"/>
-                <a:ea typeface="Arial"/>
-                <a:cs typeface="Arial"/>
-                <a:sym typeface="Arial"/>
+                <a:latin typeface="Arial" panose="020B0604020202020204"/>
+                <a:ea typeface="Arial" panose="020B0604020202020204"/>
+                <a:cs typeface="Arial" panose="020B0604020202020204"/>
+                <a:sym typeface="Arial" panose="020B0604020202020204"/>
               </a:defRPr>
             </a:lvl3pPr>
             <a:lvl4pPr marL="1828800" lvl="3" indent="-342900" algn="l">
@@ -21126,10 +21128,10 @@
               <a:buSzPts val="1800"/>
               <a:buChar char="–"/>
               <a:defRPr>
-                <a:latin typeface="Arial"/>
-                <a:ea typeface="Arial"/>
-                <a:cs typeface="Arial"/>
-                <a:sym typeface="Arial"/>
+                <a:latin typeface="Arial" panose="020B0604020202020204"/>
+                <a:ea typeface="Arial" panose="020B0604020202020204"/>
+                <a:cs typeface="Arial" panose="020B0604020202020204"/>
+                <a:sym typeface="Arial" panose="020B0604020202020204"/>
               </a:defRPr>
             </a:lvl4pPr>
             <a:lvl5pPr marL="2286000" lvl="4" indent="-342900" algn="l">
@@ -21142,10 +21144,10 @@
               <a:buSzPts val="1800"/>
               <a:buChar char="»"/>
               <a:defRPr>
-                <a:latin typeface="Arial"/>
-                <a:ea typeface="Arial"/>
-                <a:cs typeface="Arial"/>
-                <a:sym typeface="Arial"/>
+                <a:latin typeface="Arial" panose="020B0604020202020204"/>
+                <a:ea typeface="Arial" panose="020B0604020202020204"/>
+                <a:cs typeface="Arial" panose="020B0604020202020204"/>
+                <a:sym typeface="Arial" panose="020B0604020202020204"/>
               </a:defRPr>
             </a:lvl5pPr>
             <a:lvl6pPr marL="2743200" lvl="5" indent="-342900" algn="l">
@@ -21205,9 +21207,7 @@
               <a:defRPr/>
             </a:lvl9pPr>
           </a:lstStyle>
-          <a:p>
-            <a:endParaRPr/>
-          </a:p>
+          <a:p/>
         </p:txBody>
       </p:sp>
     </p:spTree>
@@ -21283,10 +21283,10 @@
               <a:solidFill>
                 <a:schemeClr val="lt1"/>
               </a:solidFill>
-              <a:latin typeface="Arial"/>
-              <a:ea typeface="Arial"/>
-              <a:cs typeface="Arial"/>
-              <a:sym typeface="Arial"/>
+              <a:latin typeface="Arial" panose="020B0604020202020204"/>
+              <a:ea typeface="Arial" panose="020B0604020202020204"/>
+              <a:cs typeface="Arial" panose="020B0604020202020204"/>
+              <a:sym typeface="Arial" panose="020B0604020202020204"/>
             </a:endParaRPr>
           </a:p>
         </p:txBody>
@@ -21490,10 +21490,10 @@
                 <a:solidFill>
                   <a:schemeClr val="dk1"/>
                 </a:solidFill>
-                <a:latin typeface="Arial"/>
-                <a:ea typeface="Arial"/>
-                <a:cs typeface="Arial"/>
-                <a:sym typeface="Arial"/>
+                <a:latin typeface="Arial" panose="020B0604020202020204"/>
+                <a:ea typeface="Arial" panose="020B0604020202020204"/>
+                <a:cs typeface="Arial" panose="020B0604020202020204"/>
+                <a:sym typeface="Arial" panose="020B0604020202020204"/>
               </a:endParaRPr>
             </a:p>
           </p:txBody>
@@ -21649,10 +21649,10 @@
                 <a:solidFill>
                   <a:schemeClr val="dk1"/>
                 </a:solidFill>
-                <a:latin typeface="Arial"/>
-                <a:ea typeface="Arial"/>
-                <a:cs typeface="Arial"/>
-                <a:sym typeface="Arial"/>
+                <a:latin typeface="Arial" panose="020B0604020202020204"/>
+                <a:ea typeface="Arial" panose="020B0604020202020204"/>
+                <a:cs typeface="Arial" panose="020B0604020202020204"/>
+                <a:sym typeface="Arial" panose="020B0604020202020204"/>
               </a:endParaRPr>
             </a:p>
           </p:txBody>
@@ -21781,10 +21781,10 @@
                 <a:solidFill>
                   <a:schemeClr val="dk1"/>
                 </a:solidFill>
-                <a:latin typeface="Arial"/>
-                <a:ea typeface="Arial"/>
-                <a:cs typeface="Arial"/>
-                <a:sym typeface="Arial"/>
+                <a:latin typeface="Arial" panose="020B0604020202020204"/>
+                <a:ea typeface="Arial" panose="020B0604020202020204"/>
+                <a:cs typeface="Arial" panose="020B0604020202020204"/>
+                <a:sym typeface="Arial" panose="020B0604020202020204"/>
               </a:endParaRPr>
             </a:p>
           </p:txBody>
@@ -21881,10 +21881,10 @@
                 <a:solidFill>
                   <a:schemeClr val="dk1"/>
                 </a:solidFill>
-                <a:latin typeface="Arial"/>
-                <a:ea typeface="Arial"/>
-                <a:cs typeface="Arial"/>
-                <a:sym typeface="Arial"/>
+                <a:latin typeface="Arial" panose="020B0604020202020204"/>
+                <a:ea typeface="Arial" panose="020B0604020202020204"/>
+                <a:cs typeface="Arial" panose="020B0604020202020204"/>
+                <a:sym typeface="Arial" panose="020B0604020202020204"/>
               </a:endParaRPr>
             </a:p>
           </p:txBody>
@@ -22007,10 +22007,10 @@
                 <a:solidFill>
                   <a:schemeClr val="dk1"/>
                 </a:solidFill>
-                <a:latin typeface="Arial"/>
-                <a:ea typeface="Arial"/>
-                <a:cs typeface="Arial"/>
-                <a:sym typeface="Arial"/>
+                <a:latin typeface="Arial" panose="020B0604020202020204"/>
+                <a:ea typeface="Arial" panose="020B0604020202020204"/>
+                <a:cs typeface="Arial" panose="020B0604020202020204"/>
+                <a:sym typeface="Arial" panose="020B0604020202020204"/>
               </a:endParaRPr>
             </a:p>
           </p:txBody>
@@ -22247,10 +22247,10 @@
                 <a:solidFill>
                   <a:schemeClr val="dk1"/>
                 </a:solidFill>
-                <a:latin typeface="Arial"/>
-                <a:ea typeface="Arial"/>
-                <a:cs typeface="Arial"/>
-                <a:sym typeface="Arial"/>
+                <a:latin typeface="Arial" panose="020B0604020202020204"/>
+                <a:ea typeface="Arial" panose="020B0604020202020204"/>
+                <a:cs typeface="Arial" panose="020B0604020202020204"/>
+                <a:sym typeface="Arial" panose="020B0604020202020204"/>
               </a:endParaRPr>
             </a:p>
           </p:txBody>
@@ -22440,10 +22440,10 @@
                 <a:solidFill>
                   <a:schemeClr val="dk1"/>
                 </a:solidFill>
-                <a:latin typeface="Arial"/>
-                <a:ea typeface="Arial"/>
-                <a:cs typeface="Arial"/>
-                <a:sym typeface="Arial"/>
+                <a:latin typeface="Arial" panose="020B0604020202020204"/>
+                <a:ea typeface="Arial" panose="020B0604020202020204"/>
+                <a:cs typeface="Arial" panose="020B0604020202020204"/>
+                <a:sym typeface="Arial" panose="020B0604020202020204"/>
               </a:endParaRPr>
             </a:p>
           </p:txBody>
@@ -22599,10 +22599,10 @@
                 <a:solidFill>
                   <a:schemeClr val="dk1"/>
                 </a:solidFill>
-                <a:latin typeface="Arial"/>
-                <a:ea typeface="Arial"/>
-                <a:cs typeface="Arial"/>
-                <a:sym typeface="Arial"/>
+                <a:latin typeface="Arial" panose="020B0604020202020204"/>
+                <a:ea typeface="Arial" panose="020B0604020202020204"/>
+                <a:cs typeface="Arial" panose="020B0604020202020204"/>
+                <a:sym typeface="Arial" panose="020B0604020202020204"/>
               </a:endParaRPr>
             </a:p>
           </p:txBody>
@@ -22713,10 +22713,10 @@
                 <a:solidFill>
                   <a:schemeClr val="dk1"/>
                 </a:solidFill>
-                <a:latin typeface="Arial"/>
-                <a:ea typeface="Arial"/>
-                <a:cs typeface="Arial"/>
-                <a:sym typeface="Arial"/>
+                <a:latin typeface="Arial" panose="020B0604020202020204"/>
+                <a:ea typeface="Arial" panose="020B0604020202020204"/>
+                <a:cs typeface="Arial" panose="020B0604020202020204"/>
+                <a:sym typeface="Arial" panose="020B0604020202020204"/>
               </a:endParaRPr>
             </a:p>
           </p:txBody>
@@ -22827,10 +22827,10 @@
                 <a:solidFill>
                   <a:schemeClr val="dk1"/>
                 </a:solidFill>
-                <a:latin typeface="Arial"/>
-                <a:ea typeface="Arial"/>
-                <a:cs typeface="Arial"/>
-                <a:sym typeface="Arial"/>
+                <a:latin typeface="Arial" panose="020B0604020202020204"/>
+                <a:ea typeface="Arial" panose="020B0604020202020204"/>
+                <a:cs typeface="Arial" panose="020B0604020202020204"/>
+                <a:sym typeface="Arial" panose="020B0604020202020204"/>
               </a:endParaRPr>
             </a:p>
           </p:txBody>
@@ -22941,10 +22941,10 @@
                 <a:solidFill>
                   <a:schemeClr val="dk1"/>
                 </a:solidFill>
-                <a:latin typeface="Arial"/>
-                <a:ea typeface="Arial"/>
-                <a:cs typeface="Arial"/>
-                <a:sym typeface="Arial"/>
+                <a:latin typeface="Arial" panose="020B0604020202020204"/>
+                <a:ea typeface="Arial" panose="020B0604020202020204"/>
+                <a:cs typeface="Arial" panose="020B0604020202020204"/>
+                <a:sym typeface="Arial" panose="020B0604020202020204"/>
               </a:endParaRPr>
             </a:p>
           </p:txBody>
@@ -23055,10 +23055,10 @@
                 <a:solidFill>
                   <a:schemeClr val="dk1"/>
                 </a:solidFill>
-                <a:latin typeface="Arial"/>
-                <a:ea typeface="Arial"/>
-                <a:cs typeface="Arial"/>
-                <a:sym typeface="Arial"/>
+                <a:latin typeface="Arial" panose="020B0604020202020204"/>
+                <a:ea typeface="Arial" panose="020B0604020202020204"/>
+                <a:cs typeface="Arial" panose="020B0604020202020204"/>
+                <a:sym typeface="Arial" panose="020B0604020202020204"/>
               </a:endParaRPr>
             </a:p>
           </p:txBody>
@@ -23169,10 +23169,10 @@
                 <a:solidFill>
                   <a:schemeClr val="dk1"/>
                 </a:solidFill>
-                <a:latin typeface="Arial"/>
-                <a:ea typeface="Arial"/>
-                <a:cs typeface="Arial"/>
-                <a:sym typeface="Arial"/>
+                <a:latin typeface="Arial" panose="020B0604020202020204"/>
+                <a:ea typeface="Arial" panose="020B0604020202020204"/>
+                <a:cs typeface="Arial" panose="020B0604020202020204"/>
+                <a:sym typeface="Arial" panose="020B0604020202020204"/>
               </a:endParaRPr>
             </a:p>
           </p:txBody>
@@ -23283,10 +23283,10 @@
                 <a:solidFill>
                   <a:schemeClr val="dk1"/>
                 </a:solidFill>
-                <a:latin typeface="Arial"/>
-                <a:ea typeface="Arial"/>
-                <a:cs typeface="Arial"/>
-                <a:sym typeface="Arial"/>
+                <a:latin typeface="Arial" panose="020B0604020202020204"/>
+                <a:ea typeface="Arial" panose="020B0604020202020204"/>
+                <a:cs typeface="Arial" panose="020B0604020202020204"/>
+                <a:sym typeface="Arial" panose="020B0604020202020204"/>
               </a:endParaRPr>
             </a:p>
           </p:txBody>
@@ -23397,10 +23397,10 @@
                 <a:solidFill>
                   <a:schemeClr val="dk1"/>
                 </a:solidFill>
-                <a:latin typeface="Arial"/>
-                <a:ea typeface="Arial"/>
-                <a:cs typeface="Arial"/>
-                <a:sym typeface="Arial"/>
+                <a:latin typeface="Arial" panose="020B0604020202020204"/>
+                <a:ea typeface="Arial" panose="020B0604020202020204"/>
+                <a:cs typeface="Arial" panose="020B0604020202020204"/>
+                <a:sym typeface="Arial" panose="020B0604020202020204"/>
               </a:endParaRPr>
             </a:p>
           </p:txBody>
@@ -23511,10 +23511,10 @@
                 <a:solidFill>
                   <a:schemeClr val="dk1"/>
                 </a:solidFill>
-                <a:latin typeface="Arial"/>
-                <a:ea typeface="Arial"/>
-                <a:cs typeface="Arial"/>
-                <a:sym typeface="Arial"/>
+                <a:latin typeface="Arial" panose="020B0604020202020204"/>
+                <a:ea typeface="Arial" panose="020B0604020202020204"/>
+                <a:cs typeface="Arial" panose="020B0604020202020204"/>
+                <a:sym typeface="Arial" panose="020B0604020202020204"/>
               </a:endParaRPr>
             </a:p>
           </p:txBody>
@@ -23625,10 +23625,10 @@
                 <a:solidFill>
                   <a:schemeClr val="dk1"/>
                 </a:solidFill>
-                <a:latin typeface="Arial"/>
-                <a:ea typeface="Arial"/>
-                <a:cs typeface="Arial"/>
-                <a:sym typeface="Arial"/>
+                <a:latin typeface="Arial" panose="020B0604020202020204"/>
+                <a:ea typeface="Arial" panose="020B0604020202020204"/>
+                <a:cs typeface="Arial" panose="020B0604020202020204"/>
+                <a:sym typeface="Arial" panose="020B0604020202020204"/>
               </a:endParaRPr>
             </a:p>
           </p:txBody>
@@ -23739,10 +23739,10 @@
                 <a:solidFill>
                   <a:schemeClr val="dk1"/>
                 </a:solidFill>
-                <a:latin typeface="Arial"/>
-                <a:ea typeface="Arial"/>
-                <a:cs typeface="Arial"/>
-                <a:sym typeface="Arial"/>
+                <a:latin typeface="Arial" panose="020B0604020202020204"/>
+                <a:ea typeface="Arial" panose="020B0604020202020204"/>
+                <a:cs typeface="Arial" panose="020B0604020202020204"/>
+                <a:sym typeface="Arial" panose="020B0604020202020204"/>
               </a:endParaRPr>
             </a:p>
           </p:txBody>
@@ -23785,16 +23785,16 @@
                 <a:schemeClr val="accent1"/>
               </a:buClr>
               <a:buSzPts val="2800"/>
-              <a:buFont typeface="Arial"/>
+              <a:buFont typeface="Arial" panose="020B0604020202020204"/>
               <a:buChar char="•"/>
               <a:defRPr sz="2800" b="0" i="0" u="none" strike="noStrike" cap="none">
                 <a:solidFill>
                   <a:schemeClr val="dk2"/>
                 </a:solidFill>
-                <a:latin typeface="Arial"/>
-                <a:ea typeface="Arial"/>
-                <a:cs typeface="Arial"/>
-                <a:sym typeface="Arial"/>
+                <a:latin typeface="Arial" panose="020B0604020202020204"/>
+                <a:ea typeface="Arial" panose="020B0604020202020204"/>
+                <a:cs typeface="Arial" panose="020B0604020202020204"/>
+                <a:sym typeface="Arial" panose="020B0604020202020204"/>
               </a:defRPr>
             </a:lvl1pPr>
             <a:lvl2pPr marL="914400" marR="0" lvl="1" indent="-381000" algn="l" rtl="0">
@@ -23808,16 +23808,16 @@
                 <a:schemeClr val="accent1"/>
               </a:buClr>
               <a:buSzPts val="2400"/>
-              <a:buFont typeface="Arial"/>
+              <a:buFont typeface="Arial" panose="020B0604020202020204"/>
               <a:buChar char="–"/>
               <a:defRPr sz="2400" b="0" i="0" u="none" strike="noStrike" cap="none">
                 <a:solidFill>
                   <a:schemeClr val="dk2"/>
                 </a:solidFill>
-                <a:latin typeface="Arial"/>
-                <a:ea typeface="Arial"/>
-                <a:cs typeface="Arial"/>
-                <a:sym typeface="Arial"/>
+                <a:latin typeface="Arial" panose="020B0604020202020204"/>
+                <a:ea typeface="Arial" panose="020B0604020202020204"/>
+                <a:cs typeface="Arial" panose="020B0604020202020204"/>
+                <a:sym typeface="Arial" panose="020B0604020202020204"/>
               </a:defRPr>
             </a:lvl2pPr>
             <a:lvl3pPr marL="1371600" marR="0" lvl="2" indent="-355600" algn="l" rtl="0">
@@ -23831,16 +23831,16 @@
                 <a:schemeClr val="accent1"/>
               </a:buClr>
               <a:buSzPts val="2000"/>
-              <a:buFont typeface="Arial"/>
+              <a:buFont typeface="Arial" panose="020B0604020202020204"/>
               <a:buChar char="•"/>
               <a:defRPr sz="2000" b="0" i="0" u="none" strike="noStrike" cap="none">
                 <a:solidFill>
                   <a:schemeClr val="dk2"/>
                 </a:solidFill>
-                <a:latin typeface="Arial"/>
-                <a:ea typeface="Arial"/>
-                <a:cs typeface="Arial"/>
-                <a:sym typeface="Arial"/>
+                <a:latin typeface="Arial" panose="020B0604020202020204"/>
+                <a:ea typeface="Arial" panose="020B0604020202020204"/>
+                <a:cs typeface="Arial" panose="020B0604020202020204"/>
+                <a:sym typeface="Arial" panose="020B0604020202020204"/>
               </a:defRPr>
             </a:lvl3pPr>
             <a:lvl4pPr marL="1828800" marR="0" lvl="3" indent="-342900" algn="l" rtl="0">
@@ -23854,16 +23854,16 @@
                 <a:schemeClr val="accent1"/>
               </a:buClr>
               <a:buSzPts val="1800"/>
-              <a:buFont typeface="Arial"/>
+              <a:buFont typeface="Arial" panose="020B0604020202020204"/>
               <a:buChar char="–"/>
               <a:defRPr sz="1800" b="0" i="0" u="none" strike="noStrike" cap="none">
                 <a:solidFill>
                   <a:schemeClr val="dk2"/>
                 </a:solidFill>
-                <a:latin typeface="Arial"/>
-                <a:ea typeface="Arial"/>
-                <a:cs typeface="Arial"/>
-                <a:sym typeface="Arial"/>
+                <a:latin typeface="Arial" panose="020B0604020202020204"/>
+                <a:ea typeface="Arial" panose="020B0604020202020204"/>
+                <a:cs typeface="Arial" panose="020B0604020202020204"/>
+                <a:sym typeface="Arial" panose="020B0604020202020204"/>
               </a:defRPr>
             </a:lvl4pPr>
             <a:lvl5pPr marL="2286000" marR="0" lvl="4" indent="-342900" algn="l" rtl="0">
@@ -23877,16 +23877,16 @@
                 <a:schemeClr val="accent1"/>
               </a:buClr>
               <a:buSzPts val="1800"/>
-              <a:buFont typeface="Arial"/>
+              <a:buFont typeface="Arial" panose="020B0604020202020204"/>
               <a:buChar char="»"/>
               <a:defRPr sz="1800" b="0" i="0" u="none" strike="noStrike" cap="none">
                 <a:solidFill>
                   <a:schemeClr val="dk2"/>
                 </a:solidFill>
-                <a:latin typeface="Arial"/>
-                <a:ea typeface="Arial"/>
-                <a:cs typeface="Arial"/>
-                <a:sym typeface="Arial"/>
+                <a:latin typeface="Arial" panose="020B0604020202020204"/>
+                <a:ea typeface="Arial" panose="020B0604020202020204"/>
+                <a:cs typeface="Arial" panose="020B0604020202020204"/>
+                <a:sym typeface="Arial" panose="020B0604020202020204"/>
               </a:defRPr>
             </a:lvl5pPr>
             <a:lvl6pPr marL="2743200" marR="0" lvl="5" indent="-355600" algn="l" rtl="0">
@@ -23900,16 +23900,16 @@
                 <a:schemeClr val="dk1"/>
               </a:buClr>
               <a:buSzPts val="2000"/>
-              <a:buFont typeface="Arial"/>
+              <a:buFont typeface="Arial" panose="020B0604020202020204"/>
               <a:buChar char="•"/>
               <a:defRPr sz="2000" b="0" i="0" u="none" strike="noStrike" cap="none">
                 <a:solidFill>
                   <a:schemeClr val="dk1"/>
                 </a:solidFill>
-                <a:latin typeface="Arial"/>
-                <a:ea typeface="Arial"/>
-                <a:cs typeface="Arial"/>
-                <a:sym typeface="Arial"/>
+                <a:latin typeface="Arial" panose="020B0604020202020204"/>
+                <a:ea typeface="Arial" panose="020B0604020202020204"/>
+                <a:cs typeface="Arial" panose="020B0604020202020204"/>
+                <a:sym typeface="Arial" panose="020B0604020202020204"/>
               </a:defRPr>
             </a:lvl6pPr>
             <a:lvl7pPr marL="3200400" marR="0" lvl="6" indent="-355600" algn="l" rtl="0">
@@ -23923,16 +23923,16 @@
                 <a:schemeClr val="dk1"/>
               </a:buClr>
               <a:buSzPts val="2000"/>
-              <a:buFont typeface="Arial"/>
+              <a:buFont typeface="Arial" panose="020B0604020202020204"/>
               <a:buChar char="•"/>
               <a:defRPr sz="2000" b="0" i="0" u="none" strike="noStrike" cap="none">
                 <a:solidFill>
                   <a:schemeClr val="dk1"/>
                 </a:solidFill>
-                <a:latin typeface="Arial"/>
-                <a:ea typeface="Arial"/>
-                <a:cs typeface="Arial"/>
-                <a:sym typeface="Arial"/>
+                <a:latin typeface="Arial" panose="020B0604020202020204"/>
+                <a:ea typeface="Arial" panose="020B0604020202020204"/>
+                <a:cs typeface="Arial" panose="020B0604020202020204"/>
+                <a:sym typeface="Arial" panose="020B0604020202020204"/>
               </a:defRPr>
             </a:lvl7pPr>
             <a:lvl8pPr marL="3657600" marR="0" lvl="7" indent="-355600" algn="l" rtl="0">
@@ -23946,16 +23946,16 @@
                 <a:schemeClr val="dk1"/>
               </a:buClr>
               <a:buSzPts val="2000"/>
-              <a:buFont typeface="Arial"/>
+              <a:buFont typeface="Arial" panose="020B0604020202020204"/>
               <a:buChar char="•"/>
               <a:defRPr sz="2000" b="0" i="0" u="none" strike="noStrike" cap="none">
                 <a:solidFill>
                   <a:schemeClr val="dk1"/>
                 </a:solidFill>
-                <a:latin typeface="Arial"/>
-                <a:ea typeface="Arial"/>
-                <a:cs typeface="Arial"/>
-                <a:sym typeface="Arial"/>
+                <a:latin typeface="Arial" panose="020B0604020202020204"/>
+                <a:ea typeface="Arial" panose="020B0604020202020204"/>
+                <a:cs typeface="Arial" panose="020B0604020202020204"/>
+                <a:sym typeface="Arial" panose="020B0604020202020204"/>
               </a:defRPr>
             </a:lvl8pPr>
             <a:lvl9pPr marL="4114800" marR="0" lvl="8" indent="-355600" algn="l" rtl="0">
@@ -23969,22 +23969,20 @@
                 <a:schemeClr val="dk1"/>
               </a:buClr>
               <a:buSzPts val="2000"/>
-              <a:buFont typeface="Arial"/>
+              <a:buFont typeface="Arial" panose="020B0604020202020204"/>
               <a:buChar char="•"/>
               <a:defRPr sz="2000" b="0" i="0" u="none" strike="noStrike" cap="none">
                 <a:solidFill>
                   <a:schemeClr val="dk1"/>
                 </a:solidFill>
-                <a:latin typeface="Arial"/>
-                <a:ea typeface="Arial"/>
-                <a:cs typeface="Arial"/>
-                <a:sym typeface="Arial"/>
+                <a:latin typeface="Arial" panose="020B0604020202020204"/>
+                <a:ea typeface="Arial" panose="020B0604020202020204"/>
+                <a:cs typeface="Arial" panose="020B0604020202020204"/>
+                <a:sym typeface="Arial" panose="020B0604020202020204"/>
               </a:defRPr>
             </a:lvl9pPr>
           </a:lstStyle>
-          <a:p>
-            <a:endParaRPr/>
-          </a:p>
+          <a:p/>
         </p:txBody>
       </p:sp>
       <p:sp>
@@ -24024,10 +24022,10 @@
                 <a:solidFill>
                   <a:schemeClr val="accent2"/>
                 </a:solidFill>
-                <a:latin typeface="Arial"/>
-                <a:ea typeface="Arial"/>
-                <a:cs typeface="Arial"/>
-                <a:sym typeface="Arial"/>
+                <a:latin typeface="Arial" panose="020B0604020202020204"/>
+                <a:ea typeface="Arial" panose="020B0604020202020204"/>
+                <a:cs typeface="Arial" panose="020B0604020202020204"/>
+                <a:sym typeface="Arial" panose="020B0604020202020204"/>
               </a:defRPr>
             </a:lvl1pPr>
             <a:lvl2pPr marL="0" marR="0" lvl="1" indent="0" algn="r" rtl="0">
@@ -24039,10 +24037,10 @@
                 <a:solidFill>
                   <a:schemeClr val="accent2"/>
                 </a:solidFill>
-                <a:latin typeface="Arial"/>
-                <a:ea typeface="Arial"/>
-                <a:cs typeface="Arial"/>
-                <a:sym typeface="Arial"/>
+                <a:latin typeface="Arial" panose="020B0604020202020204"/>
+                <a:ea typeface="Arial" panose="020B0604020202020204"/>
+                <a:cs typeface="Arial" panose="020B0604020202020204"/>
+                <a:sym typeface="Arial" panose="020B0604020202020204"/>
               </a:defRPr>
             </a:lvl2pPr>
             <a:lvl3pPr marL="0" marR="0" lvl="2" indent="0" algn="r" rtl="0">
@@ -24054,10 +24052,10 @@
                 <a:solidFill>
                   <a:schemeClr val="accent2"/>
                 </a:solidFill>
-                <a:latin typeface="Arial"/>
-                <a:ea typeface="Arial"/>
-                <a:cs typeface="Arial"/>
-                <a:sym typeface="Arial"/>
+                <a:latin typeface="Arial" panose="020B0604020202020204"/>
+                <a:ea typeface="Arial" panose="020B0604020202020204"/>
+                <a:cs typeface="Arial" panose="020B0604020202020204"/>
+                <a:sym typeface="Arial" panose="020B0604020202020204"/>
               </a:defRPr>
             </a:lvl3pPr>
             <a:lvl4pPr marL="0" marR="0" lvl="3" indent="0" algn="r" rtl="0">
@@ -24069,10 +24067,10 @@
                 <a:solidFill>
                   <a:schemeClr val="accent2"/>
                 </a:solidFill>
-                <a:latin typeface="Arial"/>
-                <a:ea typeface="Arial"/>
-                <a:cs typeface="Arial"/>
-                <a:sym typeface="Arial"/>
+                <a:latin typeface="Arial" panose="020B0604020202020204"/>
+                <a:ea typeface="Arial" panose="020B0604020202020204"/>
+                <a:cs typeface="Arial" panose="020B0604020202020204"/>
+                <a:sym typeface="Arial" panose="020B0604020202020204"/>
               </a:defRPr>
             </a:lvl4pPr>
             <a:lvl5pPr marL="0" marR="0" lvl="4" indent="0" algn="r" rtl="0">
@@ -24084,10 +24082,10 @@
                 <a:solidFill>
                   <a:schemeClr val="accent2"/>
                 </a:solidFill>
-                <a:latin typeface="Arial"/>
-                <a:ea typeface="Arial"/>
-                <a:cs typeface="Arial"/>
-                <a:sym typeface="Arial"/>
+                <a:latin typeface="Arial" panose="020B0604020202020204"/>
+                <a:ea typeface="Arial" panose="020B0604020202020204"/>
+                <a:cs typeface="Arial" panose="020B0604020202020204"/>
+                <a:sym typeface="Arial" panose="020B0604020202020204"/>
               </a:defRPr>
             </a:lvl5pPr>
             <a:lvl6pPr marL="0" marR="0" lvl="5" indent="0" algn="r" rtl="0">
@@ -24099,10 +24097,10 @@
                 <a:solidFill>
                   <a:schemeClr val="accent2"/>
                 </a:solidFill>
-                <a:latin typeface="Arial"/>
-                <a:ea typeface="Arial"/>
-                <a:cs typeface="Arial"/>
-                <a:sym typeface="Arial"/>
+                <a:latin typeface="Arial" panose="020B0604020202020204"/>
+                <a:ea typeface="Arial" panose="020B0604020202020204"/>
+                <a:cs typeface="Arial" panose="020B0604020202020204"/>
+                <a:sym typeface="Arial" panose="020B0604020202020204"/>
               </a:defRPr>
             </a:lvl6pPr>
             <a:lvl7pPr marL="0" marR="0" lvl="6" indent="0" algn="r" rtl="0">
@@ -24114,10 +24112,10 @@
                 <a:solidFill>
                   <a:schemeClr val="accent2"/>
                 </a:solidFill>
-                <a:latin typeface="Arial"/>
-                <a:ea typeface="Arial"/>
-                <a:cs typeface="Arial"/>
-                <a:sym typeface="Arial"/>
+                <a:latin typeface="Arial" panose="020B0604020202020204"/>
+                <a:ea typeface="Arial" panose="020B0604020202020204"/>
+                <a:cs typeface="Arial" panose="020B0604020202020204"/>
+                <a:sym typeface="Arial" panose="020B0604020202020204"/>
               </a:defRPr>
             </a:lvl7pPr>
             <a:lvl8pPr marL="0" marR="0" lvl="7" indent="0" algn="r" rtl="0">
@@ -24129,10 +24127,10 @@
                 <a:solidFill>
                   <a:schemeClr val="accent2"/>
                 </a:solidFill>
-                <a:latin typeface="Arial"/>
-                <a:ea typeface="Arial"/>
-                <a:cs typeface="Arial"/>
-                <a:sym typeface="Arial"/>
+                <a:latin typeface="Arial" panose="020B0604020202020204"/>
+                <a:ea typeface="Arial" panose="020B0604020202020204"/>
+                <a:cs typeface="Arial" panose="020B0604020202020204"/>
+                <a:sym typeface="Arial" panose="020B0604020202020204"/>
               </a:defRPr>
             </a:lvl8pPr>
             <a:lvl9pPr marL="0" marR="0" lvl="8" indent="0" algn="r" rtl="0">
@@ -24144,10 +24142,10 @@
                 <a:solidFill>
                   <a:schemeClr val="accent2"/>
                 </a:solidFill>
-                <a:latin typeface="Arial"/>
-                <a:ea typeface="Arial"/>
-                <a:cs typeface="Arial"/>
-                <a:sym typeface="Arial"/>
+                <a:latin typeface="Arial" panose="020B0604020202020204"/>
+                <a:ea typeface="Arial" panose="020B0604020202020204"/>
+                <a:cs typeface="Arial" panose="020B0604020202020204"/>
+                <a:sym typeface="Arial" panose="020B0604020202020204"/>
               </a:defRPr>
             </a:lvl9pPr>
           </a:lstStyle>
@@ -24163,9 +24161,8 @@
             </a:pPr>
             <a:fld id="{00000000-1234-1234-1234-123412341234}" type="slidenum">
               <a:rPr lang="en-US"/>
-              <a:t>‹#›</a:t>
             </a:fld>
-            <a:endParaRPr/>
+            <a:endParaRPr lang="en-US"/>
           </a:p>
         </p:txBody>
       </p:sp>
@@ -24206,16 +24203,16 @@
                 <a:schemeClr val="lt1"/>
               </a:buClr>
               <a:buSzPts val="2400"/>
-              <a:buFont typeface="Arial"/>
+              <a:buFont typeface="Arial" panose="020B0604020202020204"/>
               <a:buNone/>
               <a:defRPr sz="2400" b="1" i="0" u="none" strike="noStrike" cap="none">
                 <a:solidFill>
                   <a:schemeClr val="lt1"/>
                 </a:solidFill>
-                <a:latin typeface="Arial"/>
-                <a:ea typeface="Arial"/>
-                <a:cs typeface="Arial"/>
-                <a:sym typeface="Arial"/>
+                <a:latin typeface="Arial" panose="020B0604020202020204"/>
+                <a:ea typeface="Arial" panose="020B0604020202020204"/>
+                <a:cs typeface="Arial" panose="020B0604020202020204"/>
+                <a:sym typeface="Arial" panose="020B0604020202020204"/>
               </a:defRPr>
             </a:lvl1pPr>
             <a:lvl2pPr lvl="1">
@@ -24307,26 +24304,24 @@
               <a:defRPr sz="1800"/>
             </a:lvl9pPr>
           </a:lstStyle>
-          <a:p>
-            <a:endParaRPr/>
-          </a:p>
+          <a:p/>
         </p:txBody>
       </p:sp>
     </p:spTree>
   </p:cSld>
   <p:clrMap bg1="lt1" tx1="dk1" bg2="dk2" tx2="lt2" accent1="accent1" accent2="accent2" accent3="accent3" accent4="accent4" accent5="accent5" accent6="accent6" hlink="hlink" folHlink="folHlink"/>
   <p:sldLayoutIdLst>
-    <p:sldLayoutId id="2147483648" r:id="rId1"/>
+    <p:sldLayoutId id="2147483649" r:id="rId1"/>
     <p:sldLayoutId id="2147483650" r:id="rId2"/>
     <p:sldLayoutId id="2147483651" r:id="rId3"/>
     <p:sldLayoutId id="2147483652" r:id="rId4"/>
     <p:sldLayoutId id="2147483653" r:id="rId5"/>
-    <p:sldLayoutId id="2147483656" r:id="rId6"/>
-    <p:sldLayoutId id="2147483657" r:id="rId7"/>
-    <p:sldLayoutId id="2147483658" r:id="rId8"/>
-    <p:sldLayoutId id="2147483659" r:id="rId9"/>
-    <p:sldLayoutId id="2147483660" r:id="rId10"/>
-    <p:sldLayoutId id="2147483662" r:id="rId11"/>
+    <p:sldLayoutId id="2147483654" r:id="rId6"/>
+    <p:sldLayoutId id="2147483655" r:id="rId7"/>
+    <p:sldLayoutId id="2147483656" r:id="rId8"/>
+    <p:sldLayoutId id="2147483657" r:id="rId9"/>
+    <p:sldLayoutId id="2147483658" r:id="rId10"/>
+    <p:sldLayoutId id="2147483659" r:id="rId11"/>
   </p:sldLayoutIdLst>
   <p:hf hdr="0" ftr="0" dt="0"/>
   <p:txStyles>
@@ -24355,15 +24350,15 @@
         <a:buClr>
           <a:srgbClr val="000000"/>
         </a:buClr>
-        <a:buFont typeface="Arial"/>
+        <a:buFont typeface="Arial" panose="020B0604020202020204"/>
         <a:defRPr sz="1400" b="0" i="0" u="none" strike="noStrike" cap="none">
           <a:solidFill>
             <a:srgbClr val="000000"/>
           </a:solidFill>
-          <a:latin typeface="Arial"/>
-          <a:ea typeface="Arial"/>
-          <a:cs typeface="Arial"/>
-          <a:sym typeface="Arial"/>
+          <a:latin typeface="Arial" panose="020B0604020202020204"/>
+          <a:ea typeface="Arial" panose="020B0604020202020204"/>
+          <a:cs typeface="Arial" panose="020B0604020202020204"/>
+          <a:sym typeface="Arial" panose="020B0604020202020204"/>
         </a:defRPr>
       </a:lvl1pPr>
       <a:lvl2pPr marR="0" lvl="1" algn="l" rtl="0">
@@ -24379,15 +24374,15 @@
         <a:buClr>
           <a:srgbClr val="000000"/>
         </a:buClr>
-        <a:buFont typeface="Arial"/>
+        <a:buFont typeface="Arial" panose="020B0604020202020204"/>
         <a:defRPr sz="1400" b="0" i="0" u="none" strike="noStrike" cap="none">
           <a:solidFill>
             <a:srgbClr val="000000"/>
           </a:solidFill>
-          <a:latin typeface="Arial"/>
-          <a:ea typeface="Arial"/>
-          <a:cs typeface="Arial"/>
-          <a:sym typeface="Arial"/>
+          <a:latin typeface="Arial" panose="020B0604020202020204"/>
+          <a:ea typeface="Arial" panose="020B0604020202020204"/>
+          <a:cs typeface="Arial" panose="020B0604020202020204"/>
+          <a:sym typeface="Arial" panose="020B0604020202020204"/>
         </a:defRPr>
       </a:lvl2pPr>
       <a:lvl3pPr marR="0" lvl="2" algn="l" rtl="0">
@@ -24403,15 +24398,15 @@
         <a:buClr>
           <a:srgbClr val="000000"/>
         </a:buClr>
-        <a:buFont typeface="Arial"/>
+        <a:buFont typeface="Arial" panose="020B0604020202020204"/>
         <a:defRPr sz="1400" b="0" i="0" u="none" strike="noStrike" cap="none">
           <a:solidFill>
             <a:srgbClr val="000000"/>
           </a:solidFill>
-          <a:latin typeface="Arial"/>
-          <a:ea typeface="Arial"/>
-          <a:cs typeface="Arial"/>
-          <a:sym typeface="Arial"/>
+          <a:latin typeface="Arial" panose="020B0604020202020204"/>
+          <a:ea typeface="Arial" panose="020B0604020202020204"/>
+          <a:cs typeface="Arial" panose="020B0604020202020204"/>
+          <a:sym typeface="Arial" panose="020B0604020202020204"/>
         </a:defRPr>
       </a:lvl3pPr>
       <a:lvl4pPr marR="0" lvl="3" algn="l" rtl="0">
@@ -24427,15 +24422,15 @@
         <a:buClr>
           <a:srgbClr val="000000"/>
         </a:buClr>
-        <a:buFont typeface="Arial"/>
+        <a:buFont typeface="Arial" panose="020B0604020202020204"/>
         <a:defRPr sz="1400" b="0" i="0" u="none" strike="noStrike" cap="none">
           <a:solidFill>
             <a:srgbClr val="000000"/>
           </a:solidFill>
-          <a:latin typeface="Arial"/>
-          <a:ea typeface="Arial"/>
-          <a:cs typeface="Arial"/>
-          <a:sym typeface="Arial"/>
+          <a:latin typeface="Arial" panose="020B0604020202020204"/>
+          <a:ea typeface="Arial" panose="020B0604020202020204"/>
+          <a:cs typeface="Arial" panose="020B0604020202020204"/>
+          <a:sym typeface="Arial" panose="020B0604020202020204"/>
         </a:defRPr>
       </a:lvl4pPr>
       <a:lvl5pPr marR="0" lvl="4" algn="l" rtl="0">
@@ -24451,15 +24446,15 @@
         <a:buClr>
           <a:srgbClr val="000000"/>
         </a:buClr>
-        <a:buFont typeface="Arial"/>
+        <a:buFont typeface="Arial" panose="020B0604020202020204"/>
         <a:defRPr sz="1400" b="0" i="0" u="none" strike="noStrike" cap="none">
           <a:solidFill>
             <a:srgbClr val="000000"/>
           </a:solidFill>
-          <a:latin typeface="Arial"/>
-          <a:ea typeface="Arial"/>
-          <a:cs typeface="Arial"/>
-          <a:sym typeface="Arial"/>
+          <a:latin typeface="Arial" panose="020B0604020202020204"/>
+          <a:ea typeface="Arial" panose="020B0604020202020204"/>
+          <a:cs typeface="Arial" panose="020B0604020202020204"/>
+          <a:sym typeface="Arial" panose="020B0604020202020204"/>
         </a:defRPr>
       </a:lvl5pPr>
       <a:lvl6pPr marR="0" lvl="5" algn="l" rtl="0">
@@ -24475,15 +24470,15 @@
         <a:buClr>
           <a:srgbClr val="000000"/>
         </a:buClr>
-        <a:buFont typeface="Arial"/>
+        <a:buFont typeface="Arial" panose="020B0604020202020204"/>
         <a:defRPr sz="1400" b="0" i="0" u="none" strike="noStrike" cap="none">
           <a:solidFill>
             <a:srgbClr val="000000"/>
           </a:solidFill>
-          <a:latin typeface="Arial"/>
-          <a:ea typeface="Arial"/>
-          <a:cs typeface="Arial"/>
-          <a:sym typeface="Arial"/>
+          <a:latin typeface="Arial" panose="020B0604020202020204"/>
+          <a:ea typeface="Arial" panose="020B0604020202020204"/>
+          <a:cs typeface="Arial" panose="020B0604020202020204"/>
+          <a:sym typeface="Arial" panose="020B0604020202020204"/>
         </a:defRPr>
       </a:lvl6pPr>
       <a:lvl7pPr marR="0" lvl="6" algn="l" rtl="0">
@@ -24499,15 +24494,15 @@
         <a:buClr>
           <a:srgbClr val="000000"/>
         </a:buClr>
-        <a:buFont typeface="Arial"/>
+        <a:buFont typeface="Arial" panose="020B0604020202020204"/>
         <a:defRPr sz="1400" b="0" i="0" u="none" strike="noStrike" cap="none">
           <a:solidFill>
             <a:srgbClr val="000000"/>
           </a:solidFill>
-          <a:latin typeface="Arial"/>
-          <a:ea typeface="Arial"/>
-          <a:cs typeface="Arial"/>
-          <a:sym typeface="Arial"/>
+          <a:latin typeface="Arial" panose="020B0604020202020204"/>
+          <a:ea typeface="Arial" panose="020B0604020202020204"/>
+          <a:cs typeface="Arial" panose="020B0604020202020204"/>
+          <a:sym typeface="Arial" panose="020B0604020202020204"/>
         </a:defRPr>
       </a:lvl7pPr>
       <a:lvl8pPr marR="0" lvl="7" algn="l" rtl="0">
@@ -24523,15 +24518,15 @@
         <a:buClr>
           <a:srgbClr val="000000"/>
         </a:buClr>
-        <a:buFont typeface="Arial"/>
+        <a:buFont typeface="Arial" panose="020B0604020202020204"/>
         <a:defRPr sz="1400" b="0" i="0" u="none" strike="noStrike" cap="none">
           <a:solidFill>
             <a:srgbClr val="000000"/>
           </a:solidFill>
-          <a:latin typeface="Arial"/>
-          <a:ea typeface="Arial"/>
-          <a:cs typeface="Arial"/>
-          <a:sym typeface="Arial"/>
+          <a:latin typeface="Arial" panose="020B0604020202020204"/>
+          <a:ea typeface="Arial" panose="020B0604020202020204"/>
+          <a:cs typeface="Arial" panose="020B0604020202020204"/>
+          <a:sym typeface="Arial" panose="020B0604020202020204"/>
         </a:defRPr>
       </a:lvl8pPr>
       <a:lvl9pPr marR="0" lvl="8" algn="l" rtl="0">
@@ -24547,15 +24542,15 @@
         <a:buClr>
           <a:srgbClr val="000000"/>
         </a:buClr>
-        <a:buFont typeface="Arial"/>
+        <a:buFont typeface="Arial" panose="020B0604020202020204"/>
         <a:defRPr sz="1400" b="0" i="0" u="none" strike="noStrike" cap="none">
           <a:solidFill>
             <a:srgbClr val="000000"/>
           </a:solidFill>
-          <a:latin typeface="Arial"/>
-          <a:ea typeface="Arial"/>
-          <a:cs typeface="Arial"/>
-          <a:sym typeface="Arial"/>
+          <a:latin typeface="Arial" panose="020B0604020202020204"/>
+          <a:ea typeface="Arial" panose="020B0604020202020204"/>
+          <a:cs typeface="Arial" panose="020B0604020202020204"/>
+          <a:sym typeface="Arial" panose="020B0604020202020204"/>
         </a:defRPr>
       </a:lvl9pPr>
     </p:titleStyle>
@@ -24584,15 +24579,15 @@
         <a:buClr>
           <a:srgbClr val="000000"/>
         </a:buClr>
-        <a:buFont typeface="Arial"/>
+        <a:buFont typeface="Arial" panose="020B0604020202020204"/>
         <a:defRPr sz="1400" b="0" i="0" u="none" strike="noStrike" cap="none">
           <a:solidFill>
             <a:srgbClr val="000000"/>
           </a:solidFill>
-          <a:latin typeface="Arial"/>
-          <a:ea typeface="Arial"/>
-          <a:cs typeface="Arial"/>
-          <a:sym typeface="Arial"/>
+          <a:latin typeface="Arial" panose="020B0604020202020204"/>
+          <a:ea typeface="Arial" panose="020B0604020202020204"/>
+          <a:cs typeface="Arial" panose="020B0604020202020204"/>
+          <a:sym typeface="Arial" panose="020B0604020202020204"/>
         </a:defRPr>
       </a:lvl1pPr>
       <a:lvl2pPr marR="0" lvl="1" algn="l" rtl="0">
@@ -24608,15 +24603,15 @@
         <a:buClr>
           <a:srgbClr val="000000"/>
         </a:buClr>
-        <a:buFont typeface="Arial"/>
+        <a:buFont typeface="Arial" panose="020B0604020202020204"/>
         <a:defRPr sz="1400" b="0" i="0" u="none" strike="noStrike" cap="none">
           <a:solidFill>
             <a:srgbClr val="000000"/>
           </a:solidFill>
-          <a:latin typeface="Arial"/>
-          <a:ea typeface="Arial"/>
-          <a:cs typeface="Arial"/>
-          <a:sym typeface="Arial"/>
+          <a:latin typeface="Arial" panose="020B0604020202020204"/>
+          <a:ea typeface="Arial" panose="020B0604020202020204"/>
+          <a:cs typeface="Arial" panose="020B0604020202020204"/>
+          <a:sym typeface="Arial" panose="020B0604020202020204"/>
         </a:defRPr>
       </a:lvl2pPr>
       <a:lvl3pPr marR="0" lvl="2" algn="l" rtl="0">
@@ -24632,15 +24627,15 @@
         <a:buClr>
           <a:srgbClr val="000000"/>
         </a:buClr>
-        <a:buFont typeface="Arial"/>
+        <a:buFont typeface="Arial" panose="020B0604020202020204"/>
         <a:defRPr sz="1400" b="0" i="0" u="none" strike="noStrike" cap="none">
           <a:solidFill>
             <a:srgbClr val="000000"/>
           </a:solidFill>
-          <a:latin typeface="Arial"/>
-          <a:ea typeface="Arial"/>
-          <a:cs typeface="Arial"/>
-          <a:sym typeface="Arial"/>
+          <a:latin typeface="Arial" panose="020B0604020202020204"/>
+          <a:ea typeface="Arial" panose="020B0604020202020204"/>
+          <a:cs typeface="Arial" panose="020B0604020202020204"/>
+          <a:sym typeface="Arial" panose="020B0604020202020204"/>
         </a:defRPr>
       </a:lvl3pPr>
       <a:lvl4pPr marR="0" lvl="3" algn="l" rtl="0">
@@ -24656,15 +24651,15 @@
         <a:buClr>
           <a:srgbClr val="000000"/>
         </a:buClr>
-        <a:buFont typeface="Arial"/>
+        <a:buFont typeface="Arial" panose="020B0604020202020204"/>
         <a:defRPr sz="1400" b="0" i="0" u="none" strike="noStrike" cap="none">
           <a:solidFill>
             <a:srgbClr val="000000"/>
           </a:solidFill>
-          <a:latin typeface="Arial"/>
-          <a:ea typeface="Arial"/>
-          <a:cs typeface="Arial"/>
-          <a:sym typeface="Arial"/>
+          <a:latin typeface="Arial" panose="020B0604020202020204"/>
+          <a:ea typeface="Arial" panose="020B0604020202020204"/>
+          <a:cs typeface="Arial" panose="020B0604020202020204"/>
+          <a:sym typeface="Arial" panose="020B0604020202020204"/>
         </a:defRPr>
       </a:lvl4pPr>
       <a:lvl5pPr marR="0" lvl="4" algn="l" rtl="0">
@@ -24680,15 +24675,15 @@
         <a:buClr>
           <a:srgbClr val="000000"/>
         </a:buClr>
-        <a:buFont typeface="Arial"/>
+        <a:buFont typeface="Arial" panose="020B0604020202020204"/>
         <a:defRPr sz="1400" b="0" i="0" u="none" strike="noStrike" cap="none">
           <a:solidFill>
             <a:srgbClr val="000000"/>
           </a:solidFill>
-          <a:latin typeface="Arial"/>
-          <a:ea typeface="Arial"/>
-          <a:cs typeface="Arial"/>
-          <a:sym typeface="Arial"/>
+          <a:latin typeface="Arial" panose="020B0604020202020204"/>
+          <a:ea typeface="Arial" panose="020B0604020202020204"/>
+          <a:cs typeface="Arial" panose="020B0604020202020204"/>
+          <a:sym typeface="Arial" panose="020B0604020202020204"/>
         </a:defRPr>
       </a:lvl5pPr>
       <a:lvl6pPr marR="0" lvl="5" algn="l" rtl="0">
@@ -24704,15 +24699,15 @@
         <a:buClr>
           <a:srgbClr val="000000"/>
         </a:buClr>
-        <a:buFont typeface="Arial"/>
+        <a:buFont typeface="Arial" panose="020B0604020202020204"/>
         <a:defRPr sz="1400" b="0" i="0" u="none" strike="noStrike" cap="none">
           <a:solidFill>
             <a:srgbClr val="000000"/>
           </a:solidFill>
-          <a:latin typeface="Arial"/>
-          <a:ea typeface="Arial"/>
-          <a:cs typeface="Arial"/>
-          <a:sym typeface="Arial"/>
+          <a:latin typeface="Arial" panose="020B0604020202020204"/>
+          <a:ea typeface="Arial" panose="020B0604020202020204"/>
+          <a:cs typeface="Arial" panose="020B0604020202020204"/>
+          <a:sym typeface="Arial" panose="020B0604020202020204"/>
         </a:defRPr>
       </a:lvl6pPr>
       <a:lvl7pPr marR="0" lvl="6" algn="l" rtl="0">
@@ -24728,15 +24723,15 @@
         <a:buClr>
           <a:srgbClr val="000000"/>
         </a:buClr>
-        <a:buFont typeface="Arial"/>
+        <a:buFont typeface="Arial" panose="020B0604020202020204"/>
         <a:defRPr sz="1400" b="0" i="0" u="none" strike="noStrike" cap="none">
           <a:solidFill>
             <a:srgbClr val="000000"/>
           </a:solidFill>
-          <a:latin typeface="Arial"/>
-          <a:ea typeface="Arial"/>
-          <a:cs typeface="Arial"/>
-          <a:sym typeface="Arial"/>
+          <a:latin typeface="Arial" panose="020B0604020202020204"/>
+          <a:ea typeface="Arial" panose="020B0604020202020204"/>
+          <a:cs typeface="Arial" panose="020B0604020202020204"/>
+          <a:sym typeface="Arial" panose="020B0604020202020204"/>
         </a:defRPr>
       </a:lvl7pPr>
       <a:lvl8pPr marR="0" lvl="7" algn="l" rtl="0">
@@ -24752,15 +24747,15 @@
         <a:buClr>
           <a:srgbClr val="000000"/>
         </a:buClr>
-        <a:buFont typeface="Arial"/>
+        <a:buFont typeface="Arial" panose="020B0604020202020204"/>
         <a:defRPr sz="1400" b="0" i="0" u="none" strike="noStrike" cap="none">
           <a:solidFill>
             <a:srgbClr val="000000"/>
           </a:solidFill>
-          <a:latin typeface="Arial"/>
-          <a:ea typeface="Arial"/>
-          <a:cs typeface="Arial"/>
-          <a:sym typeface="Arial"/>
+          <a:latin typeface="Arial" panose="020B0604020202020204"/>
+          <a:ea typeface="Arial" panose="020B0604020202020204"/>
+          <a:cs typeface="Arial" panose="020B0604020202020204"/>
+          <a:sym typeface="Arial" panose="020B0604020202020204"/>
         </a:defRPr>
       </a:lvl8pPr>
       <a:lvl9pPr marR="0" lvl="8" algn="l" rtl="0">
@@ -24776,15 +24771,15 @@
         <a:buClr>
           <a:srgbClr val="000000"/>
         </a:buClr>
-        <a:buFont typeface="Arial"/>
+        <a:buFont typeface="Arial" panose="020B0604020202020204"/>
         <a:defRPr sz="1400" b="0" i="0" u="none" strike="noStrike" cap="none">
           <a:solidFill>
             <a:srgbClr val="000000"/>
           </a:solidFill>
-          <a:latin typeface="Arial"/>
-          <a:ea typeface="Arial"/>
-          <a:cs typeface="Arial"/>
-          <a:sym typeface="Arial"/>
+          <a:latin typeface="Arial" panose="020B0604020202020204"/>
+          <a:ea typeface="Arial" panose="020B0604020202020204"/>
+          <a:cs typeface="Arial" panose="020B0604020202020204"/>
+          <a:sym typeface="Arial" panose="020B0604020202020204"/>
         </a:defRPr>
       </a:lvl9pPr>
     </p:bodyStyle>
@@ -24813,15 +24808,15 @@
         <a:buClr>
           <a:srgbClr val="000000"/>
         </a:buClr>
-        <a:buFont typeface="Arial"/>
+        <a:buFont typeface="Arial" panose="020B0604020202020204"/>
         <a:defRPr sz="1400" b="0" i="0" u="none" strike="noStrike" cap="none">
           <a:solidFill>
             <a:srgbClr val="000000"/>
           </a:solidFill>
-          <a:latin typeface="Arial"/>
-          <a:ea typeface="Arial"/>
-          <a:cs typeface="Arial"/>
-          <a:sym typeface="Arial"/>
+          <a:latin typeface="Arial" panose="020B0604020202020204"/>
+          <a:ea typeface="Arial" panose="020B0604020202020204"/>
+          <a:cs typeface="Arial" panose="020B0604020202020204"/>
+          <a:sym typeface="Arial" panose="020B0604020202020204"/>
         </a:defRPr>
       </a:lvl1pPr>
       <a:lvl2pPr marR="0" lvl="1" algn="l" rtl="0">
@@ -24837,15 +24832,15 @@
         <a:buClr>
           <a:srgbClr val="000000"/>
         </a:buClr>
-        <a:buFont typeface="Arial"/>
+        <a:buFont typeface="Arial" panose="020B0604020202020204"/>
         <a:defRPr sz="1400" b="0" i="0" u="none" strike="noStrike" cap="none">
           <a:solidFill>
             <a:srgbClr val="000000"/>
           </a:solidFill>
-          <a:latin typeface="Arial"/>
-          <a:ea typeface="Arial"/>
-          <a:cs typeface="Arial"/>
-          <a:sym typeface="Arial"/>
+          <a:latin typeface="Arial" panose="020B0604020202020204"/>
+          <a:ea typeface="Arial" panose="020B0604020202020204"/>
+          <a:cs typeface="Arial" panose="020B0604020202020204"/>
+          <a:sym typeface="Arial" panose="020B0604020202020204"/>
         </a:defRPr>
       </a:lvl2pPr>
       <a:lvl3pPr marR="0" lvl="2" algn="l" rtl="0">
@@ -24861,15 +24856,15 @@
         <a:buClr>
           <a:srgbClr val="000000"/>
         </a:buClr>
-        <a:buFont typeface="Arial"/>
+        <a:buFont typeface="Arial" panose="020B0604020202020204"/>
         <a:defRPr sz="1400" b="0" i="0" u="none" strike="noStrike" cap="none">
           <a:solidFill>
             <a:srgbClr val="000000"/>
           </a:solidFill>
-          <a:latin typeface="Arial"/>
-          <a:ea typeface="Arial"/>
-          <a:cs typeface="Arial"/>
-          <a:sym typeface="Arial"/>
+          <a:latin typeface="Arial" panose="020B0604020202020204"/>
+          <a:ea typeface="Arial" panose="020B0604020202020204"/>
+          <a:cs typeface="Arial" panose="020B0604020202020204"/>
+          <a:sym typeface="Arial" panose="020B0604020202020204"/>
         </a:defRPr>
       </a:lvl3pPr>
       <a:lvl4pPr marR="0" lvl="3" algn="l" rtl="0">
@@ -24885,15 +24880,15 @@
         <a:buClr>
           <a:srgbClr val="000000"/>
         </a:buClr>
-        <a:buFont typeface="Arial"/>
+        <a:buFont typeface="Arial" panose="020B0604020202020204"/>
         <a:defRPr sz="1400" b="0" i="0" u="none" strike="noStrike" cap="none">
           <a:solidFill>
             <a:srgbClr val="000000"/>
           </a:solidFill>
-          <a:latin typeface="Arial"/>
-          <a:ea typeface="Arial"/>
-          <a:cs typeface="Arial"/>
-          <a:sym typeface="Arial"/>
+          <a:latin typeface="Arial" panose="020B0604020202020204"/>
+          <a:ea typeface="Arial" panose="020B0604020202020204"/>
+          <a:cs typeface="Arial" panose="020B0604020202020204"/>
+          <a:sym typeface="Arial" panose="020B0604020202020204"/>
         </a:defRPr>
       </a:lvl4pPr>
       <a:lvl5pPr marR="0" lvl="4" algn="l" rtl="0">
@@ -24909,15 +24904,15 @@
         <a:buClr>
           <a:srgbClr val="000000"/>
         </a:buClr>
-        <a:buFont typeface="Arial"/>
+        <a:buFont typeface="Arial" panose="020B0604020202020204"/>
         <a:defRPr sz="1400" b="0" i="0" u="none" strike="noStrike" cap="none">
           <a:solidFill>
             <a:srgbClr val="000000"/>
           </a:solidFill>
-          <a:latin typeface="Arial"/>
-          <a:ea typeface="Arial"/>
-          <a:cs typeface="Arial"/>
-          <a:sym typeface="Arial"/>
+          <a:latin typeface="Arial" panose="020B0604020202020204"/>
+          <a:ea typeface="Arial" panose="020B0604020202020204"/>
+          <a:cs typeface="Arial" panose="020B0604020202020204"/>
+          <a:sym typeface="Arial" panose="020B0604020202020204"/>
         </a:defRPr>
       </a:lvl5pPr>
       <a:lvl6pPr marR="0" lvl="5" algn="l" rtl="0">
@@ -24933,15 +24928,15 @@
         <a:buClr>
           <a:srgbClr val="000000"/>
         </a:buClr>
-        <a:buFont typeface="Arial"/>
+        <a:buFont typeface="Arial" panose="020B0604020202020204"/>
         <a:defRPr sz="1400" b="0" i="0" u="none" strike="noStrike" cap="none">
           <a:solidFill>
             <a:srgbClr val="000000"/>
           </a:solidFill>
-          <a:latin typeface="Arial"/>
-          <a:ea typeface="Arial"/>
-          <a:cs typeface="Arial"/>
-          <a:sym typeface="Arial"/>
+          <a:latin typeface="Arial" panose="020B0604020202020204"/>
+          <a:ea typeface="Arial" panose="020B0604020202020204"/>
+          <a:cs typeface="Arial" panose="020B0604020202020204"/>
+          <a:sym typeface="Arial" panose="020B0604020202020204"/>
         </a:defRPr>
       </a:lvl6pPr>
       <a:lvl7pPr marR="0" lvl="6" algn="l" rtl="0">
@@ -24957,15 +24952,15 @@
         <a:buClr>
           <a:srgbClr val="000000"/>
         </a:buClr>
-        <a:buFont typeface="Arial"/>
+        <a:buFont typeface="Arial" panose="020B0604020202020204"/>
         <a:defRPr sz="1400" b="0" i="0" u="none" strike="noStrike" cap="none">
           <a:solidFill>
             <a:srgbClr val="000000"/>
           </a:solidFill>
-          <a:latin typeface="Arial"/>
-          <a:ea typeface="Arial"/>
-          <a:cs typeface="Arial"/>
-          <a:sym typeface="Arial"/>
+          <a:latin typeface="Arial" panose="020B0604020202020204"/>
+          <a:ea typeface="Arial" panose="020B0604020202020204"/>
+          <a:cs typeface="Arial" panose="020B0604020202020204"/>
+          <a:sym typeface="Arial" panose="020B0604020202020204"/>
         </a:defRPr>
       </a:lvl7pPr>
       <a:lvl8pPr marR="0" lvl="7" algn="l" rtl="0">
@@ -24981,15 +24976,15 @@
         <a:buClr>
           <a:srgbClr val="000000"/>
         </a:buClr>
-        <a:buFont typeface="Arial"/>
+        <a:buFont typeface="Arial" panose="020B0604020202020204"/>
         <a:defRPr sz="1400" b="0" i="0" u="none" strike="noStrike" cap="none">
           <a:solidFill>
             <a:srgbClr val="000000"/>
           </a:solidFill>
-          <a:latin typeface="Arial"/>
-          <a:ea typeface="Arial"/>
-          <a:cs typeface="Arial"/>
-          <a:sym typeface="Arial"/>
+          <a:latin typeface="Arial" panose="020B0604020202020204"/>
+          <a:ea typeface="Arial" panose="020B0604020202020204"/>
+          <a:cs typeface="Arial" panose="020B0604020202020204"/>
+          <a:sym typeface="Arial" panose="020B0604020202020204"/>
         </a:defRPr>
       </a:lvl8pPr>
       <a:lvl9pPr marR="0" lvl="8" algn="l" rtl="0">
@@ -25005,15 +25000,15 @@
         <a:buClr>
           <a:srgbClr val="000000"/>
         </a:buClr>
-        <a:buFont typeface="Arial"/>
+        <a:buFont typeface="Arial" panose="020B0604020202020204"/>
         <a:defRPr sz="1400" b="0" i="0" u="none" strike="noStrike" cap="none">
           <a:solidFill>
             <a:srgbClr val="000000"/>
           </a:solidFill>
-          <a:latin typeface="Arial"/>
-          <a:ea typeface="Arial"/>
-          <a:cs typeface="Arial"/>
-          <a:sym typeface="Arial"/>
+          <a:latin typeface="Arial" panose="020B0604020202020204"/>
+          <a:ea typeface="Arial" panose="020B0604020202020204"/>
+          <a:cs typeface="Arial" panose="020B0604020202020204"/>
+          <a:sym typeface="Arial" panose="020B0604020202020204"/>
         </a:defRPr>
       </a:lvl9pPr>
     </p:otherStyle>
@@ -25081,7 +25076,7 @@
                 <a:schemeClr val="accent1"/>
               </a:buClr>
               <a:buSzPts val="4400"/>
-              <a:buFont typeface="Arial"/>
+              <a:buFont typeface="Arial" panose="020B0604020202020204"/>
               <a:buNone/>
             </a:pPr>
             <a:r>
@@ -25097,13 +25092,13 @@
   <p:clrMapOvr>
     <a:masterClrMapping/>
   </p:clrMapOvr>
-  <mc:AlternateContent xmlns:mc="http://schemas.openxmlformats.org/markup-compatibility/2006" xmlns:p14="http://schemas.microsoft.com/office/powerpoint/2010/main">
-    <mc:Choice Requires="p14">
+  <mc:AlternateContent xmlns:mc="http://schemas.openxmlformats.org/markup-compatibility/2006">
+    <mc:Choice xmlns:p14="http://schemas.microsoft.com/office/powerpoint/2010/main" Requires="p14">
       <p:transition p14:dur="100">
         <p:cut/>
       </p:transition>
     </mc:Choice>
-    <mc:Fallback xmlns="">
+    <mc:Fallback>
       <p:transition>
         <p:cut/>
       </p:transition>
@@ -25131,13 +25126,7 @@
       </p:grpSpPr>
       <p:sp>
         <p:nvSpPr>
-          <p:cNvPr id="2" name="Title 1">
-            <a:extLst>
-              <a:ext uri="{FF2B5EF4-FFF2-40B4-BE49-F238E27FC236}">
-                <a16:creationId xmlns:a16="http://schemas.microsoft.com/office/drawing/2014/main" id="{437930B4-E996-4435-B9F1-D407853E2C03}"/>
-              </a:ext>
-            </a:extLst>
-          </p:cNvPr>
+          <p:cNvPr id="2" name="Title 1"/>
           <p:cNvSpPr>
             <a:spLocks noGrp="1"/>
           </p:cNvSpPr>
@@ -25154,18 +25143,13 @@
               <a:rPr lang="en-US" dirty="0"/>
               <a:t>Joins</a:t>
             </a:r>
+            <a:endParaRPr lang="en-US" dirty="0"/>
           </a:p>
         </p:txBody>
       </p:sp>
       <p:sp>
         <p:nvSpPr>
-          <p:cNvPr id="3" name="Text Placeholder 2">
-            <a:extLst>
-              <a:ext uri="{FF2B5EF4-FFF2-40B4-BE49-F238E27FC236}">
-                <a16:creationId xmlns:a16="http://schemas.microsoft.com/office/drawing/2014/main" id="{0C6BA468-B2FB-4410-8CC4-82872A4103B6}"/>
-              </a:ext>
-            </a:extLst>
-          </p:cNvPr>
+          <p:cNvPr id="3" name="Text Placeholder 2"/>
           <p:cNvSpPr>
             <a:spLocks noGrp="1"/>
           </p:cNvSpPr>
@@ -25193,6 +25177,7 @@
               <a:rPr lang="en-US" dirty="0"/>
               <a:t> joins </a:t>
             </a:r>
+            <a:endParaRPr lang="en-US" dirty="0"/>
           </a:p>
           <a:p>
             <a:pPr lvl="1"/>
@@ -25216,12 +25201,14 @@
               <a:rPr lang="en-US" dirty="0"/>
               <a:t> joins are SQL Outer join and SQL Inner join. </a:t>
             </a:r>
+            <a:endParaRPr lang="en-US" dirty="0"/>
           </a:p>
           <a:p>
             <a:r>
               <a:rPr lang="en-US" dirty="0"/>
               <a:t>Inner Join (a.k.a. ‘natural’ join)</a:t>
             </a:r>
+            <a:endParaRPr lang="en-US" dirty="0"/>
           </a:p>
           <a:p>
             <a:pPr lvl="1"/>
@@ -25245,12 +25232,14 @@
               <a:rPr lang="en-US" dirty="0"/>
               <a:t> join condition specified. </a:t>
             </a:r>
+            <a:endParaRPr lang="en-US" dirty="0"/>
           </a:p>
           <a:p>
             <a:r>
               <a:rPr lang="en-US" dirty="0"/>
               <a:t>Outer Join</a:t>
             </a:r>
+            <a:endParaRPr lang="en-US" dirty="0"/>
           </a:p>
           <a:p>
             <a:pPr lvl="1"/>
@@ -25266,6 +25255,7 @@
               <a:rPr lang="en-US" dirty="0"/>
               <a:t> join returns all rows from both tables which satisfy the join condition along with rows which do not satisfy the join condition from one of the tables. </a:t>
             </a:r>
+            <a:endParaRPr lang="en-US" dirty="0"/>
           </a:p>
           <a:p>
             <a:pPr lvl="1"/>
@@ -25273,6 +25263,7 @@
               <a:rPr lang="en-US" dirty="0"/>
               <a:t>Full, Left and Right joins are all considered types of outer joins</a:t>
             </a:r>
+            <a:endParaRPr lang="en-US" dirty="0"/>
           </a:p>
           <a:p>
             <a:r>
@@ -25287,6 +25278,7 @@
               <a:rPr lang="en-US" dirty="0"/>
               <a:t> joins (a.k.a. theta joins)</a:t>
             </a:r>
+            <a:endParaRPr lang="en-US" dirty="0"/>
           </a:p>
           <a:p>
             <a:pPr lvl="1"/>
@@ -25302,18 +25294,13 @@
               <a:rPr lang="en-US" dirty="0"/>
               <a:t> join condition which makes use of some comparison operator other than the equal sign like &gt;, &lt;, &gt;=, &lt;= </a:t>
             </a:r>
+            <a:endParaRPr lang="en-US" dirty="0"/>
           </a:p>
         </p:txBody>
       </p:sp>
       <p:sp>
         <p:nvSpPr>
-          <p:cNvPr id="4" name="Slide Number Placeholder 3">
-            <a:extLst>
-              <a:ext uri="{FF2B5EF4-FFF2-40B4-BE49-F238E27FC236}">
-                <a16:creationId xmlns:a16="http://schemas.microsoft.com/office/drawing/2014/main" id="{483A7CCD-D4F0-4527-9651-963B2389435E}"/>
-              </a:ext>
-            </a:extLst>
-          </p:cNvPr>
+          <p:cNvPr id="4" name="Slide Number Placeholder 3"/>
           <p:cNvSpPr>
             <a:spLocks noGrp="1"/>
           </p:cNvSpPr>
@@ -25337,18 +25324,12 @@
             </a:pPr>
             <a:fld id="{00000000-1234-1234-1234-123412341234}" type="slidenum">
               <a:rPr lang="en-US" smtClean="0"/>
-              <a:t>1</a:t>
             </a:fld>
             <a:endParaRPr lang="en-US"/>
           </a:p>
         </p:txBody>
       </p:sp>
     </p:spTree>
-    <p:extLst>
-      <p:ext uri="{BB962C8B-B14F-4D97-AF65-F5344CB8AC3E}">
-        <p14:creationId xmlns:p14="http://schemas.microsoft.com/office/powerpoint/2010/main" val="928918268"/>
-      </p:ext>
-    </p:extLst>
   </p:cSld>
   <p:clrMapOvr>
     <a:masterClrMapping/>
@@ -25375,13 +25356,7 @@
       </p:grpSpPr>
       <p:sp>
         <p:nvSpPr>
-          <p:cNvPr id="2" name="Title 1">
-            <a:extLst>
-              <a:ext uri="{FF2B5EF4-FFF2-40B4-BE49-F238E27FC236}">
-                <a16:creationId xmlns:a16="http://schemas.microsoft.com/office/drawing/2014/main" id="{437930B4-E996-4435-B9F1-D407853E2C03}"/>
-              </a:ext>
-            </a:extLst>
-          </p:cNvPr>
+          <p:cNvPr id="2" name="Title 1"/>
           <p:cNvSpPr>
             <a:spLocks noGrp="1"/>
           </p:cNvSpPr>
@@ -25398,18 +25373,13 @@
               <a:rPr lang="en-US" dirty="0"/>
               <a:t>Joins</a:t>
             </a:r>
+            <a:endParaRPr lang="en-US" dirty="0"/>
           </a:p>
         </p:txBody>
       </p:sp>
       <p:sp>
         <p:nvSpPr>
-          <p:cNvPr id="4" name="Slide Number Placeholder 3">
-            <a:extLst>
-              <a:ext uri="{FF2B5EF4-FFF2-40B4-BE49-F238E27FC236}">
-                <a16:creationId xmlns:a16="http://schemas.microsoft.com/office/drawing/2014/main" id="{483A7CCD-D4F0-4527-9651-963B2389435E}"/>
-              </a:ext>
-            </a:extLst>
-          </p:cNvPr>
+          <p:cNvPr id="4" name="Slide Number Placeholder 3"/>
           <p:cNvSpPr>
             <a:spLocks noGrp="1"/>
           </p:cNvSpPr>
@@ -25433,7 +25403,6 @@
             </a:pPr>
             <a:fld id="{00000000-1234-1234-1234-123412341234}" type="slidenum">
               <a:rPr lang="en-US" smtClean="0"/>
-              <a:t>2</a:t>
             </a:fld>
             <a:endParaRPr lang="en-US"/>
           </a:p>
@@ -25441,20 +25410,14 @@
       </p:sp>
       <p:pic>
         <p:nvPicPr>
-          <p:cNvPr id="5" name="Content Placeholder 5">
-            <a:extLst>
-              <a:ext uri="{FF2B5EF4-FFF2-40B4-BE49-F238E27FC236}">
-                <a16:creationId xmlns:a16="http://schemas.microsoft.com/office/drawing/2014/main" id="{0AE3A1DE-C283-4B35-884E-FD0310EAD9F9}"/>
-              </a:ext>
-            </a:extLst>
-          </p:cNvPr>
+          <p:cNvPr id="5" name="Content Placeholder 5"/>
           <p:cNvPicPr>
             <a:picLocks noGrp="1" noChangeAspect="1"/>
           </p:cNvPicPr>
           <p:nvPr/>
         </p:nvPicPr>
         <p:blipFill>
-          <a:blip r:embed="rId2">
+          <a:blip r:embed="rId1">
             <a:extLst>
               <a:ext uri="{28A0092B-C50C-407E-A947-70E740481C1C}">
                 <a14:useLocalDpi xmlns:a14="http://schemas.microsoft.com/office/drawing/2010/main" val="0"/>
@@ -25499,11 +25462,6 @@
         </p:spPr>
       </p:pic>
     </p:spTree>
-    <p:extLst>
-      <p:ext uri="{BB962C8B-B14F-4D97-AF65-F5344CB8AC3E}">
-        <p14:creationId xmlns:p14="http://schemas.microsoft.com/office/powerpoint/2010/main" val="560681816"/>
-      </p:ext>
-    </p:extLst>
   </p:cSld>
   <p:clrMapOvr>
     <a:masterClrMapping/>
@@ -25530,13 +25488,7 @@
       </p:grpSpPr>
       <p:sp>
         <p:nvSpPr>
-          <p:cNvPr id="2" name="Title 1">
-            <a:extLst>
-              <a:ext uri="{FF2B5EF4-FFF2-40B4-BE49-F238E27FC236}">
-                <a16:creationId xmlns:a16="http://schemas.microsoft.com/office/drawing/2014/main" id="{437930B4-E996-4435-B9F1-D407853E2C03}"/>
-              </a:ext>
-            </a:extLst>
-          </p:cNvPr>
+          <p:cNvPr id="2" name="Title 1"/>
           <p:cNvSpPr>
             <a:spLocks noGrp="1"/>
           </p:cNvSpPr>
@@ -25553,18 +25505,13 @@
               <a:rPr lang="en-US" dirty="0"/>
               <a:t>Set Operations and Unions</a:t>
             </a:r>
+            <a:endParaRPr lang="en-US" dirty="0"/>
           </a:p>
         </p:txBody>
       </p:sp>
       <p:sp>
         <p:nvSpPr>
-          <p:cNvPr id="3" name="Text Placeholder 2">
-            <a:extLst>
-              <a:ext uri="{FF2B5EF4-FFF2-40B4-BE49-F238E27FC236}">
-                <a16:creationId xmlns:a16="http://schemas.microsoft.com/office/drawing/2014/main" id="{0C6BA468-B2FB-4410-8CC4-82872A4103B6}"/>
-              </a:ext>
-            </a:extLst>
-          </p:cNvPr>
+          <p:cNvPr id="3" name="Text Placeholder 2"/>
           <p:cNvSpPr>
             <a:spLocks noGrp="1"/>
           </p:cNvSpPr>
@@ -25588,6 +25535,7 @@
               <a:rPr lang="en-US" dirty="0"/>
               <a:t>Set operations are used to manipulate two result sets, or the results of two select statements.</a:t>
             </a:r>
+            <a:endParaRPr lang="en-US" dirty="0"/>
           </a:p>
           <a:p>
             <a:r>
@@ -25598,12 +25546,14 @@
               <a:rPr lang="en-US" dirty="0"/>
               <a:t> supports the UNION, INTERSECT and EXCEPT operations.</a:t>
             </a:r>
+            <a:endParaRPr lang="en-US" dirty="0"/>
           </a:p>
           <a:p>
             <a:r>
               <a:rPr lang="en-US" dirty="0"/>
               <a:t>We can optionally use the ALL keyword with a set operation to select all duplicate values.</a:t>
             </a:r>
+            <a:endParaRPr lang="en-US" dirty="0"/>
           </a:p>
           <a:p>
             <a:endParaRPr lang="en-US" dirty="0"/>
@@ -25612,13 +25562,7 @@
       </p:sp>
       <p:sp>
         <p:nvSpPr>
-          <p:cNvPr id="4" name="Slide Number Placeholder 3">
-            <a:extLst>
-              <a:ext uri="{FF2B5EF4-FFF2-40B4-BE49-F238E27FC236}">
-                <a16:creationId xmlns:a16="http://schemas.microsoft.com/office/drawing/2014/main" id="{483A7CCD-D4F0-4527-9651-963B2389435E}"/>
-              </a:ext>
-            </a:extLst>
-          </p:cNvPr>
+          <p:cNvPr id="4" name="Slide Number Placeholder 3"/>
           <p:cNvSpPr>
             <a:spLocks noGrp="1"/>
           </p:cNvSpPr>
@@ -25642,7 +25586,6 @@
             </a:pPr>
             <a:fld id="{00000000-1234-1234-1234-123412341234}" type="slidenum">
               <a:rPr lang="en-US" smtClean="0"/>
-              <a:t>3</a:t>
             </a:fld>
             <a:endParaRPr lang="en-US"/>
           </a:p>
@@ -25650,13 +25593,7 @@
       </p:sp>
       <p:sp>
         <p:nvSpPr>
-          <p:cNvPr id="5" name="Rectangle 4">
-            <a:extLst>
-              <a:ext uri="{FF2B5EF4-FFF2-40B4-BE49-F238E27FC236}">
-                <a16:creationId xmlns:a16="http://schemas.microsoft.com/office/drawing/2014/main" id="{D8015058-E1BA-4456-A3C3-F178C2BBB981}"/>
-              </a:ext>
-            </a:extLst>
-          </p:cNvPr>
+          <p:cNvPr id="5" name="Rectangle 4"/>
           <p:cNvSpPr/>
           <p:nvPr/>
         </p:nvSpPr>
@@ -25693,6 +25630,7 @@
               <a:rPr lang="en-US" sz="4000" dirty="0"/>
               <a:t>query1 UNION [optional ALL] query2</a:t>
             </a:r>
+            <a:endParaRPr lang="en-US" sz="4000" dirty="0"/>
           </a:p>
           <a:p>
             <a:endParaRPr lang="en-US" sz="4000" dirty="0"/>
@@ -25702,6 +25640,7 @@
               <a:rPr lang="en-US" sz="4000" dirty="0"/>
               <a:t>query1 INTERSECT [optional ALL] query2</a:t>
             </a:r>
+            <a:endParaRPr lang="en-US" sz="4000" dirty="0"/>
           </a:p>
           <a:p>
             <a:endParaRPr lang="en-US" sz="4000" dirty="0"/>
@@ -25711,15 +25650,11 @@
               <a:rPr lang="en-US" sz="4000" dirty="0"/>
               <a:t>query1 EXCEPT [optional ALL] query2</a:t>
             </a:r>
+            <a:endParaRPr lang="en-US" sz="4000" dirty="0"/>
           </a:p>
         </p:txBody>
       </p:sp>
     </p:spTree>
-    <p:extLst>
-      <p:ext uri="{BB962C8B-B14F-4D97-AF65-F5344CB8AC3E}">
-        <p14:creationId xmlns:p14="http://schemas.microsoft.com/office/powerpoint/2010/main" val="741110649"/>
-      </p:ext>
-    </p:extLst>
   </p:cSld>
   <p:clrMapOvr>
     <a:masterClrMapping/>
@@ -25746,13 +25681,7 @@
       </p:grpSpPr>
       <p:sp>
         <p:nvSpPr>
-          <p:cNvPr id="2" name="Title 1">
-            <a:extLst>
-              <a:ext uri="{FF2B5EF4-FFF2-40B4-BE49-F238E27FC236}">
-                <a16:creationId xmlns:a16="http://schemas.microsoft.com/office/drawing/2014/main" id="{437930B4-E996-4435-B9F1-D407853E2C03}"/>
-              </a:ext>
-            </a:extLst>
-          </p:cNvPr>
+          <p:cNvPr id="2" name="Title 1"/>
           <p:cNvSpPr>
             <a:spLocks noGrp="1"/>
           </p:cNvSpPr>
@@ -25769,18 +25698,13 @@
               <a:rPr lang="en-US" dirty="0"/>
               <a:t>Unions</a:t>
             </a:r>
+            <a:endParaRPr lang="en-US" dirty="0"/>
           </a:p>
         </p:txBody>
       </p:sp>
       <p:sp>
         <p:nvSpPr>
-          <p:cNvPr id="4" name="Slide Number Placeholder 3">
-            <a:extLst>
-              <a:ext uri="{FF2B5EF4-FFF2-40B4-BE49-F238E27FC236}">
-                <a16:creationId xmlns:a16="http://schemas.microsoft.com/office/drawing/2014/main" id="{483A7CCD-D4F0-4527-9651-963B2389435E}"/>
-              </a:ext>
-            </a:extLst>
-          </p:cNvPr>
+          <p:cNvPr id="4" name="Slide Number Placeholder 3"/>
           <p:cNvSpPr>
             <a:spLocks noGrp="1"/>
           </p:cNvSpPr>
@@ -25804,7 +25728,6 @@
             </a:pPr>
             <a:fld id="{00000000-1234-1234-1234-123412341234}" type="slidenum">
               <a:rPr lang="en-US" smtClean="0"/>
-              <a:t>4</a:t>
             </a:fld>
             <a:endParaRPr lang="en-US"/>
           </a:p>
@@ -25812,20 +25735,14 @@
       </p:sp>
       <p:pic>
         <p:nvPicPr>
-          <p:cNvPr id="6" name="Picture 5" descr="Chart, bubble chart&#10;&#10;Description automatically generated">
-            <a:extLst>
-              <a:ext uri="{FF2B5EF4-FFF2-40B4-BE49-F238E27FC236}">
-                <a16:creationId xmlns:a16="http://schemas.microsoft.com/office/drawing/2014/main" id="{E4A2D13E-3932-4F75-85EB-D909CA60D44C}"/>
-              </a:ext>
-            </a:extLst>
-          </p:cNvPr>
+          <p:cNvPr id="6" name="Picture 5" descr="Chart, bubble chart&#10;&#10;Description automatically generated"/>
           <p:cNvPicPr>
             <a:picLocks noChangeAspect="1"/>
           </p:cNvPicPr>
           <p:nvPr/>
         </p:nvPicPr>
         <p:blipFill>
-          <a:blip r:embed="rId2"/>
+          <a:blip r:embed="rId1"/>
           <a:stretch>
             <a:fillRect/>
           </a:stretch>
@@ -25841,11 +25758,6 @@
         </p:spPr>
       </p:pic>
     </p:spTree>
-    <p:extLst>
-      <p:ext uri="{BB962C8B-B14F-4D97-AF65-F5344CB8AC3E}">
-        <p14:creationId xmlns:p14="http://schemas.microsoft.com/office/powerpoint/2010/main" val="2264061786"/>
-      </p:ext>
-    </p:extLst>
   </p:cSld>
   <p:clrMapOvr>
     <a:masterClrMapping/>
@@ -25872,13 +25784,7 @@
       </p:grpSpPr>
       <p:sp>
         <p:nvSpPr>
-          <p:cNvPr id="2" name="Title 1">
-            <a:extLst>
-              <a:ext uri="{FF2B5EF4-FFF2-40B4-BE49-F238E27FC236}">
-                <a16:creationId xmlns:a16="http://schemas.microsoft.com/office/drawing/2014/main" id="{437930B4-E996-4435-B9F1-D407853E2C03}"/>
-              </a:ext>
-            </a:extLst>
-          </p:cNvPr>
+          <p:cNvPr id="2" name="Title 1"/>
           <p:cNvSpPr>
             <a:spLocks noGrp="1"/>
           </p:cNvSpPr>
@@ -25895,18 +25801,13 @@
               <a:rPr lang="en-US" dirty="0"/>
               <a:t>Joins vs Unions</a:t>
             </a:r>
+            <a:endParaRPr lang="en-US" dirty="0"/>
           </a:p>
         </p:txBody>
       </p:sp>
       <p:sp>
         <p:nvSpPr>
-          <p:cNvPr id="4" name="Slide Number Placeholder 3">
-            <a:extLst>
-              <a:ext uri="{FF2B5EF4-FFF2-40B4-BE49-F238E27FC236}">
-                <a16:creationId xmlns:a16="http://schemas.microsoft.com/office/drawing/2014/main" id="{483A7CCD-D4F0-4527-9651-963B2389435E}"/>
-              </a:ext>
-            </a:extLst>
-          </p:cNvPr>
+          <p:cNvPr id="4" name="Slide Number Placeholder 3"/>
           <p:cNvSpPr>
             <a:spLocks noGrp="1"/>
           </p:cNvSpPr>
@@ -25930,7 +25831,6 @@
             </a:pPr>
             <a:fld id="{00000000-1234-1234-1234-123412341234}" type="slidenum">
               <a:rPr lang="en-US" smtClean="0"/>
-              <a:t>5</a:t>
             </a:fld>
             <a:endParaRPr lang="en-US"/>
           </a:p>
@@ -25938,20 +25838,14 @@
       </p:sp>
       <p:pic>
         <p:nvPicPr>
-          <p:cNvPr id="1026" name="Picture 2" descr="enter image description here">
-            <a:extLst>
-              <a:ext uri="{FF2B5EF4-FFF2-40B4-BE49-F238E27FC236}">
-                <a16:creationId xmlns:a16="http://schemas.microsoft.com/office/drawing/2014/main" id="{0C90396B-33B9-4D55-B17E-32A39F14E48A}"/>
-              </a:ext>
-            </a:extLst>
-          </p:cNvPr>
+          <p:cNvPr id="1026" name="Picture 2" descr="enter image description here"/>
           <p:cNvPicPr>
             <a:picLocks noChangeAspect="1" noChangeArrowheads="1"/>
           </p:cNvPicPr>
           <p:nvPr/>
         </p:nvPicPr>
         <p:blipFill>
-          <a:blip r:embed="rId2">
+          <a:blip r:embed="rId1">
             <a:extLst>
               <a:ext uri="{28A0092B-C50C-407E-A947-70E740481C1C}">
                 <a14:useLocalDpi xmlns:a14="http://schemas.microsoft.com/office/drawing/2010/main" val="0"/>
@@ -25985,20 +25879,14 @@
       </p:pic>
       <p:pic>
         <p:nvPicPr>
-          <p:cNvPr id="1028" name="Picture 4" descr="enter image description here">
-            <a:extLst>
-              <a:ext uri="{FF2B5EF4-FFF2-40B4-BE49-F238E27FC236}">
-                <a16:creationId xmlns:a16="http://schemas.microsoft.com/office/drawing/2014/main" id="{7DD762E5-AFEF-4930-9208-FCC651E85B0E}"/>
-              </a:ext>
-            </a:extLst>
-          </p:cNvPr>
+          <p:cNvPr id="1028" name="Picture 4" descr="enter image description here"/>
           <p:cNvPicPr>
             <a:picLocks noChangeAspect="1" noChangeArrowheads="1"/>
           </p:cNvPicPr>
           <p:nvPr/>
         </p:nvPicPr>
         <p:blipFill>
-          <a:blip r:embed="rId3">
+          <a:blip r:embed="rId2">
             <a:extLst>
               <a:ext uri="{28A0092B-C50C-407E-A947-70E740481C1C}">
                 <a14:useLocalDpi xmlns:a14="http://schemas.microsoft.com/office/drawing/2010/main" val="0"/>
@@ -26032,13 +25920,7 @@
       </p:pic>
       <p:sp>
         <p:nvSpPr>
-          <p:cNvPr id="7" name="Text Placeholder 2">
-            <a:extLst>
-              <a:ext uri="{FF2B5EF4-FFF2-40B4-BE49-F238E27FC236}">
-                <a16:creationId xmlns:a16="http://schemas.microsoft.com/office/drawing/2014/main" id="{BF924409-4DB7-4ECD-8982-86AC2C678DC3}"/>
-              </a:ext>
-            </a:extLst>
-          </p:cNvPr>
+          <p:cNvPr id="7" name="Text Placeholder 2"/>
           <p:cNvSpPr>
             <a:spLocks noGrp="1"/>
           </p:cNvSpPr>
@@ -26062,6 +25944,7 @@
               <a:rPr lang="en-US" dirty="0"/>
               <a:t>Join statements will return a result which combines columns from each table</a:t>
             </a:r>
+            <a:endParaRPr lang="en-US" dirty="0"/>
           </a:p>
           <a:p>
             <a:endParaRPr lang="en-US" dirty="0"/>
@@ -26071,15 +25954,11 @@
               <a:rPr lang="en-US" dirty="0"/>
               <a:t>Unions will return a result which combines rows from each table</a:t>
             </a:r>
+            <a:endParaRPr lang="en-US" dirty="0"/>
           </a:p>
         </p:txBody>
       </p:sp>
     </p:spTree>
-    <p:extLst>
-      <p:ext uri="{BB962C8B-B14F-4D97-AF65-F5344CB8AC3E}">
-        <p14:creationId xmlns:p14="http://schemas.microsoft.com/office/powerpoint/2010/main" val="1000428963"/>
-      </p:ext>
-    </p:extLst>
   </p:cSld>
   <p:clrMapOvr>
     <a:masterClrMapping/>
@@ -26106,13 +25985,7 @@
       </p:grpSpPr>
       <p:sp>
         <p:nvSpPr>
-          <p:cNvPr id="2" name="Title 1">
-            <a:extLst>
-              <a:ext uri="{FF2B5EF4-FFF2-40B4-BE49-F238E27FC236}">
-                <a16:creationId xmlns:a16="http://schemas.microsoft.com/office/drawing/2014/main" id="{437930B4-E996-4435-B9F1-D407853E2C03}"/>
-              </a:ext>
-            </a:extLst>
-          </p:cNvPr>
+          <p:cNvPr id="2" name="Title 1"/>
           <p:cNvSpPr>
             <a:spLocks noGrp="1"/>
           </p:cNvSpPr>
@@ -26129,18 +26002,13 @@
               <a:rPr lang="en-US" dirty="0"/>
               <a:t>Sub Queries</a:t>
             </a:r>
+            <a:endParaRPr lang="en-US" dirty="0"/>
           </a:p>
         </p:txBody>
       </p:sp>
       <p:sp>
         <p:nvSpPr>
-          <p:cNvPr id="3" name="Text Placeholder 2">
-            <a:extLst>
-              <a:ext uri="{FF2B5EF4-FFF2-40B4-BE49-F238E27FC236}">
-                <a16:creationId xmlns:a16="http://schemas.microsoft.com/office/drawing/2014/main" id="{0C6BA468-B2FB-4410-8CC4-82872A4103B6}"/>
-              </a:ext>
-            </a:extLst>
-          </p:cNvPr>
+          <p:cNvPr id="3" name="Text Placeholder 2"/>
           <p:cNvSpPr>
             <a:spLocks noGrp="1"/>
           </p:cNvSpPr>
@@ -26172,18 +26040,13 @@
               <a:rPr lang="en-US" dirty="0"/>
               <a:t>, or inside of another subquery. EX:</a:t>
             </a:r>
+            <a:endParaRPr lang="en-US" dirty="0"/>
           </a:p>
         </p:txBody>
       </p:sp>
       <p:sp>
         <p:nvSpPr>
-          <p:cNvPr id="4" name="Slide Number Placeholder 3">
-            <a:extLst>
-              <a:ext uri="{FF2B5EF4-FFF2-40B4-BE49-F238E27FC236}">
-                <a16:creationId xmlns:a16="http://schemas.microsoft.com/office/drawing/2014/main" id="{483A7CCD-D4F0-4527-9651-963B2389435E}"/>
-              </a:ext>
-            </a:extLst>
-          </p:cNvPr>
+          <p:cNvPr id="4" name="Slide Number Placeholder 3"/>
           <p:cNvSpPr>
             <a:spLocks noGrp="1"/>
           </p:cNvSpPr>
@@ -26207,7 +26070,6 @@
             </a:pPr>
             <a:fld id="{00000000-1234-1234-1234-123412341234}" type="slidenum">
               <a:rPr lang="en-US" smtClean="0"/>
-              <a:t>6</a:t>
             </a:fld>
             <a:endParaRPr lang="en-US"/>
           </a:p>
@@ -26215,13 +26077,7 @@
       </p:sp>
       <p:sp>
         <p:nvSpPr>
-          <p:cNvPr id="5" name="Rectangle 4">
-            <a:extLst>
-              <a:ext uri="{FF2B5EF4-FFF2-40B4-BE49-F238E27FC236}">
-                <a16:creationId xmlns:a16="http://schemas.microsoft.com/office/drawing/2014/main" id="{C0B6ED19-C004-4F46-B391-ACD0A0B600EB}"/>
-              </a:ext>
-            </a:extLst>
-          </p:cNvPr>
+          <p:cNvPr id="5" name="Rectangle 4"/>
           <p:cNvSpPr/>
           <p:nvPr/>
         </p:nvSpPr>
@@ -26258,6 +26114,7 @@
               <a:rPr lang="en-US" sz="4000" b="1" dirty="0"/>
               <a:t>SELECT</a:t>
             </a:r>
+            <a:endParaRPr lang="en-US" sz="4000" b="1" dirty="0"/>
           </a:p>
           <a:p>
             <a:r>
@@ -26275,6 +26132,7 @@
               <a:rPr lang="en-US" sz="4000" b="1" dirty="0"/>
               <a:t>FROM</a:t>
             </a:r>
+            <a:endParaRPr lang="en-US" sz="4000" b="1" dirty="0"/>
           </a:p>
           <a:p>
             <a:r>
@@ -26292,6 +26150,7 @@
               <a:rPr lang="en-US" sz="4000" b="1" dirty="0"/>
               <a:t>WHERE</a:t>
             </a:r>
+            <a:endParaRPr lang="en-US" sz="4000" b="1" dirty="0"/>
           </a:p>
           <a:p>
             <a:r>
@@ -26302,6 +26161,7 @@
               <a:rPr lang="en-US" sz="4000" b="1" dirty="0"/>
               <a:t>SELECT</a:t>
             </a:r>
+            <a:endParaRPr lang="en-US" sz="4000" b="1" dirty="0"/>
           </a:p>
           <a:p>
             <a:r>
@@ -26316,6 +26176,7 @@
               <a:rPr lang="en-US" sz="4000" dirty="0"/>
               <a:t>)</a:t>
             </a:r>
+            <a:endParaRPr lang="en-US" sz="4000" dirty="0"/>
           </a:p>
           <a:p>
             <a:r>
@@ -26326,6 +26187,7 @@
               <a:rPr lang="en-US" sz="4000" b="1" dirty="0"/>
               <a:t>FROM</a:t>
             </a:r>
+            <a:endParaRPr lang="en-US" sz="4000" b="1" dirty="0"/>
           </a:p>
           <a:p>
             <a:r>
@@ -26343,15 +26205,11 @@
               <a:rPr lang="en-US" sz="4000" dirty="0"/>
               <a:t>	);</a:t>
             </a:r>
+            <a:endParaRPr lang="en-US" sz="4000" dirty="0"/>
           </a:p>
         </p:txBody>
       </p:sp>
     </p:spTree>
-    <p:extLst>
-      <p:ext uri="{BB962C8B-B14F-4D97-AF65-F5344CB8AC3E}">
-        <p14:creationId xmlns:p14="http://schemas.microsoft.com/office/powerpoint/2010/main" val="3322754731"/>
-      </p:ext>
-    </p:extLst>
   </p:cSld>
   <p:clrMapOvr>
     <a:masterClrMapping/>
@@ -26416,10 +26274,9 @@
                 <a:schemeClr val="dk2"/>
               </a:buClr>
               <a:buSzPts val="2400"/>
-              <a:buFont typeface="Arial"/>
+              <a:buFont typeface="Arial" panose="020B0604020202020204"/>
               <a:buNone/>
             </a:pPr>
-            <a:endParaRPr/>
           </a:p>
         </p:txBody>
       </p:sp>
@@ -26463,9 +26320,8 @@
             </a:pPr>
             <a:fld id="{00000000-1234-1234-1234-123412341234}" type="slidenum">
               <a:rPr lang="en-US"/>
-              <a:t>7</a:t>
             </a:fld>
-            <a:endParaRPr/>
+            <a:endParaRPr lang="en-US"/>
           </a:p>
         </p:txBody>
       </p:sp>
@@ -26753,8 +26609,11 @@
       </a:bgFillStyleLst>
     </a:fmtScheme>
   </a:themeElements>
-  <a:objectDefaults/>
-  <a:extraClrSchemeLst/>
+  <a:extLst>
+    <a:ext uri="{05A4C25C-085E-4340-85A3-A5531E510DB2}">
+      <thm15:themeFamily xmlns:thm15="http://schemas.microsoft.com/office/thememl/2012/main" name="Office Theme" id="{62F939B6-93AF-4DB8-9C6B-D6C7DFDC589F}" vid="{4A3C46E8-61CC-4603-A589-7422A47A8E4A}"/>
+    </a:ext>
+  </a:extLst>
 </a:theme>
 </file>
 
@@ -27034,7 +26893,269 @@
       </a:bgFillStyleLst>
     </a:fmtScheme>
   </a:themeElements>
-  <a:objectDefaults/>
-  <a:extraClrSchemeLst/>
+  <a:extLst>
+    <a:ext uri="{05A4C25C-085E-4340-85A3-A5531E510DB2}">
+      <thm15:themeFamily xmlns:thm15="http://schemas.microsoft.com/office/thememl/2012/main" name="Office Theme" id="{62F939B6-93AF-4DB8-9C6B-D6C7DFDC589F}" vid="{4A3C46E8-61CC-4603-A589-7422A47A8E4A}"/>
+    </a:ext>
+  </a:extLst>
+</a:theme>
+</file>
+
+<file path=ppt/theme/theme3.xml><?xml version="1.0" encoding="utf-8"?>
+<a:theme xmlns:a="http://schemas.openxmlformats.org/drawingml/2006/main" name="Office Theme">
+  <a:themeElements>
+    <a:clrScheme name="Office">
+      <a:dk1>
+        <a:sysClr val="windowText" lastClr="000000"/>
+      </a:dk1>
+      <a:lt1>
+        <a:sysClr val="window" lastClr="FFFFFF"/>
+      </a:lt1>
+      <a:dk2>
+        <a:srgbClr val="44546A"/>
+      </a:dk2>
+      <a:lt2>
+        <a:srgbClr val="E7E6E6"/>
+      </a:lt2>
+      <a:accent1>
+        <a:srgbClr val="5B9BD5"/>
+      </a:accent1>
+      <a:accent2>
+        <a:srgbClr val="ED7D31"/>
+      </a:accent2>
+      <a:accent3>
+        <a:srgbClr val="A5A5A5"/>
+      </a:accent3>
+      <a:accent4>
+        <a:srgbClr val="FFC000"/>
+      </a:accent4>
+      <a:accent5>
+        <a:srgbClr val="4472C4"/>
+      </a:accent5>
+      <a:accent6>
+        <a:srgbClr val="70AD47"/>
+      </a:accent6>
+      <a:hlink>
+        <a:srgbClr val="0563C1"/>
+      </a:hlink>
+      <a:folHlink>
+        <a:srgbClr val="954F72"/>
+      </a:folHlink>
+    </a:clrScheme>
+    <a:fontScheme name="Office">
+      <a:majorFont>
+        <a:latin typeface="Calibri Light"/>
+        <a:ea typeface=""/>
+        <a:cs typeface=""/>
+        <a:font script="Jpan" typeface="ＭＳ Ｐゴシック"/>
+        <a:font script="Hang" typeface="맑은 고딕"/>
+        <a:font script="Hans" typeface="宋体"/>
+        <a:font script="Hant" typeface="新細明體"/>
+        <a:font script="Arab" typeface="Times New Roman"/>
+        <a:font script="Hebr" typeface="Times New Roman"/>
+        <a:font script="Thai" typeface="Angsana New"/>
+        <a:font script="Ethi" typeface="Nyala"/>
+        <a:font script="Beng" typeface="Vrinda"/>
+        <a:font script="Gujr" typeface="Shruti"/>
+        <a:font script="Khmr" typeface="MoolBoran"/>
+        <a:font script="Knda" typeface="Tunga"/>
+        <a:font script="Guru" typeface="Raavi"/>
+        <a:font script="Cans" typeface="Euphemia"/>
+        <a:font script="Cher" typeface="Plantagenet Cherokee"/>
+        <a:font script="Yiii" typeface="Microsoft Yi Baiti"/>
+        <a:font script="Tibt" typeface="Microsoft Himalaya"/>
+        <a:font script="Thaa" typeface="MV Boli"/>
+        <a:font script="Deva" typeface="Mangal"/>
+        <a:font script="Telu" typeface="Gautami"/>
+        <a:font script="Taml" typeface="Latha"/>
+        <a:font script="Syrc" typeface="Estrangelo Edessa"/>
+        <a:font script="Orya" typeface="Kalinga"/>
+        <a:font script="Mlym" typeface="Kartika"/>
+        <a:font script="Laoo" typeface="DokChampa"/>
+        <a:font script="Sinh" typeface="Iskoola Pota"/>
+        <a:font script="Mong" typeface="Mongolian Baiti"/>
+        <a:font script="Viet" typeface="Times New Roman"/>
+        <a:font script="Uigh" typeface="Microsoft Uighur"/>
+        <a:font script="Geor" typeface="Sylfaen"/>
+      </a:majorFont>
+      <a:minorFont>
+        <a:latin typeface="Calibri"/>
+        <a:ea typeface=""/>
+        <a:cs typeface=""/>
+        <a:font script="Jpan" typeface="ＭＳ Ｐゴシック"/>
+        <a:font script="Hang" typeface="맑은 고딕"/>
+        <a:font script="Hans" typeface="宋体"/>
+        <a:font script="Hant" typeface="新細明體"/>
+        <a:font script="Arab" typeface="Arial"/>
+        <a:font script="Hebr" typeface="Arial"/>
+        <a:font script="Thai" typeface="Cordia New"/>
+        <a:font script="Ethi" typeface="Nyala"/>
+        <a:font script="Beng" typeface="Vrinda"/>
+        <a:font script="Gujr" typeface="Shruti"/>
+        <a:font script="Khmr" typeface="DaunPenh"/>
+        <a:font script="Knda" typeface="Tunga"/>
+        <a:font script="Guru" typeface="Raavi"/>
+        <a:font script="Cans" typeface="Euphemia"/>
+        <a:font script="Cher" typeface="Plantagenet Cherokee"/>
+        <a:font script="Yiii" typeface="Microsoft Yi Baiti"/>
+        <a:font script="Tibt" typeface="Microsoft Himalaya"/>
+        <a:font script="Thaa" typeface="MV Boli"/>
+        <a:font script="Deva" typeface="Mangal"/>
+        <a:font script="Telu" typeface="Gautami"/>
+        <a:font script="Taml" typeface="Latha"/>
+        <a:font script="Syrc" typeface="Estrangelo Edessa"/>
+        <a:font script="Orya" typeface="Kalinga"/>
+        <a:font script="Mlym" typeface="Kartika"/>
+        <a:font script="Laoo" typeface="DokChampa"/>
+        <a:font script="Sinh" typeface="Iskoola Pota"/>
+        <a:font script="Mong" typeface="Mongolian Baiti"/>
+        <a:font script="Viet" typeface="Arial"/>
+        <a:font script="Uigh" typeface="Microsoft Uighur"/>
+        <a:font script="Geor" typeface="Sylfaen"/>
+      </a:minorFont>
+    </a:fontScheme>
+    <a:fmtScheme name="Office">
+      <a:fillStyleLst>
+        <a:solidFill>
+          <a:schemeClr val="phClr"/>
+        </a:solidFill>
+        <a:gradFill rotWithShape="1">
+          <a:gsLst>
+            <a:gs pos="0">
+              <a:schemeClr val="phClr">
+                <a:lumMod val="110000"/>
+                <a:satMod val="105000"/>
+                <a:tint val="67000"/>
+              </a:schemeClr>
+            </a:gs>
+            <a:gs pos="50000">
+              <a:schemeClr val="phClr">
+                <a:lumMod val="105000"/>
+                <a:satMod val="103000"/>
+                <a:tint val="73000"/>
+              </a:schemeClr>
+            </a:gs>
+            <a:gs pos="100000">
+              <a:schemeClr val="phClr">
+                <a:lumMod val="105000"/>
+                <a:satMod val="109000"/>
+                <a:tint val="81000"/>
+              </a:schemeClr>
+            </a:gs>
+          </a:gsLst>
+          <a:lin ang="5400000" scaled="0"/>
+        </a:gradFill>
+        <a:gradFill rotWithShape="1">
+          <a:gsLst>
+            <a:gs pos="0">
+              <a:schemeClr val="phClr">
+                <a:satMod val="103000"/>
+                <a:lumMod val="102000"/>
+                <a:tint val="94000"/>
+              </a:schemeClr>
+            </a:gs>
+            <a:gs pos="50000">
+              <a:schemeClr val="phClr">
+                <a:satMod val="110000"/>
+                <a:lumMod val="100000"/>
+                <a:shade val="100000"/>
+              </a:schemeClr>
+            </a:gs>
+            <a:gs pos="100000">
+              <a:schemeClr val="phClr">
+                <a:lumMod val="99000"/>
+                <a:satMod val="120000"/>
+                <a:shade val="78000"/>
+              </a:schemeClr>
+            </a:gs>
+          </a:gsLst>
+          <a:lin ang="5400000" scaled="0"/>
+        </a:gradFill>
+      </a:fillStyleLst>
+      <a:lnStyleLst>
+        <a:ln w="6350" cap="flat" cmpd="sng" algn="ctr">
+          <a:solidFill>
+            <a:schemeClr val="phClr"/>
+          </a:solidFill>
+          <a:prstDash val="solid"/>
+          <a:miter lim="800000"/>
+        </a:ln>
+        <a:ln w="12700" cap="flat" cmpd="sng" algn="ctr">
+          <a:solidFill>
+            <a:schemeClr val="phClr"/>
+          </a:solidFill>
+          <a:prstDash val="solid"/>
+          <a:miter lim="800000"/>
+        </a:ln>
+        <a:ln w="19050" cap="flat" cmpd="sng" algn="ctr">
+          <a:solidFill>
+            <a:schemeClr val="phClr"/>
+          </a:solidFill>
+          <a:prstDash val="solid"/>
+          <a:miter lim="800000"/>
+        </a:ln>
+      </a:lnStyleLst>
+      <a:effectStyleLst>
+        <a:effectStyle>
+          <a:effectLst/>
+        </a:effectStyle>
+        <a:effectStyle>
+          <a:effectLst/>
+        </a:effectStyle>
+        <a:effectStyle>
+          <a:effectLst>
+            <a:outerShdw blurRad="57150" dist="19050" dir="5400000" algn="ctr" rotWithShape="0">
+              <a:srgbClr val="000000">
+                <a:alpha val="63000"/>
+              </a:srgbClr>
+            </a:outerShdw>
+          </a:effectLst>
+        </a:effectStyle>
+      </a:effectStyleLst>
+      <a:bgFillStyleLst>
+        <a:solidFill>
+          <a:schemeClr val="phClr"/>
+        </a:solidFill>
+        <a:solidFill>
+          <a:schemeClr val="phClr">
+            <a:tint val="95000"/>
+            <a:satMod val="170000"/>
+          </a:schemeClr>
+        </a:solidFill>
+        <a:gradFill rotWithShape="1">
+          <a:gsLst>
+            <a:gs pos="0">
+              <a:schemeClr val="phClr">
+                <a:tint val="93000"/>
+                <a:satMod val="150000"/>
+                <a:shade val="98000"/>
+                <a:lumMod val="102000"/>
+              </a:schemeClr>
+            </a:gs>
+            <a:gs pos="50000">
+              <a:schemeClr val="phClr">
+                <a:tint val="98000"/>
+                <a:satMod val="130000"/>
+                <a:shade val="90000"/>
+                <a:lumMod val="103000"/>
+              </a:schemeClr>
+            </a:gs>
+            <a:gs pos="100000">
+              <a:schemeClr val="phClr">
+                <a:shade val="63000"/>
+                <a:satMod val="120000"/>
+              </a:schemeClr>
+            </a:gs>
+          </a:gsLst>
+          <a:lin ang="5400000" scaled="0"/>
+        </a:gradFill>
+      </a:bgFillStyleLst>
+    </a:fmtScheme>
+  </a:themeElements>
+  <a:extLst>
+    <a:ext uri="{05A4C25C-085E-4340-85A3-A5531E510DB2}">
+      <thm15:themeFamily xmlns:thm15="http://schemas.microsoft.com/office/thememl/2012/main" name="Office Theme" id="{62F939B6-93AF-4DB8-9C6B-D6C7DFDC589F}" vid="{4A3C46E8-61CC-4603-A589-7422A47A8E4A}"/>
+    </a:ext>
+  </a:extLst>
 </a:theme>
 </file>